--- a/data/template/format_model-analysis_md.pptx
+++ b/data/template/format_model-analysis_md.pptx
@@ -1,47 +1,29 @@
 
 <file path=ppt/presentation.xml><?xml version="1.0" encoding="utf-8"?>
-<p:presentation xmlns:a="http://schemas.openxmlformats.org/drawingml/2006/main" xmlns:r="http://schemas.openxmlformats.org/officeDocument/2006/relationships" xmlns:p="http://schemas.openxmlformats.org/presentationml/2006/main" embedTrueTypeFonts="1" saveSubsetFonts="1">
+<p:presentation xmlns:a="http://schemas.openxmlformats.org/drawingml/2006/main" xmlns:r="http://schemas.openxmlformats.org/officeDocument/2006/relationships" xmlns:p="http://schemas.openxmlformats.org/presentationml/2006/main" saveSubsetFonts="1">
   <p:sldMasterIdLst>
     <p:sldMasterId id="2147483648" r:id="rId1"/>
-    <p:sldMasterId id="2147483660" r:id="rId2"/>
   </p:sldMasterIdLst>
   <p:sldIdLst>
-    <p:sldId id="256" r:id="rId3"/>
-    <p:sldId id="272" r:id="rId4"/>
-    <p:sldId id="257" r:id="rId5"/>
-    <p:sldId id="261" r:id="rId6"/>
-    <p:sldId id="262" r:id="rId7"/>
-    <p:sldId id="263" r:id="rId8"/>
-    <p:sldId id="264" r:id="rId9"/>
-    <p:sldId id="265" r:id="rId10"/>
-    <p:sldId id="273" r:id="rId11"/>
-    <p:sldId id="266" r:id="rId12"/>
-    <p:sldId id="267" r:id="rId13"/>
-    <p:sldId id="268" r:id="rId14"/>
-    <p:sldId id="269" r:id="rId15"/>
-    <p:sldId id="270" r:id="rId16"/>
-    <p:sldId id="271" r:id="rId17"/>
+    <p:sldId id="256" r:id="rId2"/>
+    <p:sldId id="257" r:id="rId3"/>
+    <p:sldId id="260" r:id="rId4"/>
+    <p:sldId id="272" r:id="rId5"/>
+    <p:sldId id="273" r:id="rId6"/>
+    <p:sldId id="274" r:id="rId7"/>
+    <p:sldId id="275" r:id="rId8"/>
+    <p:sldId id="276" r:id="rId9"/>
+    <p:sldId id="258" r:id="rId10"/>
+    <p:sldId id="277" r:id="rId11"/>
+    <p:sldId id="278" r:id="rId12"/>
+    <p:sldId id="279" r:id="rId13"/>
+    <p:sldId id="280" r:id="rId14"/>
+    <p:sldId id="281" r:id="rId15"/>
+    <p:sldId id="282" r:id="rId16"/>
+    <p:sldId id="259" r:id="rId17"/>
   </p:sldIdLst>
-  <p:sldSz cx="18288000" cy="10287000"/>
+  <p:sldSz cx="12192000" cy="6858000"/>
   <p:notesSz cx="6858000" cy="9144000"/>
-  <p:embeddedFontLst>
-    <p:embeddedFont>
-      <p:font typeface="Archivo Black" panose="020B0604020202020204" charset="0"/>
-      <p:regular r:id="rId18"/>
-    </p:embeddedFont>
-    <p:embeddedFont>
-      <p:font typeface="Calibri" panose="020F0502020204030204" pitchFamily="34" charset="0"/>
-      <p:regular r:id="rId19"/>
-      <p:bold r:id="rId20"/>
-      <p:italic r:id="rId21"/>
-      <p:boldItalic r:id="rId22"/>
-    </p:embeddedFont>
-    <p:embeddedFont>
-      <p:font typeface="Calibri Light" panose="020F0302020204030204" pitchFamily="34" charset="0"/>
-      <p:regular r:id="rId23"/>
-      <p:italic r:id="rId24"/>
-    </p:embeddedFont>
-  </p:embeddedFontLst>
   <p:defaultTextStyle>
     <a:defPPr>
       <a:defRPr lang="en-US"/>
@@ -139,18 +121,7 @@
   </p:defaultTextStyle>
   <p:extLst>
     <p:ext uri="{EFAFB233-063F-42B5-8137-9DF3F51BA10A}">
-      <p15:sldGuideLst xmlns:p15="http://schemas.microsoft.com/office/powerpoint/2012/main">
-        <p15:guide id="1" orient="horz" pos="2160">
-          <p15:clr>
-            <a:srgbClr val="A4A3A4"/>
-          </p15:clr>
-        </p15:guide>
-        <p15:guide id="2" pos="2880">
-          <p15:clr>
-            <a:srgbClr val="A4A3A4"/>
-          </p15:clr>
-        </p15:guide>
-      </p15:sldGuideLst>
+      <p15:sldGuideLst xmlns:p15="http://schemas.microsoft.com/office/powerpoint/2012/main"/>
     </p:ext>
   </p:extLst>
 </p:presentation>
@@ -175,7 +146,13 @@
       </p:grpSpPr>
       <p:sp>
         <p:nvSpPr>
-          <p:cNvPr id="2" name="Title 1"/>
+          <p:cNvPr id="2" name="Title 1">
+            <a:extLst>
+              <a:ext uri="{FF2B5EF4-FFF2-40B4-BE49-F238E27FC236}">
+                <a16:creationId xmlns:a16="http://schemas.microsoft.com/office/drawing/2014/main" id="{6E466762-5D70-4E2A-B344-A52A34F31919}"/>
+              </a:ext>
+            </a:extLst>
+          </p:cNvPr>
           <p:cNvSpPr>
             <a:spLocks noGrp="1"/>
           </p:cNvSpPr>
@@ -185,13 +162,17 @@
         </p:nvSpPr>
         <p:spPr>
           <a:xfrm>
-            <a:off x="685800" y="2130425"/>
-            <a:ext cx="7772400" cy="1470025"/>
+            <a:off x="1524000" y="1122363"/>
+            <a:ext cx="9144000" cy="2387600"/>
           </a:xfrm>
         </p:spPr>
         <p:txBody>
-          <a:bodyPr/>
-          <a:lstStyle/>
+          <a:bodyPr anchor="b"/>
+          <a:lstStyle>
+            <a:lvl1pPr algn="ctr">
+              <a:defRPr sz="6000"/>
+            </a:lvl1pPr>
+          </a:lstStyle>
           <a:p>
             <a:r>
               <a:rPr lang="en-US"/>
@@ -202,7 +183,13 @@
       </p:sp>
       <p:sp>
         <p:nvSpPr>
-          <p:cNvPr id="3" name="Subtitle 2"/>
+          <p:cNvPr id="3" name="Subtitle 2">
+            <a:extLst>
+              <a:ext uri="{FF2B5EF4-FFF2-40B4-BE49-F238E27FC236}">
+                <a16:creationId xmlns:a16="http://schemas.microsoft.com/office/drawing/2014/main" id="{83D6B3FA-E85C-53EA-DFE8-2EE013C28581}"/>
+              </a:ext>
+            </a:extLst>
+          </p:cNvPr>
           <p:cNvSpPr>
             <a:spLocks noGrp="1"/>
           </p:cNvSpPr>
@@ -212,8 +199,8 @@
         </p:nvSpPr>
         <p:spPr>
           <a:xfrm>
-            <a:off x="1371600" y="3886200"/>
-            <a:ext cx="6400800" cy="1752600"/>
+            <a:off x="1524000" y="3602038"/>
+            <a:ext cx="9144000" cy="1655762"/>
           </a:xfrm>
         </p:spPr>
         <p:txBody>
@@ -221,93 +208,39 @@
           <a:lstStyle>
             <a:lvl1pPr marL="0" indent="0" algn="ctr">
               <a:buNone/>
-              <a:defRPr>
-                <a:solidFill>
-                  <a:schemeClr val="tx1">
-                    <a:tint val="75000"/>
-                  </a:schemeClr>
-                </a:solidFill>
-              </a:defRPr>
+              <a:defRPr sz="2400"/>
             </a:lvl1pPr>
             <a:lvl2pPr marL="457200" indent="0" algn="ctr">
               <a:buNone/>
-              <a:defRPr>
-                <a:solidFill>
-                  <a:schemeClr val="tx1">
-                    <a:tint val="75000"/>
-                  </a:schemeClr>
-                </a:solidFill>
-              </a:defRPr>
+              <a:defRPr sz="2000"/>
             </a:lvl2pPr>
             <a:lvl3pPr marL="914400" indent="0" algn="ctr">
               <a:buNone/>
-              <a:defRPr>
-                <a:solidFill>
-                  <a:schemeClr val="tx1">
-                    <a:tint val="75000"/>
-                  </a:schemeClr>
-                </a:solidFill>
-              </a:defRPr>
+              <a:defRPr sz="1800"/>
             </a:lvl3pPr>
             <a:lvl4pPr marL="1371600" indent="0" algn="ctr">
               <a:buNone/>
-              <a:defRPr>
-                <a:solidFill>
-                  <a:schemeClr val="tx1">
-                    <a:tint val="75000"/>
-                  </a:schemeClr>
-                </a:solidFill>
-              </a:defRPr>
+              <a:defRPr sz="1600"/>
             </a:lvl4pPr>
             <a:lvl5pPr marL="1828800" indent="0" algn="ctr">
               <a:buNone/>
-              <a:defRPr>
-                <a:solidFill>
-                  <a:schemeClr val="tx1">
-                    <a:tint val="75000"/>
-                  </a:schemeClr>
-                </a:solidFill>
-              </a:defRPr>
+              <a:defRPr sz="1600"/>
             </a:lvl5pPr>
             <a:lvl6pPr marL="2286000" indent="0" algn="ctr">
               <a:buNone/>
-              <a:defRPr>
-                <a:solidFill>
-                  <a:schemeClr val="tx1">
-                    <a:tint val="75000"/>
-                  </a:schemeClr>
-                </a:solidFill>
-              </a:defRPr>
+              <a:defRPr sz="1600"/>
             </a:lvl6pPr>
             <a:lvl7pPr marL="2743200" indent="0" algn="ctr">
               <a:buNone/>
-              <a:defRPr>
-                <a:solidFill>
-                  <a:schemeClr val="tx1">
-                    <a:tint val="75000"/>
-                  </a:schemeClr>
-                </a:solidFill>
-              </a:defRPr>
+              <a:defRPr sz="1600"/>
             </a:lvl7pPr>
             <a:lvl8pPr marL="3200400" indent="0" algn="ctr">
               <a:buNone/>
-              <a:defRPr>
-                <a:solidFill>
-                  <a:schemeClr val="tx1">
-                    <a:tint val="75000"/>
-                  </a:schemeClr>
-                </a:solidFill>
-              </a:defRPr>
+              <a:defRPr sz="1600"/>
             </a:lvl8pPr>
             <a:lvl9pPr marL="3657600" indent="0" algn="ctr">
               <a:buNone/>
-              <a:defRPr>
-                <a:solidFill>
-                  <a:schemeClr val="tx1">
-                    <a:tint val="75000"/>
-                  </a:schemeClr>
-                </a:solidFill>
-              </a:defRPr>
+              <a:defRPr sz="1600"/>
             </a:lvl9pPr>
           </a:lstStyle>
           <a:p>
@@ -320,7 +253,13 @@
       </p:sp>
       <p:sp>
         <p:nvSpPr>
-          <p:cNvPr id="4" name="Date Placeholder 3"/>
+          <p:cNvPr id="4" name="Date Placeholder 3">
+            <a:extLst>
+              <a:ext uri="{FF2B5EF4-FFF2-40B4-BE49-F238E27FC236}">
+                <a16:creationId xmlns:a16="http://schemas.microsoft.com/office/drawing/2014/main" id="{910D1133-EBC7-BD68-0FA9-250FA6566D80}"/>
+              </a:ext>
+            </a:extLst>
+          </p:cNvPr>
           <p:cNvSpPr>
             <a:spLocks noGrp="1"/>
           </p:cNvSpPr>
@@ -333,9 +272,8 @@
           <a:bodyPr/>
           <a:lstStyle/>
           <a:p>
-            <a:fld id="{1D8BD707-D9CF-40AE-B4C6-C98DA3205C09}" type="datetimeFigureOut">
+            <a:fld id="{5E1F6F16-DD62-4A72-9F7C-0B6D38972453}" type="datetimeFigureOut">
               <a:rPr lang="en-US" smtClean="0"/>
-              <a:pPr/>
               <a:t>11/2/2023</a:t>
             </a:fld>
             <a:endParaRPr lang="en-US"/>
@@ -344,7 +282,13 @@
       </p:sp>
       <p:sp>
         <p:nvSpPr>
-          <p:cNvPr id="5" name="Footer Placeholder 4"/>
+          <p:cNvPr id="5" name="Footer Placeholder 4">
+            <a:extLst>
+              <a:ext uri="{FF2B5EF4-FFF2-40B4-BE49-F238E27FC236}">
+                <a16:creationId xmlns:a16="http://schemas.microsoft.com/office/drawing/2014/main" id="{1F55CCF8-805B-CBFD-61BE-F8A8BE17B6B3}"/>
+              </a:ext>
+            </a:extLst>
+          </p:cNvPr>
           <p:cNvSpPr>
             <a:spLocks noGrp="1"/>
           </p:cNvSpPr>
@@ -363,7 +307,13 @@
       </p:sp>
       <p:sp>
         <p:nvSpPr>
-          <p:cNvPr id="6" name="Slide Number Placeholder 5"/>
+          <p:cNvPr id="6" name="Slide Number Placeholder 5">
+            <a:extLst>
+              <a:ext uri="{FF2B5EF4-FFF2-40B4-BE49-F238E27FC236}">
+                <a16:creationId xmlns:a16="http://schemas.microsoft.com/office/drawing/2014/main" id="{13BA9218-0299-A113-AA86-3D6133CDB4F0}"/>
+              </a:ext>
+            </a:extLst>
+          </p:cNvPr>
           <p:cNvSpPr>
             <a:spLocks noGrp="1"/>
           </p:cNvSpPr>
@@ -376,9 +326,8 @@
           <a:bodyPr/>
           <a:lstStyle/>
           <a:p>
-            <a:fld id="{B6F15528-21DE-4FAA-801E-634DDDAF4B2B}" type="slidenum">
+            <a:fld id="{7B913512-C656-456F-81BF-BA91514457B2}" type="slidenum">
               <a:rPr lang="en-US" smtClean="0"/>
-              <a:pPr/>
               <a:t>‹#›</a:t>
             </a:fld>
             <a:endParaRPr lang="en-US"/>
@@ -386,6 +335,11 @@
         </p:txBody>
       </p:sp>
     </p:spTree>
+    <p:extLst>
+      <p:ext uri="{BB962C8B-B14F-4D97-AF65-F5344CB8AC3E}">
+        <p14:creationId xmlns:p14="http://schemas.microsoft.com/office/powerpoint/2010/main" val="4058589714"/>
+      </p:ext>
+    </p:extLst>
   </p:cSld>
   <p:clrMapOvr>
     <a:masterClrMapping/>
@@ -412,7 +366,13 @@
       </p:grpSpPr>
       <p:sp>
         <p:nvSpPr>
-          <p:cNvPr id="2" name="Title 1"/>
+          <p:cNvPr id="2" name="Title 1">
+            <a:extLst>
+              <a:ext uri="{FF2B5EF4-FFF2-40B4-BE49-F238E27FC236}">
+                <a16:creationId xmlns:a16="http://schemas.microsoft.com/office/drawing/2014/main" id="{E6748185-BBDB-C0F0-B022-7AE805CAD69C}"/>
+              </a:ext>
+            </a:extLst>
+          </p:cNvPr>
           <p:cNvSpPr>
             <a:spLocks noGrp="1"/>
           </p:cNvSpPr>
@@ -434,7 +394,13 @@
       </p:sp>
       <p:sp>
         <p:nvSpPr>
-          <p:cNvPr id="3" name="Vertical Text Placeholder 2"/>
+          <p:cNvPr id="3" name="Vertical Text Placeholder 2">
+            <a:extLst>
+              <a:ext uri="{FF2B5EF4-FFF2-40B4-BE49-F238E27FC236}">
+                <a16:creationId xmlns:a16="http://schemas.microsoft.com/office/drawing/2014/main" id="{24ED684A-DEE4-C4C3-BA33-5F5FCFC6BCA5}"/>
+              </a:ext>
+            </a:extLst>
+          </p:cNvPr>
           <p:cNvSpPr>
             <a:spLocks noGrp="1"/>
           </p:cNvSpPr>
@@ -485,7 +451,13 @@
       </p:sp>
       <p:sp>
         <p:nvSpPr>
-          <p:cNvPr id="4" name="Date Placeholder 3"/>
+          <p:cNvPr id="4" name="Date Placeholder 3">
+            <a:extLst>
+              <a:ext uri="{FF2B5EF4-FFF2-40B4-BE49-F238E27FC236}">
+                <a16:creationId xmlns:a16="http://schemas.microsoft.com/office/drawing/2014/main" id="{524CCE30-DB12-BD27-2D17-FE0364FDA845}"/>
+              </a:ext>
+            </a:extLst>
+          </p:cNvPr>
           <p:cNvSpPr>
             <a:spLocks noGrp="1"/>
           </p:cNvSpPr>
@@ -498,9 +470,8 @@
           <a:bodyPr/>
           <a:lstStyle/>
           <a:p>
-            <a:fld id="{1D8BD707-D9CF-40AE-B4C6-C98DA3205C09}" type="datetimeFigureOut">
+            <a:fld id="{5E1F6F16-DD62-4A72-9F7C-0B6D38972453}" type="datetimeFigureOut">
               <a:rPr lang="en-US" smtClean="0"/>
-              <a:pPr/>
               <a:t>11/2/2023</a:t>
             </a:fld>
             <a:endParaRPr lang="en-US"/>
@@ -509,7 +480,13 @@
       </p:sp>
       <p:sp>
         <p:nvSpPr>
-          <p:cNvPr id="5" name="Footer Placeholder 4"/>
+          <p:cNvPr id="5" name="Footer Placeholder 4">
+            <a:extLst>
+              <a:ext uri="{FF2B5EF4-FFF2-40B4-BE49-F238E27FC236}">
+                <a16:creationId xmlns:a16="http://schemas.microsoft.com/office/drawing/2014/main" id="{CB2678D8-5456-2B24-1BAA-6432C511B732}"/>
+              </a:ext>
+            </a:extLst>
+          </p:cNvPr>
           <p:cNvSpPr>
             <a:spLocks noGrp="1"/>
           </p:cNvSpPr>
@@ -528,7 +505,13 @@
       </p:sp>
       <p:sp>
         <p:nvSpPr>
-          <p:cNvPr id="6" name="Slide Number Placeholder 5"/>
+          <p:cNvPr id="6" name="Slide Number Placeholder 5">
+            <a:extLst>
+              <a:ext uri="{FF2B5EF4-FFF2-40B4-BE49-F238E27FC236}">
+                <a16:creationId xmlns:a16="http://schemas.microsoft.com/office/drawing/2014/main" id="{80CC68DB-3491-1D5C-33D3-BE526D375808}"/>
+              </a:ext>
+            </a:extLst>
+          </p:cNvPr>
           <p:cNvSpPr>
             <a:spLocks noGrp="1"/>
           </p:cNvSpPr>
@@ -541,9 +524,8 @@
           <a:bodyPr/>
           <a:lstStyle/>
           <a:p>
-            <a:fld id="{B6F15528-21DE-4FAA-801E-634DDDAF4B2B}" type="slidenum">
+            <a:fld id="{7B913512-C656-456F-81BF-BA91514457B2}" type="slidenum">
               <a:rPr lang="en-US" smtClean="0"/>
-              <a:pPr/>
               <a:t>‹#›</a:t>
             </a:fld>
             <a:endParaRPr lang="en-US"/>
@@ -551,6 +533,11 @@
         </p:txBody>
       </p:sp>
     </p:spTree>
+    <p:extLst>
+      <p:ext uri="{BB962C8B-B14F-4D97-AF65-F5344CB8AC3E}">
+        <p14:creationId xmlns:p14="http://schemas.microsoft.com/office/powerpoint/2010/main" val="2548957169"/>
+      </p:ext>
+    </p:extLst>
   </p:cSld>
   <p:clrMapOvr>
     <a:masterClrMapping/>
@@ -577,7 +564,13 @@
       </p:grpSpPr>
       <p:sp>
         <p:nvSpPr>
-          <p:cNvPr id="2" name="Vertical Title 1"/>
+          <p:cNvPr id="2" name="Vertical Title 1">
+            <a:extLst>
+              <a:ext uri="{FF2B5EF4-FFF2-40B4-BE49-F238E27FC236}">
+                <a16:creationId xmlns:a16="http://schemas.microsoft.com/office/drawing/2014/main" id="{E57516BB-EBEC-3525-FEBF-1A2A1CC5C460}"/>
+              </a:ext>
+            </a:extLst>
+          </p:cNvPr>
           <p:cNvSpPr>
             <a:spLocks noGrp="1"/>
           </p:cNvSpPr>
@@ -587,8 +580,8 @@
         </p:nvSpPr>
         <p:spPr>
           <a:xfrm>
-            <a:off x="6629400" y="274638"/>
-            <a:ext cx="2057400" cy="5851525"/>
+            <a:off x="8724900" y="365125"/>
+            <a:ext cx="2628900" cy="5811838"/>
           </a:xfrm>
         </p:spPr>
         <p:txBody>
@@ -604,7 +597,13 @@
       </p:sp>
       <p:sp>
         <p:nvSpPr>
-          <p:cNvPr id="3" name="Vertical Text Placeholder 2"/>
+          <p:cNvPr id="3" name="Vertical Text Placeholder 2">
+            <a:extLst>
+              <a:ext uri="{FF2B5EF4-FFF2-40B4-BE49-F238E27FC236}">
+                <a16:creationId xmlns:a16="http://schemas.microsoft.com/office/drawing/2014/main" id="{D98AA983-6F86-C570-D438-481DBBDC8146}"/>
+              </a:ext>
+            </a:extLst>
+          </p:cNvPr>
           <p:cNvSpPr>
             <a:spLocks noGrp="1"/>
           </p:cNvSpPr>
@@ -614,8 +613,8 @@
         </p:nvSpPr>
         <p:spPr>
           <a:xfrm>
-            <a:off x="457200" y="274638"/>
-            <a:ext cx="6019800" cy="5851525"/>
+            <a:off x="838200" y="365125"/>
+            <a:ext cx="7734300" cy="5811838"/>
           </a:xfrm>
         </p:spPr>
         <p:txBody>
@@ -660,7 +659,13 @@
       </p:sp>
       <p:sp>
         <p:nvSpPr>
-          <p:cNvPr id="4" name="Date Placeholder 3"/>
+          <p:cNvPr id="4" name="Date Placeholder 3">
+            <a:extLst>
+              <a:ext uri="{FF2B5EF4-FFF2-40B4-BE49-F238E27FC236}">
+                <a16:creationId xmlns:a16="http://schemas.microsoft.com/office/drawing/2014/main" id="{D1F3CD20-EC33-0B14-3C00-ECF7739C9514}"/>
+              </a:ext>
+            </a:extLst>
+          </p:cNvPr>
           <p:cNvSpPr>
             <a:spLocks noGrp="1"/>
           </p:cNvSpPr>
@@ -673,9 +678,8 @@
           <a:bodyPr/>
           <a:lstStyle/>
           <a:p>
-            <a:fld id="{1D8BD707-D9CF-40AE-B4C6-C98DA3205C09}" type="datetimeFigureOut">
+            <a:fld id="{5E1F6F16-DD62-4A72-9F7C-0B6D38972453}" type="datetimeFigureOut">
               <a:rPr lang="en-US" smtClean="0"/>
-              <a:pPr/>
               <a:t>11/2/2023</a:t>
             </a:fld>
             <a:endParaRPr lang="en-US"/>
@@ -684,7 +688,13 @@
       </p:sp>
       <p:sp>
         <p:nvSpPr>
-          <p:cNvPr id="5" name="Footer Placeholder 4"/>
+          <p:cNvPr id="5" name="Footer Placeholder 4">
+            <a:extLst>
+              <a:ext uri="{FF2B5EF4-FFF2-40B4-BE49-F238E27FC236}">
+                <a16:creationId xmlns:a16="http://schemas.microsoft.com/office/drawing/2014/main" id="{839987D6-5870-9329-39EE-42B0E958BFEC}"/>
+              </a:ext>
+            </a:extLst>
+          </p:cNvPr>
           <p:cNvSpPr>
             <a:spLocks noGrp="1"/>
           </p:cNvSpPr>
@@ -703,7 +713,13 @@
       </p:sp>
       <p:sp>
         <p:nvSpPr>
-          <p:cNvPr id="6" name="Slide Number Placeholder 5"/>
+          <p:cNvPr id="6" name="Slide Number Placeholder 5">
+            <a:extLst>
+              <a:ext uri="{FF2B5EF4-FFF2-40B4-BE49-F238E27FC236}">
+                <a16:creationId xmlns:a16="http://schemas.microsoft.com/office/drawing/2014/main" id="{E12E26CF-792C-5F32-4F99-0BD52FBB895A}"/>
+              </a:ext>
+            </a:extLst>
+          </p:cNvPr>
           <p:cNvSpPr>
             <a:spLocks noGrp="1"/>
           </p:cNvSpPr>
@@ -716,223 +732,7 @@
           <a:bodyPr/>
           <a:lstStyle/>
           <a:p>
-            <a:fld id="{B6F15528-21DE-4FAA-801E-634DDDAF4B2B}" type="slidenum">
-              <a:rPr lang="en-US" smtClean="0"/>
-              <a:pPr/>
-              <a:t>‹#›</a:t>
-            </a:fld>
-            <a:endParaRPr lang="en-US"/>
-          </a:p>
-        </p:txBody>
-      </p:sp>
-    </p:spTree>
-  </p:cSld>
-  <p:clrMapOvr>
-    <a:masterClrMapping/>
-  </p:clrMapOvr>
-</p:sldLayout>
-</file>
-
-<file path=ppt/slideLayouts/slideLayout12.xml><?xml version="1.0" encoding="utf-8"?>
-<p:sldLayout xmlns:a="http://schemas.openxmlformats.org/drawingml/2006/main" xmlns:r="http://schemas.openxmlformats.org/officeDocument/2006/relationships" xmlns:p="http://schemas.openxmlformats.org/presentationml/2006/main" type="title" preserve="1">
-  <p:cSld name="Title Slide">
-    <p:spTree>
-      <p:nvGrpSpPr>
-        <p:cNvPr id="1" name=""/>
-        <p:cNvGrpSpPr/>
-        <p:nvPr/>
-      </p:nvGrpSpPr>
-      <p:grpSpPr>
-        <a:xfrm>
-          <a:off x="0" y="0"/>
-          <a:ext cx="0" cy="0"/>
-          <a:chOff x="0" y="0"/>
-          <a:chExt cx="0" cy="0"/>
-        </a:xfrm>
-      </p:grpSpPr>
-      <p:pic>
-        <p:nvPicPr>
-          <p:cNvPr id="7" name="Picture 6"/>
-          <p:cNvPicPr>
-            <a:picLocks noChangeAspect="1"/>
-          </p:cNvPicPr>
-          <p:nvPr userDrawn="1"/>
-        </p:nvPicPr>
-        <p:blipFill>
-          <a:blip r:embed="rId2">
-            <a:extLst>
-              <a:ext uri="{28A0092B-C50C-407E-A947-70E740481C1C}">
-                <a14:useLocalDpi xmlns:a14="http://schemas.microsoft.com/office/drawing/2010/main" val="0"/>
-              </a:ext>
-            </a:extLst>
-          </a:blip>
-          <a:stretch>
-            <a:fillRect/>
-          </a:stretch>
-        </p:blipFill>
-        <p:spPr>
-          <a:xfrm>
-            <a:off x="0" y="0"/>
-            <a:ext cx="18288000" cy="10287000"/>
-          </a:xfrm>
-          <a:prstGeom prst="rect">
-            <a:avLst/>
-          </a:prstGeom>
-        </p:spPr>
-      </p:pic>
-      <p:sp>
-        <p:nvSpPr>
-          <p:cNvPr id="2" name="Title 1"/>
-          <p:cNvSpPr>
-            <a:spLocks noGrp="1"/>
-          </p:cNvSpPr>
-          <p:nvPr>
-            <p:ph type="ctrTitle"/>
-          </p:nvPr>
-        </p:nvSpPr>
-        <p:spPr>
-          <a:xfrm>
-            <a:off x="2286000" y="3101546"/>
-            <a:ext cx="13716000" cy="2163399"/>
-          </a:xfrm>
-        </p:spPr>
-        <p:txBody>
-          <a:bodyPr anchor="b"/>
-          <a:lstStyle>
-            <a:lvl1pPr algn="ctr">
-              <a:defRPr sz="9000"/>
-            </a:lvl1pPr>
-          </a:lstStyle>
-          <a:p>
-            <a:r>
-              <a:rPr lang="en-US"/>
-              <a:t>Click to edit Master title style</a:t>
-            </a:r>
-          </a:p>
-        </p:txBody>
-      </p:sp>
-      <p:sp>
-        <p:nvSpPr>
-          <p:cNvPr id="3" name="Subtitle 2"/>
-          <p:cNvSpPr>
-            <a:spLocks noGrp="1"/>
-          </p:cNvSpPr>
-          <p:nvPr>
-            <p:ph type="subTitle" idx="1"/>
-          </p:nvPr>
-        </p:nvSpPr>
-        <p:spPr>
-          <a:xfrm>
-            <a:off x="2286000" y="5403058"/>
-            <a:ext cx="13716000" cy="1405517"/>
-          </a:xfrm>
-        </p:spPr>
-        <p:txBody>
-          <a:bodyPr/>
-          <a:lstStyle>
-            <a:lvl1pPr marL="0" indent="0" algn="ctr">
-              <a:buNone/>
-              <a:defRPr sz="3600"/>
-            </a:lvl1pPr>
-            <a:lvl2pPr marL="685800" indent="0" algn="ctr">
-              <a:buNone/>
-              <a:defRPr sz="3000"/>
-            </a:lvl2pPr>
-            <a:lvl3pPr marL="1371600" indent="0" algn="ctr">
-              <a:buNone/>
-              <a:defRPr sz="2700"/>
-            </a:lvl3pPr>
-            <a:lvl4pPr marL="2057400" indent="0" algn="ctr">
-              <a:buNone/>
-              <a:defRPr sz="2400"/>
-            </a:lvl4pPr>
-            <a:lvl5pPr marL="2743200" indent="0" algn="ctr">
-              <a:buNone/>
-              <a:defRPr sz="2400"/>
-            </a:lvl5pPr>
-            <a:lvl6pPr marL="3429000" indent="0" algn="ctr">
-              <a:buNone/>
-              <a:defRPr sz="2400"/>
-            </a:lvl6pPr>
-            <a:lvl7pPr marL="4114800" indent="0" algn="ctr">
-              <a:buNone/>
-              <a:defRPr sz="2400"/>
-            </a:lvl7pPr>
-            <a:lvl8pPr marL="4800600" indent="0" algn="ctr">
-              <a:buNone/>
-              <a:defRPr sz="2400"/>
-            </a:lvl8pPr>
-            <a:lvl9pPr marL="5486400" indent="0" algn="ctr">
-              <a:buNone/>
-              <a:defRPr sz="2400"/>
-            </a:lvl9pPr>
-          </a:lstStyle>
-          <a:p>
-            <a:r>
-              <a:rPr lang="en-US"/>
-              <a:t>Click to edit Master subtitle style</a:t>
-            </a:r>
-          </a:p>
-        </p:txBody>
-      </p:sp>
-      <p:sp>
-        <p:nvSpPr>
-          <p:cNvPr id="4" name="Date Placeholder 3"/>
-          <p:cNvSpPr>
-            <a:spLocks noGrp="1"/>
-          </p:cNvSpPr>
-          <p:nvPr>
-            <p:ph type="dt" sz="half" idx="10"/>
-          </p:nvPr>
-        </p:nvSpPr>
-        <p:spPr/>
-        <p:txBody>
-          <a:bodyPr/>
-          <a:lstStyle/>
-          <a:p>
-            <a:fld id="{6D69D915-0C95-4E2B-A33E-1C81BBBB360F}" type="datetimeFigureOut">
-              <a:rPr lang="en-US" smtClean="0"/>
-              <a:t>11/2/2023</a:t>
-            </a:fld>
-            <a:endParaRPr lang="en-US"/>
-          </a:p>
-        </p:txBody>
-      </p:sp>
-      <p:sp>
-        <p:nvSpPr>
-          <p:cNvPr id="5" name="Footer Placeholder 4"/>
-          <p:cNvSpPr>
-            <a:spLocks noGrp="1"/>
-          </p:cNvSpPr>
-          <p:nvPr>
-            <p:ph type="ftr" sz="quarter" idx="11"/>
-          </p:nvPr>
-        </p:nvSpPr>
-        <p:spPr/>
-        <p:txBody>
-          <a:bodyPr/>
-          <a:lstStyle/>
-          <a:p>
-            <a:endParaRPr lang="en-US"/>
-          </a:p>
-        </p:txBody>
-      </p:sp>
-      <p:sp>
-        <p:nvSpPr>
-          <p:cNvPr id="6" name="Slide Number Placeholder 5"/>
-          <p:cNvSpPr>
-            <a:spLocks noGrp="1"/>
-          </p:cNvSpPr>
-          <p:nvPr>
-            <p:ph type="sldNum" sz="quarter" idx="12"/>
-          </p:nvPr>
-        </p:nvSpPr>
-        <p:spPr/>
-        <p:txBody>
-          <a:bodyPr/>
-          <a:lstStyle/>
-          <a:p>
-            <a:fld id="{5E2AC11C-9EA8-4635-A212-19ECE156EFE4}" type="slidenum">
+            <a:fld id="{7B913512-C656-456F-81BF-BA91514457B2}" type="slidenum">
               <a:rPr lang="en-US" smtClean="0"/>
               <a:t>‹#›</a:t>
             </a:fld>
@@ -943,1535 +743,7 @@
     </p:spTree>
     <p:extLst>
       <p:ext uri="{BB962C8B-B14F-4D97-AF65-F5344CB8AC3E}">
-        <p14:creationId xmlns:p14="http://schemas.microsoft.com/office/powerpoint/2010/main" val="2109101120"/>
-      </p:ext>
-    </p:extLst>
-  </p:cSld>
-  <p:clrMapOvr>
-    <a:masterClrMapping/>
-  </p:clrMapOvr>
-</p:sldLayout>
-</file>
-
-<file path=ppt/slideLayouts/slideLayout13.xml><?xml version="1.0" encoding="utf-8"?>
-<p:sldLayout xmlns:a="http://schemas.openxmlformats.org/drawingml/2006/main" xmlns:r="http://schemas.openxmlformats.org/officeDocument/2006/relationships" xmlns:p="http://schemas.openxmlformats.org/presentationml/2006/main" type="obj" preserve="1">
-  <p:cSld name="Title and Content">
-    <p:spTree>
-      <p:nvGrpSpPr>
-        <p:cNvPr id="1" name=""/>
-        <p:cNvGrpSpPr/>
-        <p:nvPr/>
-      </p:nvGrpSpPr>
-      <p:grpSpPr>
-        <a:xfrm>
-          <a:off x="0" y="0"/>
-          <a:ext cx="0" cy="0"/>
-          <a:chOff x="0" y="0"/>
-          <a:chExt cx="0" cy="0"/>
-        </a:xfrm>
-      </p:grpSpPr>
-      <p:pic>
-        <p:nvPicPr>
-          <p:cNvPr id="7" name="Picture 6"/>
-          <p:cNvPicPr>
-            <a:picLocks noChangeAspect="1"/>
-          </p:cNvPicPr>
-          <p:nvPr userDrawn="1"/>
-        </p:nvPicPr>
-        <p:blipFill>
-          <a:blip r:embed="rId2">
-            <a:extLst>
-              <a:ext uri="{28A0092B-C50C-407E-A947-70E740481C1C}">
-                <a14:useLocalDpi xmlns:a14="http://schemas.microsoft.com/office/drawing/2010/main" val="0"/>
-              </a:ext>
-            </a:extLst>
-          </a:blip>
-          <a:stretch>
-            <a:fillRect/>
-          </a:stretch>
-        </p:blipFill>
-        <p:spPr>
-          <a:xfrm>
-            <a:off x="0" y="0"/>
-            <a:ext cx="18288000" cy="10287000"/>
-          </a:xfrm>
-          <a:prstGeom prst="rect">
-            <a:avLst/>
-          </a:prstGeom>
-        </p:spPr>
-      </p:pic>
-      <p:sp>
-        <p:nvSpPr>
-          <p:cNvPr id="2" name="Title 1"/>
-          <p:cNvSpPr>
-            <a:spLocks noGrp="1"/>
-          </p:cNvSpPr>
-          <p:nvPr>
-            <p:ph type="title"/>
-          </p:nvPr>
-        </p:nvSpPr>
-        <p:spPr>
-          <a:xfrm>
-            <a:off x="5560540" y="547688"/>
-            <a:ext cx="11470160" cy="1169195"/>
-          </a:xfrm>
-        </p:spPr>
-        <p:txBody>
-          <a:bodyPr/>
-          <a:lstStyle/>
-          <a:p>
-            <a:r>
-              <a:rPr lang="en-US"/>
-              <a:t>Click to edit Master title style</a:t>
-            </a:r>
-          </a:p>
-        </p:txBody>
-      </p:sp>
-      <p:sp>
-        <p:nvSpPr>
-          <p:cNvPr id="3" name="Content Placeholder 2"/>
-          <p:cNvSpPr>
-            <a:spLocks noGrp="1"/>
-          </p:cNvSpPr>
-          <p:nvPr>
-            <p:ph idx="1"/>
-          </p:nvPr>
-        </p:nvSpPr>
-        <p:spPr/>
-        <p:txBody>
-          <a:bodyPr/>
-          <a:lstStyle/>
-          <a:p>
-            <a:pPr lvl="0"/>
-            <a:r>
-              <a:rPr lang="en-US"/>
-              <a:t>Edit Master text styles</a:t>
-            </a:r>
-          </a:p>
-          <a:p>
-            <a:pPr lvl="1"/>
-            <a:r>
-              <a:rPr lang="en-US"/>
-              <a:t>Second level</a:t>
-            </a:r>
-          </a:p>
-          <a:p>
-            <a:pPr lvl="2"/>
-            <a:r>
-              <a:rPr lang="en-US"/>
-              <a:t>Third level</a:t>
-            </a:r>
-          </a:p>
-          <a:p>
-            <a:pPr lvl="3"/>
-            <a:r>
-              <a:rPr lang="en-US"/>
-              <a:t>Fourth level</a:t>
-            </a:r>
-          </a:p>
-          <a:p>
-            <a:pPr lvl="4"/>
-            <a:r>
-              <a:rPr lang="en-US"/>
-              <a:t>Fifth level</a:t>
-            </a:r>
-          </a:p>
-        </p:txBody>
-      </p:sp>
-      <p:sp>
-        <p:nvSpPr>
-          <p:cNvPr id="4" name="Date Placeholder 3"/>
-          <p:cNvSpPr>
-            <a:spLocks noGrp="1"/>
-          </p:cNvSpPr>
-          <p:nvPr>
-            <p:ph type="dt" sz="half" idx="10"/>
-          </p:nvPr>
-        </p:nvSpPr>
-        <p:spPr/>
-        <p:txBody>
-          <a:bodyPr/>
-          <a:lstStyle/>
-          <a:p>
-            <a:fld id="{6D69D915-0C95-4E2B-A33E-1C81BBBB360F}" type="datetimeFigureOut">
-              <a:rPr lang="en-US" smtClean="0"/>
-              <a:t>11/2/2023</a:t>
-            </a:fld>
-            <a:endParaRPr lang="en-US"/>
-          </a:p>
-        </p:txBody>
-      </p:sp>
-      <p:sp>
-        <p:nvSpPr>
-          <p:cNvPr id="5" name="Footer Placeholder 4"/>
-          <p:cNvSpPr>
-            <a:spLocks noGrp="1"/>
-          </p:cNvSpPr>
-          <p:nvPr>
-            <p:ph type="ftr" sz="quarter" idx="11"/>
-          </p:nvPr>
-        </p:nvSpPr>
-        <p:spPr/>
-        <p:txBody>
-          <a:bodyPr/>
-          <a:lstStyle/>
-          <a:p>
-            <a:endParaRPr lang="en-US"/>
-          </a:p>
-        </p:txBody>
-      </p:sp>
-      <p:sp>
-        <p:nvSpPr>
-          <p:cNvPr id="6" name="Slide Number Placeholder 5"/>
-          <p:cNvSpPr>
-            <a:spLocks noGrp="1"/>
-          </p:cNvSpPr>
-          <p:nvPr>
-            <p:ph type="sldNum" sz="quarter" idx="12"/>
-          </p:nvPr>
-        </p:nvSpPr>
-        <p:spPr/>
-        <p:txBody>
-          <a:bodyPr/>
-          <a:lstStyle/>
-          <a:p>
-            <a:fld id="{5E2AC11C-9EA8-4635-A212-19ECE156EFE4}" type="slidenum">
-              <a:rPr lang="en-US" smtClean="0"/>
-              <a:t>‹#›</a:t>
-            </a:fld>
-            <a:endParaRPr lang="en-US"/>
-          </a:p>
-        </p:txBody>
-      </p:sp>
-    </p:spTree>
-    <p:extLst>
-      <p:ext uri="{BB962C8B-B14F-4D97-AF65-F5344CB8AC3E}">
-        <p14:creationId xmlns:p14="http://schemas.microsoft.com/office/powerpoint/2010/main" val="1627043575"/>
-      </p:ext>
-    </p:extLst>
-  </p:cSld>
-  <p:clrMapOvr>
-    <a:masterClrMapping/>
-  </p:clrMapOvr>
-</p:sldLayout>
-</file>
-
-<file path=ppt/slideLayouts/slideLayout14.xml><?xml version="1.0" encoding="utf-8"?>
-<p:sldLayout xmlns:a="http://schemas.openxmlformats.org/drawingml/2006/main" xmlns:r="http://schemas.openxmlformats.org/officeDocument/2006/relationships" xmlns:p="http://schemas.openxmlformats.org/presentationml/2006/main" type="secHead" preserve="1">
-  <p:cSld name="Section Header">
-    <p:spTree>
-      <p:nvGrpSpPr>
-        <p:cNvPr id="1" name=""/>
-        <p:cNvGrpSpPr/>
-        <p:nvPr/>
-      </p:nvGrpSpPr>
-      <p:grpSpPr>
-        <a:xfrm>
-          <a:off x="0" y="0"/>
-          <a:ext cx="0" cy="0"/>
-          <a:chOff x="0" y="0"/>
-          <a:chExt cx="0" cy="0"/>
-        </a:xfrm>
-      </p:grpSpPr>
-      <p:sp>
-        <p:nvSpPr>
-          <p:cNvPr id="2" name="Title 1"/>
-          <p:cNvSpPr>
-            <a:spLocks noGrp="1"/>
-          </p:cNvSpPr>
-          <p:nvPr>
-            <p:ph type="title"/>
-          </p:nvPr>
-        </p:nvSpPr>
-        <p:spPr>
-          <a:xfrm>
-            <a:off x="1247775" y="2564608"/>
-            <a:ext cx="15773400" cy="4279106"/>
-          </a:xfrm>
-        </p:spPr>
-        <p:txBody>
-          <a:bodyPr anchor="b"/>
-          <a:lstStyle>
-            <a:lvl1pPr>
-              <a:defRPr sz="9000"/>
-            </a:lvl1pPr>
-          </a:lstStyle>
-          <a:p>
-            <a:r>
-              <a:rPr lang="en-US"/>
-              <a:t>Click to edit Master title style</a:t>
-            </a:r>
-          </a:p>
-        </p:txBody>
-      </p:sp>
-      <p:sp>
-        <p:nvSpPr>
-          <p:cNvPr id="3" name="Text Placeholder 2"/>
-          <p:cNvSpPr>
-            <a:spLocks noGrp="1"/>
-          </p:cNvSpPr>
-          <p:nvPr>
-            <p:ph type="body" idx="1"/>
-          </p:nvPr>
-        </p:nvSpPr>
-        <p:spPr>
-          <a:xfrm>
-            <a:off x="1247775" y="6884195"/>
-            <a:ext cx="15773400" cy="2250281"/>
-          </a:xfrm>
-        </p:spPr>
-        <p:txBody>
-          <a:bodyPr/>
-          <a:lstStyle>
-            <a:lvl1pPr marL="0" indent="0">
-              <a:buNone/>
-              <a:defRPr sz="3600">
-                <a:solidFill>
-                  <a:schemeClr val="tx1">
-                    <a:tint val="75000"/>
-                  </a:schemeClr>
-                </a:solidFill>
-              </a:defRPr>
-            </a:lvl1pPr>
-            <a:lvl2pPr marL="685800" indent="0">
-              <a:buNone/>
-              <a:defRPr sz="3000">
-                <a:solidFill>
-                  <a:schemeClr val="tx1">
-                    <a:tint val="75000"/>
-                  </a:schemeClr>
-                </a:solidFill>
-              </a:defRPr>
-            </a:lvl2pPr>
-            <a:lvl3pPr marL="1371600" indent="0">
-              <a:buNone/>
-              <a:defRPr sz="2700">
-                <a:solidFill>
-                  <a:schemeClr val="tx1">
-                    <a:tint val="75000"/>
-                  </a:schemeClr>
-                </a:solidFill>
-              </a:defRPr>
-            </a:lvl3pPr>
-            <a:lvl4pPr marL="2057400" indent="0">
-              <a:buNone/>
-              <a:defRPr sz="2400">
-                <a:solidFill>
-                  <a:schemeClr val="tx1">
-                    <a:tint val="75000"/>
-                  </a:schemeClr>
-                </a:solidFill>
-              </a:defRPr>
-            </a:lvl4pPr>
-            <a:lvl5pPr marL="2743200" indent="0">
-              <a:buNone/>
-              <a:defRPr sz="2400">
-                <a:solidFill>
-                  <a:schemeClr val="tx1">
-                    <a:tint val="75000"/>
-                  </a:schemeClr>
-                </a:solidFill>
-              </a:defRPr>
-            </a:lvl5pPr>
-            <a:lvl6pPr marL="3429000" indent="0">
-              <a:buNone/>
-              <a:defRPr sz="2400">
-                <a:solidFill>
-                  <a:schemeClr val="tx1">
-                    <a:tint val="75000"/>
-                  </a:schemeClr>
-                </a:solidFill>
-              </a:defRPr>
-            </a:lvl6pPr>
-            <a:lvl7pPr marL="4114800" indent="0">
-              <a:buNone/>
-              <a:defRPr sz="2400">
-                <a:solidFill>
-                  <a:schemeClr val="tx1">
-                    <a:tint val="75000"/>
-                  </a:schemeClr>
-                </a:solidFill>
-              </a:defRPr>
-            </a:lvl7pPr>
-            <a:lvl8pPr marL="4800600" indent="0">
-              <a:buNone/>
-              <a:defRPr sz="2400">
-                <a:solidFill>
-                  <a:schemeClr val="tx1">
-                    <a:tint val="75000"/>
-                  </a:schemeClr>
-                </a:solidFill>
-              </a:defRPr>
-            </a:lvl8pPr>
-            <a:lvl9pPr marL="5486400" indent="0">
-              <a:buNone/>
-              <a:defRPr sz="2400">
-                <a:solidFill>
-                  <a:schemeClr val="tx1">
-                    <a:tint val="75000"/>
-                  </a:schemeClr>
-                </a:solidFill>
-              </a:defRPr>
-            </a:lvl9pPr>
-          </a:lstStyle>
-          <a:p>
-            <a:pPr lvl="0"/>
-            <a:r>
-              <a:rPr lang="en-US"/>
-              <a:t>Edit Master text styles</a:t>
-            </a:r>
-          </a:p>
-        </p:txBody>
-      </p:sp>
-      <p:sp>
-        <p:nvSpPr>
-          <p:cNvPr id="4" name="Date Placeholder 3"/>
-          <p:cNvSpPr>
-            <a:spLocks noGrp="1"/>
-          </p:cNvSpPr>
-          <p:nvPr>
-            <p:ph type="dt" sz="half" idx="10"/>
-          </p:nvPr>
-        </p:nvSpPr>
-        <p:spPr/>
-        <p:txBody>
-          <a:bodyPr/>
-          <a:lstStyle/>
-          <a:p>
-            <a:fld id="{6D69D915-0C95-4E2B-A33E-1C81BBBB360F}" type="datetimeFigureOut">
-              <a:rPr lang="en-US" smtClean="0"/>
-              <a:t>11/2/2023</a:t>
-            </a:fld>
-            <a:endParaRPr lang="en-US"/>
-          </a:p>
-        </p:txBody>
-      </p:sp>
-      <p:sp>
-        <p:nvSpPr>
-          <p:cNvPr id="5" name="Footer Placeholder 4"/>
-          <p:cNvSpPr>
-            <a:spLocks noGrp="1"/>
-          </p:cNvSpPr>
-          <p:nvPr>
-            <p:ph type="ftr" sz="quarter" idx="11"/>
-          </p:nvPr>
-        </p:nvSpPr>
-        <p:spPr/>
-        <p:txBody>
-          <a:bodyPr/>
-          <a:lstStyle/>
-          <a:p>
-            <a:endParaRPr lang="en-US"/>
-          </a:p>
-        </p:txBody>
-      </p:sp>
-      <p:sp>
-        <p:nvSpPr>
-          <p:cNvPr id="6" name="Slide Number Placeholder 5"/>
-          <p:cNvSpPr>
-            <a:spLocks noGrp="1"/>
-          </p:cNvSpPr>
-          <p:nvPr>
-            <p:ph type="sldNum" sz="quarter" idx="12"/>
-          </p:nvPr>
-        </p:nvSpPr>
-        <p:spPr/>
-        <p:txBody>
-          <a:bodyPr/>
-          <a:lstStyle/>
-          <a:p>
-            <a:fld id="{5E2AC11C-9EA8-4635-A212-19ECE156EFE4}" type="slidenum">
-              <a:rPr lang="en-US" smtClean="0"/>
-              <a:t>‹#›</a:t>
-            </a:fld>
-            <a:endParaRPr lang="en-US"/>
-          </a:p>
-        </p:txBody>
-      </p:sp>
-    </p:spTree>
-    <p:extLst>
-      <p:ext uri="{BB962C8B-B14F-4D97-AF65-F5344CB8AC3E}">
-        <p14:creationId xmlns:p14="http://schemas.microsoft.com/office/powerpoint/2010/main" val="135124794"/>
-      </p:ext>
-    </p:extLst>
-  </p:cSld>
-  <p:clrMapOvr>
-    <a:masterClrMapping/>
-  </p:clrMapOvr>
-</p:sldLayout>
-</file>
-
-<file path=ppt/slideLayouts/slideLayout15.xml><?xml version="1.0" encoding="utf-8"?>
-<p:sldLayout xmlns:a="http://schemas.openxmlformats.org/drawingml/2006/main" xmlns:r="http://schemas.openxmlformats.org/officeDocument/2006/relationships" xmlns:p="http://schemas.openxmlformats.org/presentationml/2006/main" type="twoObj" preserve="1">
-  <p:cSld name="Two Content">
-    <p:spTree>
-      <p:nvGrpSpPr>
-        <p:cNvPr id="1" name=""/>
-        <p:cNvGrpSpPr/>
-        <p:nvPr/>
-      </p:nvGrpSpPr>
-      <p:grpSpPr>
-        <a:xfrm>
-          <a:off x="0" y="0"/>
-          <a:ext cx="0" cy="0"/>
-          <a:chOff x="0" y="0"/>
-          <a:chExt cx="0" cy="0"/>
-        </a:xfrm>
-      </p:grpSpPr>
-      <p:sp>
-        <p:nvSpPr>
-          <p:cNvPr id="2" name="Title 1"/>
-          <p:cNvSpPr>
-            <a:spLocks noGrp="1"/>
-          </p:cNvSpPr>
-          <p:nvPr>
-            <p:ph type="title"/>
-          </p:nvPr>
-        </p:nvSpPr>
-        <p:spPr/>
-        <p:txBody>
-          <a:bodyPr/>
-          <a:lstStyle/>
-          <a:p>
-            <a:r>
-              <a:rPr lang="en-US"/>
-              <a:t>Click to edit Master title style</a:t>
-            </a:r>
-          </a:p>
-        </p:txBody>
-      </p:sp>
-      <p:sp>
-        <p:nvSpPr>
-          <p:cNvPr id="3" name="Content Placeholder 2"/>
-          <p:cNvSpPr>
-            <a:spLocks noGrp="1"/>
-          </p:cNvSpPr>
-          <p:nvPr>
-            <p:ph sz="half" idx="1"/>
-          </p:nvPr>
-        </p:nvSpPr>
-        <p:spPr>
-          <a:xfrm>
-            <a:off x="1257300" y="2738438"/>
-            <a:ext cx="7772400" cy="6527007"/>
-          </a:xfrm>
-        </p:spPr>
-        <p:txBody>
-          <a:bodyPr/>
-          <a:lstStyle/>
-          <a:p>
-            <a:pPr lvl="0"/>
-            <a:r>
-              <a:rPr lang="en-US"/>
-              <a:t>Edit Master text styles</a:t>
-            </a:r>
-          </a:p>
-          <a:p>
-            <a:pPr lvl="1"/>
-            <a:r>
-              <a:rPr lang="en-US"/>
-              <a:t>Second level</a:t>
-            </a:r>
-          </a:p>
-          <a:p>
-            <a:pPr lvl="2"/>
-            <a:r>
-              <a:rPr lang="en-US"/>
-              <a:t>Third level</a:t>
-            </a:r>
-          </a:p>
-          <a:p>
-            <a:pPr lvl="3"/>
-            <a:r>
-              <a:rPr lang="en-US"/>
-              <a:t>Fourth level</a:t>
-            </a:r>
-          </a:p>
-          <a:p>
-            <a:pPr lvl="4"/>
-            <a:r>
-              <a:rPr lang="en-US"/>
-              <a:t>Fifth level</a:t>
-            </a:r>
-          </a:p>
-        </p:txBody>
-      </p:sp>
-      <p:sp>
-        <p:nvSpPr>
-          <p:cNvPr id="4" name="Content Placeholder 3"/>
-          <p:cNvSpPr>
-            <a:spLocks noGrp="1"/>
-          </p:cNvSpPr>
-          <p:nvPr>
-            <p:ph sz="half" idx="2"/>
-          </p:nvPr>
-        </p:nvSpPr>
-        <p:spPr>
-          <a:xfrm>
-            <a:off x="9258300" y="2738438"/>
-            <a:ext cx="7772400" cy="6527007"/>
-          </a:xfrm>
-        </p:spPr>
-        <p:txBody>
-          <a:bodyPr/>
-          <a:lstStyle/>
-          <a:p>
-            <a:pPr lvl="0"/>
-            <a:r>
-              <a:rPr lang="en-US"/>
-              <a:t>Edit Master text styles</a:t>
-            </a:r>
-          </a:p>
-          <a:p>
-            <a:pPr lvl="1"/>
-            <a:r>
-              <a:rPr lang="en-US"/>
-              <a:t>Second level</a:t>
-            </a:r>
-          </a:p>
-          <a:p>
-            <a:pPr lvl="2"/>
-            <a:r>
-              <a:rPr lang="en-US"/>
-              <a:t>Third level</a:t>
-            </a:r>
-          </a:p>
-          <a:p>
-            <a:pPr lvl="3"/>
-            <a:r>
-              <a:rPr lang="en-US"/>
-              <a:t>Fourth level</a:t>
-            </a:r>
-          </a:p>
-          <a:p>
-            <a:pPr lvl="4"/>
-            <a:r>
-              <a:rPr lang="en-US"/>
-              <a:t>Fifth level</a:t>
-            </a:r>
-          </a:p>
-        </p:txBody>
-      </p:sp>
-      <p:sp>
-        <p:nvSpPr>
-          <p:cNvPr id="5" name="Date Placeholder 4"/>
-          <p:cNvSpPr>
-            <a:spLocks noGrp="1"/>
-          </p:cNvSpPr>
-          <p:nvPr>
-            <p:ph type="dt" sz="half" idx="10"/>
-          </p:nvPr>
-        </p:nvSpPr>
-        <p:spPr/>
-        <p:txBody>
-          <a:bodyPr/>
-          <a:lstStyle/>
-          <a:p>
-            <a:fld id="{6D69D915-0C95-4E2B-A33E-1C81BBBB360F}" type="datetimeFigureOut">
-              <a:rPr lang="en-US" smtClean="0"/>
-              <a:t>11/2/2023</a:t>
-            </a:fld>
-            <a:endParaRPr lang="en-US"/>
-          </a:p>
-        </p:txBody>
-      </p:sp>
-      <p:sp>
-        <p:nvSpPr>
-          <p:cNvPr id="6" name="Footer Placeholder 5"/>
-          <p:cNvSpPr>
-            <a:spLocks noGrp="1"/>
-          </p:cNvSpPr>
-          <p:nvPr>
-            <p:ph type="ftr" sz="quarter" idx="11"/>
-          </p:nvPr>
-        </p:nvSpPr>
-        <p:spPr/>
-        <p:txBody>
-          <a:bodyPr/>
-          <a:lstStyle/>
-          <a:p>
-            <a:endParaRPr lang="en-US"/>
-          </a:p>
-        </p:txBody>
-      </p:sp>
-      <p:sp>
-        <p:nvSpPr>
-          <p:cNvPr id="7" name="Slide Number Placeholder 6"/>
-          <p:cNvSpPr>
-            <a:spLocks noGrp="1"/>
-          </p:cNvSpPr>
-          <p:nvPr>
-            <p:ph type="sldNum" sz="quarter" idx="12"/>
-          </p:nvPr>
-        </p:nvSpPr>
-        <p:spPr/>
-        <p:txBody>
-          <a:bodyPr/>
-          <a:lstStyle/>
-          <a:p>
-            <a:fld id="{5E2AC11C-9EA8-4635-A212-19ECE156EFE4}" type="slidenum">
-              <a:rPr lang="en-US" smtClean="0"/>
-              <a:t>‹#›</a:t>
-            </a:fld>
-            <a:endParaRPr lang="en-US"/>
-          </a:p>
-        </p:txBody>
-      </p:sp>
-    </p:spTree>
-    <p:extLst>
-      <p:ext uri="{BB962C8B-B14F-4D97-AF65-F5344CB8AC3E}">
-        <p14:creationId xmlns:p14="http://schemas.microsoft.com/office/powerpoint/2010/main" val="1966793860"/>
-      </p:ext>
-    </p:extLst>
-  </p:cSld>
-  <p:clrMapOvr>
-    <a:masterClrMapping/>
-  </p:clrMapOvr>
-</p:sldLayout>
-</file>
-
-<file path=ppt/slideLayouts/slideLayout16.xml><?xml version="1.0" encoding="utf-8"?>
-<p:sldLayout xmlns:a="http://schemas.openxmlformats.org/drawingml/2006/main" xmlns:r="http://schemas.openxmlformats.org/officeDocument/2006/relationships" xmlns:p="http://schemas.openxmlformats.org/presentationml/2006/main" type="twoTxTwoObj" preserve="1">
-  <p:cSld name="Comparison">
-    <p:spTree>
-      <p:nvGrpSpPr>
-        <p:cNvPr id="1" name=""/>
-        <p:cNvGrpSpPr/>
-        <p:nvPr/>
-      </p:nvGrpSpPr>
-      <p:grpSpPr>
-        <a:xfrm>
-          <a:off x="0" y="0"/>
-          <a:ext cx="0" cy="0"/>
-          <a:chOff x="0" y="0"/>
-          <a:chExt cx="0" cy="0"/>
-        </a:xfrm>
-      </p:grpSpPr>
-      <p:sp>
-        <p:nvSpPr>
-          <p:cNvPr id="2" name="Title 1"/>
-          <p:cNvSpPr>
-            <a:spLocks noGrp="1"/>
-          </p:cNvSpPr>
-          <p:nvPr>
-            <p:ph type="title"/>
-          </p:nvPr>
-        </p:nvSpPr>
-        <p:spPr>
-          <a:xfrm>
-            <a:off x="1259682" y="547688"/>
-            <a:ext cx="15773400" cy="1988345"/>
-          </a:xfrm>
-        </p:spPr>
-        <p:txBody>
-          <a:bodyPr/>
-          <a:lstStyle/>
-          <a:p>
-            <a:r>
-              <a:rPr lang="en-US"/>
-              <a:t>Click to edit Master title style</a:t>
-            </a:r>
-          </a:p>
-        </p:txBody>
-      </p:sp>
-      <p:sp>
-        <p:nvSpPr>
-          <p:cNvPr id="3" name="Text Placeholder 2"/>
-          <p:cNvSpPr>
-            <a:spLocks noGrp="1"/>
-          </p:cNvSpPr>
-          <p:nvPr>
-            <p:ph type="body" idx="1"/>
-          </p:nvPr>
-        </p:nvSpPr>
-        <p:spPr>
-          <a:xfrm>
-            <a:off x="1259683" y="2521745"/>
-            <a:ext cx="7736681" cy="1235868"/>
-          </a:xfrm>
-        </p:spPr>
-        <p:txBody>
-          <a:bodyPr anchor="b"/>
-          <a:lstStyle>
-            <a:lvl1pPr marL="0" indent="0">
-              <a:buNone/>
-              <a:defRPr sz="3600" b="1"/>
-            </a:lvl1pPr>
-            <a:lvl2pPr marL="685800" indent="0">
-              <a:buNone/>
-              <a:defRPr sz="3000" b="1"/>
-            </a:lvl2pPr>
-            <a:lvl3pPr marL="1371600" indent="0">
-              <a:buNone/>
-              <a:defRPr sz="2700" b="1"/>
-            </a:lvl3pPr>
-            <a:lvl4pPr marL="2057400" indent="0">
-              <a:buNone/>
-              <a:defRPr sz="2400" b="1"/>
-            </a:lvl4pPr>
-            <a:lvl5pPr marL="2743200" indent="0">
-              <a:buNone/>
-              <a:defRPr sz="2400" b="1"/>
-            </a:lvl5pPr>
-            <a:lvl6pPr marL="3429000" indent="0">
-              <a:buNone/>
-              <a:defRPr sz="2400" b="1"/>
-            </a:lvl6pPr>
-            <a:lvl7pPr marL="4114800" indent="0">
-              <a:buNone/>
-              <a:defRPr sz="2400" b="1"/>
-            </a:lvl7pPr>
-            <a:lvl8pPr marL="4800600" indent="0">
-              <a:buNone/>
-              <a:defRPr sz="2400" b="1"/>
-            </a:lvl8pPr>
-            <a:lvl9pPr marL="5486400" indent="0">
-              <a:buNone/>
-              <a:defRPr sz="2400" b="1"/>
-            </a:lvl9pPr>
-          </a:lstStyle>
-          <a:p>
-            <a:pPr lvl="0"/>
-            <a:r>
-              <a:rPr lang="en-US"/>
-              <a:t>Edit Master text styles</a:t>
-            </a:r>
-          </a:p>
-        </p:txBody>
-      </p:sp>
-      <p:sp>
-        <p:nvSpPr>
-          <p:cNvPr id="4" name="Content Placeholder 3"/>
-          <p:cNvSpPr>
-            <a:spLocks noGrp="1"/>
-          </p:cNvSpPr>
-          <p:nvPr>
-            <p:ph sz="half" idx="2"/>
-          </p:nvPr>
-        </p:nvSpPr>
-        <p:spPr>
-          <a:xfrm>
-            <a:off x="1259683" y="3757613"/>
-            <a:ext cx="7736681" cy="5526882"/>
-          </a:xfrm>
-        </p:spPr>
-        <p:txBody>
-          <a:bodyPr/>
-          <a:lstStyle/>
-          <a:p>
-            <a:pPr lvl="0"/>
-            <a:r>
-              <a:rPr lang="en-US"/>
-              <a:t>Edit Master text styles</a:t>
-            </a:r>
-          </a:p>
-          <a:p>
-            <a:pPr lvl="1"/>
-            <a:r>
-              <a:rPr lang="en-US"/>
-              <a:t>Second level</a:t>
-            </a:r>
-          </a:p>
-          <a:p>
-            <a:pPr lvl="2"/>
-            <a:r>
-              <a:rPr lang="en-US"/>
-              <a:t>Third level</a:t>
-            </a:r>
-          </a:p>
-          <a:p>
-            <a:pPr lvl="3"/>
-            <a:r>
-              <a:rPr lang="en-US"/>
-              <a:t>Fourth level</a:t>
-            </a:r>
-          </a:p>
-          <a:p>
-            <a:pPr lvl="4"/>
-            <a:r>
-              <a:rPr lang="en-US"/>
-              <a:t>Fifth level</a:t>
-            </a:r>
-          </a:p>
-        </p:txBody>
-      </p:sp>
-      <p:sp>
-        <p:nvSpPr>
-          <p:cNvPr id="5" name="Text Placeholder 4"/>
-          <p:cNvSpPr>
-            <a:spLocks noGrp="1"/>
-          </p:cNvSpPr>
-          <p:nvPr>
-            <p:ph type="body" sz="quarter" idx="3"/>
-          </p:nvPr>
-        </p:nvSpPr>
-        <p:spPr>
-          <a:xfrm>
-            <a:off x="9258300" y="2521745"/>
-            <a:ext cx="7774782" cy="1235868"/>
-          </a:xfrm>
-        </p:spPr>
-        <p:txBody>
-          <a:bodyPr anchor="b"/>
-          <a:lstStyle>
-            <a:lvl1pPr marL="0" indent="0">
-              <a:buNone/>
-              <a:defRPr sz="3600" b="1"/>
-            </a:lvl1pPr>
-            <a:lvl2pPr marL="685800" indent="0">
-              <a:buNone/>
-              <a:defRPr sz="3000" b="1"/>
-            </a:lvl2pPr>
-            <a:lvl3pPr marL="1371600" indent="0">
-              <a:buNone/>
-              <a:defRPr sz="2700" b="1"/>
-            </a:lvl3pPr>
-            <a:lvl4pPr marL="2057400" indent="0">
-              <a:buNone/>
-              <a:defRPr sz="2400" b="1"/>
-            </a:lvl4pPr>
-            <a:lvl5pPr marL="2743200" indent="0">
-              <a:buNone/>
-              <a:defRPr sz="2400" b="1"/>
-            </a:lvl5pPr>
-            <a:lvl6pPr marL="3429000" indent="0">
-              <a:buNone/>
-              <a:defRPr sz="2400" b="1"/>
-            </a:lvl6pPr>
-            <a:lvl7pPr marL="4114800" indent="0">
-              <a:buNone/>
-              <a:defRPr sz="2400" b="1"/>
-            </a:lvl7pPr>
-            <a:lvl8pPr marL="4800600" indent="0">
-              <a:buNone/>
-              <a:defRPr sz="2400" b="1"/>
-            </a:lvl8pPr>
-            <a:lvl9pPr marL="5486400" indent="0">
-              <a:buNone/>
-              <a:defRPr sz="2400" b="1"/>
-            </a:lvl9pPr>
-          </a:lstStyle>
-          <a:p>
-            <a:pPr lvl="0"/>
-            <a:r>
-              <a:rPr lang="en-US"/>
-              <a:t>Edit Master text styles</a:t>
-            </a:r>
-          </a:p>
-        </p:txBody>
-      </p:sp>
-      <p:sp>
-        <p:nvSpPr>
-          <p:cNvPr id="6" name="Content Placeholder 5"/>
-          <p:cNvSpPr>
-            <a:spLocks noGrp="1"/>
-          </p:cNvSpPr>
-          <p:nvPr>
-            <p:ph sz="quarter" idx="4"/>
-          </p:nvPr>
-        </p:nvSpPr>
-        <p:spPr>
-          <a:xfrm>
-            <a:off x="9258300" y="3757613"/>
-            <a:ext cx="7774782" cy="5526882"/>
-          </a:xfrm>
-        </p:spPr>
-        <p:txBody>
-          <a:bodyPr/>
-          <a:lstStyle/>
-          <a:p>
-            <a:pPr lvl="0"/>
-            <a:r>
-              <a:rPr lang="en-US"/>
-              <a:t>Edit Master text styles</a:t>
-            </a:r>
-          </a:p>
-          <a:p>
-            <a:pPr lvl="1"/>
-            <a:r>
-              <a:rPr lang="en-US"/>
-              <a:t>Second level</a:t>
-            </a:r>
-          </a:p>
-          <a:p>
-            <a:pPr lvl="2"/>
-            <a:r>
-              <a:rPr lang="en-US"/>
-              <a:t>Third level</a:t>
-            </a:r>
-          </a:p>
-          <a:p>
-            <a:pPr lvl="3"/>
-            <a:r>
-              <a:rPr lang="en-US"/>
-              <a:t>Fourth level</a:t>
-            </a:r>
-          </a:p>
-          <a:p>
-            <a:pPr lvl="4"/>
-            <a:r>
-              <a:rPr lang="en-US"/>
-              <a:t>Fifth level</a:t>
-            </a:r>
-          </a:p>
-        </p:txBody>
-      </p:sp>
-      <p:sp>
-        <p:nvSpPr>
-          <p:cNvPr id="7" name="Date Placeholder 6"/>
-          <p:cNvSpPr>
-            <a:spLocks noGrp="1"/>
-          </p:cNvSpPr>
-          <p:nvPr>
-            <p:ph type="dt" sz="half" idx="10"/>
-          </p:nvPr>
-        </p:nvSpPr>
-        <p:spPr/>
-        <p:txBody>
-          <a:bodyPr/>
-          <a:lstStyle/>
-          <a:p>
-            <a:fld id="{6D69D915-0C95-4E2B-A33E-1C81BBBB360F}" type="datetimeFigureOut">
-              <a:rPr lang="en-US" smtClean="0"/>
-              <a:t>11/2/2023</a:t>
-            </a:fld>
-            <a:endParaRPr lang="en-US"/>
-          </a:p>
-        </p:txBody>
-      </p:sp>
-      <p:sp>
-        <p:nvSpPr>
-          <p:cNvPr id="8" name="Footer Placeholder 7"/>
-          <p:cNvSpPr>
-            <a:spLocks noGrp="1"/>
-          </p:cNvSpPr>
-          <p:nvPr>
-            <p:ph type="ftr" sz="quarter" idx="11"/>
-          </p:nvPr>
-        </p:nvSpPr>
-        <p:spPr/>
-        <p:txBody>
-          <a:bodyPr/>
-          <a:lstStyle/>
-          <a:p>
-            <a:endParaRPr lang="en-US"/>
-          </a:p>
-        </p:txBody>
-      </p:sp>
-      <p:sp>
-        <p:nvSpPr>
-          <p:cNvPr id="9" name="Slide Number Placeholder 8"/>
-          <p:cNvSpPr>
-            <a:spLocks noGrp="1"/>
-          </p:cNvSpPr>
-          <p:nvPr>
-            <p:ph type="sldNum" sz="quarter" idx="12"/>
-          </p:nvPr>
-        </p:nvSpPr>
-        <p:spPr/>
-        <p:txBody>
-          <a:bodyPr/>
-          <a:lstStyle/>
-          <a:p>
-            <a:fld id="{5E2AC11C-9EA8-4635-A212-19ECE156EFE4}" type="slidenum">
-              <a:rPr lang="en-US" smtClean="0"/>
-              <a:t>‹#›</a:t>
-            </a:fld>
-            <a:endParaRPr lang="en-US"/>
-          </a:p>
-        </p:txBody>
-      </p:sp>
-    </p:spTree>
-    <p:extLst>
-      <p:ext uri="{BB962C8B-B14F-4D97-AF65-F5344CB8AC3E}">
-        <p14:creationId xmlns:p14="http://schemas.microsoft.com/office/powerpoint/2010/main" val="2386969103"/>
-      </p:ext>
-    </p:extLst>
-  </p:cSld>
-  <p:clrMapOvr>
-    <a:masterClrMapping/>
-  </p:clrMapOvr>
-</p:sldLayout>
-</file>
-
-<file path=ppt/slideLayouts/slideLayout17.xml><?xml version="1.0" encoding="utf-8"?>
-<p:sldLayout xmlns:a="http://schemas.openxmlformats.org/drawingml/2006/main" xmlns:r="http://schemas.openxmlformats.org/officeDocument/2006/relationships" xmlns:p="http://schemas.openxmlformats.org/presentationml/2006/main" type="titleOnly" preserve="1">
-  <p:cSld name="Title Only">
-    <p:spTree>
-      <p:nvGrpSpPr>
-        <p:cNvPr id="1" name=""/>
-        <p:cNvGrpSpPr/>
-        <p:nvPr/>
-      </p:nvGrpSpPr>
-      <p:grpSpPr>
-        <a:xfrm>
-          <a:off x="0" y="0"/>
-          <a:ext cx="0" cy="0"/>
-          <a:chOff x="0" y="0"/>
-          <a:chExt cx="0" cy="0"/>
-        </a:xfrm>
-      </p:grpSpPr>
-      <p:sp>
-        <p:nvSpPr>
-          <p:cNvPr id="2" name="Title 1"/>
-          <p:cNvSpPr>
-            <a:spLocks noGrp="1"/>
-          </p:cNvSpPr>
-          <p:nvPr>
-            <p:ph type="title"/>
-          </p:nvPr>
-        </p:nvSpPr>
-        <p:spPr/>
-        <p:txBody>
-          <a:bodyPr/>
-          <a:lstStyle/>
-          <a:p>
-            <a:r>
-              <a:rPr lang="en-US"/>
-              <a:t>Click to edit Master title style</a:t>
-            </a:r>
-          </a:p>
-        </p:txBody>
-      </p:sp>
-      <p:sp>
-        <p:nvSpPr>
-          <p:cNvPr id="3" name="Date Placeholder 2"/>
-          <p:cNvSpPr>
-            <a:spLocks noGrp="1"/>
-          </p:cNvSpPr>
-          <p:nvPr>
-            <p:ph type="dt" sz="half" idx="10"/>
-          </p:nvPr>
-        </p:nvSpPr>
-        <p:spPr/>
-        <p:txBody>
-          <a:bodyPr/>
-          <a:lstStyle/>
-          <a:p>
-            <a:fld id="{6D69D915-0C95-4E2B-A33E-1C81BBBB360F}" type="datetimeFigureOut">
-              <a:rPr lang="en-US" smtClean="0"/>
-              <a:t>11/2/2023</a:t>
-            </a:fld>
-            <a:endParaRPr lang="en-US"/>
-          </a:p>
-        </p:txBody>
-      </p:sp>
-      <p:sp>
-        <p:nvSpPr>
-          <p:cNvPr id="4" name="Footer Placeholder 3"/>
-          <p:cNvSpPr>
-            <a:spLocks noGrp="1"/>
-          </p:cNvSpPr>
-          <p:nvPr>
-            <p:ph type="ftr" sz="quarter" idx="11"/>
-          </p:nvPr>
-        </p:nvSpPr>
-        <p:spPr/>
-        <p:txBody>
-          <a:bodyPr/>
-          <a:lstStyle/>
-          <a:p>
-            <a:endParaRPr lang="en-US"/>
-          </a:p>
-        </p:txBody>
-      </p:sp>
-      <p:sp>
-        <p:nvSpPr>
-          <p:cNvPr id="5" name="Slide Number Placeholder 4"/>
-          <p:cNvSpPr>
-            <a:spLocks noGrp="1"/>
-          </p:cNvSpPr>
-          <p:nvPr>
-            <p:ph type="sldNum" sz="quarter" idx="12"/>
-          </p:nvPr>
-        </p:nvSpPr>
-        <p:spPr/>
-        <p:txBody>
-          <a:bodyPr/>
-          <a:lstStyle/>
-          <a:p>
-            <a:fld id="{5E2AC11C-9EA8-4635-A212-19ECE156EFE4}" type="slidenum">
-              <a:rPr lang="en-US" smtClean="0"/>
-              <a:t>‹#›</a:t>
-            </a:fld>
-            <a:endParaRPr lang="en-US"/>
-          </a:p>
-        </p:txBody>
-      </p:sp>
-    </p:spTree>
-    <p:extLst>
-      <p:ext uri="{BB962C8B-B14F-4D97-AF65-F5344CB8AC3E}">
-        <p14:creationId xmlns:p14="http://schemas.microsoft.com/office/powerpoint/2010/main" val="382649320"/>
-      </p:ext>
-    </p:extLst>
-  </p:cSld>
-  <p:clrMapOvr>
-    <a:masterClrMapping/>
-  </p:clrMapOvr>
-</p:sldLayout>
-</file>
-
-<file path=ppt/slideLayouts/slideLayout18.xml><?xml version="1.0" encoding="utf-8"?>
-<p:sldLayout xmlns:a="http://schemas.openxmlformats.org/drawingml/2006/main" xmlns:r="http://schemas.openxmlformats.org/officeDocument/2006/relationships" xmlns:p="http://schemas.openxmlformats.org/presentationml/2006/main" type="blank" preserve="1">
-  <p:cSld name="Blank">
-    <p:spTree>
-      <p:nvGrpSpPr>
-        <p:cNvPr id="1" name=""/>
-        <p:cNvGrpSpPr/>
-        <p:nvPr/>
-      </p:nvGrpSpPr>
-      <p:grpSpPr>
-        <a:xfrm>
-          <a:off x="0" y="0"/>
-          <a:ext cx="0" cy="0"/>
-          <a:chOff x="0" y="0"/>
-          <a:chExt cx="0" cy="0"/>
-        </a:xfrm>
-      </p:grpSpPr>
-      <p:sp>
-        <p:nvSpPr>
-          <p:cNvPr id="2" name="Date Placeholder 1"/>
-          <p:cNvSpPr>
-            <a:spLocks noGrp="1"/>
-          </p:cNvSpPr>
-          <p:nvPr>
-            <p:ph type="dt" sz="half" idx="10"/>
-          </p:nvPr>
-        </p:nvSpPr>
-        <p:spPr/>
-        <p:txBody>
-          <a:bodyPr/>
-          <a:lstStyle/>
-          <a:p>
-            <a:fld id="{6D69D915-0C95-4E2B-A33E-1C81BBBB360F}" type="datetimeFigureOut">
-              <a:rPr lang="en-US" smtClean="0"/>
-              <a:t>11/2/2023</a:t>
-            </a:fld>
-            <a:endParaRPr lang="en-US"/>
-          </a:p>
-        </p:txBody>
-      </p:sp>
-      <p:sp>
-        <p:nvSpPr>
-          <p:cNvPr id="3" name="Footer Placeholder 2"/>
-          <p:cNvSpPr>
-            <a:spLocks noGrp="1"/>
-          </p:cNvSpPr>
-          <p:nvPr>
-            <p:ph type="ftr" sz="quarter" idx="11"/>
-          </p:nvPr>
-        </p:nvSpPr>
-        <p:spPr/>
-        <p:txBody>
-          <a:bodyPr/>
-          <a:lstStyle/>
-          <a:p>
-            <a:endParaRPr lang="en-US"/>
-          </a:p>
-        </p:txBody>
-      </p:sp>
-      <p:sp>
-        <p:nvSpPr>
-          <p:cNvPr id="4" name="Slide Number Placeholder 3"/>
-          <p:cNvSpPr>
-            <a:spLocks noGrp="1"/>
-          </p:cNvSpPr>
-          <p:nvPr>
-            <p:ph type="sldNum" sz="quarter" idx="12"/>
-          </p:nvPr>
-        </p:nvSpPr>
-        <p:spPr/>
-        <p:txBody>
-          <a:bodyPr/>
-          <a:lstStyle/>
-          <a:p>
-            <a:fld id="{5E2AC11C-9EA8-4635-A212-19ECE156EFE4}" type="slidenum">
-              <a:rPr lang="en-US" smtClean="0"/>
-              <a:t>‹#›</a:t>
-            </a:fld>
-            <a:endParaRPr lang="en-US"/>
-          </a:p>
-        </p:txBody>
-      </p:sp>
-    </p:spTree>
-    <p:extLst>
-      <p:ext uri="{BB962C8B-B14F-4D97-AF65-F5344CB8AC3E}">
-        <p14:creationId xmlns:p14="http://schemas.microsoft.com/office/powerpoint/2010/main" val="3145128436"/>
-      </p:ext>
-    </p:extLst>
-  </p:cSld>
-  <p:clrMapOvr>
-    <a:masterClrMapping/>
-  </p:clrMapOvr>
-</p:sldLayout>
-</file>
-
-<file path=ppt/slideLayouts/slideLayout19.xml><?xml version="1.0" encoding="utf-8"?>
-<p:sldLayout xmlns:a="http://schemas.openxmlformats.org/drawingml/2006/main" xmlns:r="http://schemas.openxmlformats.org/officeDocument/2006/relationships" xmlns:p="http://schemas.openxmlformats.org/presentationml/2006/main" type="objTx" preserve="1">
-  <p:cSld name="Content with Caption">
-    <p:spTree>
-      <p:nvGrpSpPr>
-        <p:cNvPr id="1" name=""/>
-        <p:cNvGrpSpPr/>
-        <p:nvPr/>
-      </p:nvGrpSpPr>
-      <p:grpSpPr>
-        <a:xfrm>
-          <a:off x="0" y="0"/>
-          <a:ext cx="0" cy="0"/>
-          <a:chOff x="0" y="0"/>
-          <a:chExt cx="0" cy="0"/>
-        </a:xfrm>
-      </p:grpSpPr>
-      <p:sp>
-        <p:nvSpPr>
-          <p:cNvPr id="2" name="Title 1"/>
-          <p:cNvSpPr>
-            <a:spLocks noGrp="1"/>
-          </p:cNvSpPr>
-          <p:nvPr>
-            <p:ph type="title"/>
-          </p:nvPr>
-        </p:nvSpPr>
-        <p:spPr>
-          <a:xfrm>
-            <a:off x="1259683" y="685800"/>
-            <a:ext cx="5898356" cy="2400300"/>
-          </a:xfrm>
-        </p:spPr>
-        <p:txBody>
-          <a:bodyPr anchor="b"/>
-          <a:lstStyle>
-            <a:lvl1pPr>
-              <a:defRPr sz="4800"/>
-            </a:lvl1pPr>
-          </a:lstStyle>
-          <a:p>
-            <a:r>
-              <a:rPr lang="en-US"/>
-              <a:t>Click to edit Master title style</a:t>
-            </a:r>
-          </a:p>
-        </p:txBody>
-      </p:sp>
-      <p:sp>
-        <p:nvSpPr>
-          <p:cNvPr id="3" name="Content Placeholder 2"/>
-          <p:cNvSpPr>
-            <a:spLocks noGrp="1"/>
-          </p:cNvSpPr>
-          <p:nvPr>
-            <p:ph idx="1"/>
-          </p:nvPr>
-        </p:nvSpPr>
-        <p:spPr>
-          <a:xfrm>
-            <a:off x="7774782" y="1481138"/>
-            <a:ext cx="9258300" cy="7310438"/>
-          </a:xfrm>
-        </p:spPr>
-        <p:txBody>
-          <a:bodyPr/>
-          <a:lstStyle>
-            <a:lvl1pPr>
-              <a:defRPr sz="4800"/>
-            </a:lvl1pPr>
-            <a:lvl2pPr>
-              <a:defRPr sz="4200"/>
-            </a:lvl2pPr>
-            <a:lvl3pPr>
-              <a:defRPr sz="3600"/>
-            </a:lvl3pPr>
-            <a:lvl4pPr>
-              <a:defRPr sz="3000"/>
-            </a:lvl4pPr>
-            <a:lvl5pPr>
-              <a:defRPr sz="3000"/>
-            </a:lvl5pPr>
-            <a:lvl6pPr>
-              <a:defRPr sz="3000"/>
-            </a:lvl6pPr>
-            <a:lvl7pPr>
-              <a:defRPr sz="3000"/>
-            </a:lvl7pPr>
-            <a:lvl8pPr>
-              <a:defRPr sz="3000"/>
-            </a:lvl8pPr>
-            <a:lvl9pPr>
-              <a:defRPr sz="3000"/>
-            </a:lvl9pPr>
-          </a:lstStyle>
-          <a:p>
-            <a:pPr lvl="0"/>
-            <a:r>
-              <a:rPr lang="en-US"/>
-              <a:t>Edit Master text styles</a:t>
-            </a:r>
-          </a:p>
-          <a:p>
-            <a:pPr lvl="1"/>
-            <a:r>
-              <a:rPr lang="en-US"/>
-              <a:t>Second level</a:t>
-            </a:r>
-          </a:p>
-          <a:p>
-            <a:pPr lvl="2"/>
-            <a:r>
-              <a:rPr lang="en-US"/>
-              <a:t>Third level</a:t>
-            </a:r>
-          </a:p>
-          <a:p>
-            <a:pPr lvl="3"/>
-            <a:r>
-              <a:rPr lang="en-US"/>
-              <a:t>Fourth level</a:t>
-            </a:r>
-          </a:p>
-          <a:p>
-            <a:pPr lvl="4"/>
-            <a:r>
-              <a:rPr lang="en-US"/>
-              <a:t>Fifth level</a:t>
-            </a:r>
-          </a:p>
-        </p:txBody>
-      </p:sp>
-      <p:sp>
-        <p:nvSpPr>
-          <p:cNvPr id="4" name="Text Placeholder 3"/>
-          <p:cNvSpPr>
-            <a:spLocks noGrp="1"/>
-          </p:cNvSpPr>
-          <p:nvPr>
-            <p:ph type="body" sz="half" idx="2"/>
-          </p:nvPr>
-        </p:nvSpPr>
-        <p:spPr>
-          <a:xfrm>
-            <a:off x="1259683" y="3086100"/>
-            <a:ext cx="5898356" cy="5717382"/>
-          </a:xfrm>
-        </p:spPr>
-        <p:txBody>
-          <a:bodyPr/>
-          <a:lstStyle>
-            <a:lvl1pPr marL="0" indent="0">
-              <a:buNone/>
-              <a:defRPr sz="2400"/>
-            </a:lvl1pPr>
-            <a:lvl2pPr marL="685800" indent="0">
-              <a:buNone/>
-              <a:defRPr sz="2100"/>
-            </a:lvl2pPr>
-            <a:lvl3pPr marL="1371600" indent="0">
-              <a:buNone/>
-              <a:defRPr sz="1800"/>
-            </a:lvl3pPr>
-            <a:lvl4pPr marL="2057400" indent="0">
-              <a:buNone/>
-              <a:defRPr sz="1500"/>
-            </a:lvl4pPr>
-            <a:lvl5pPr marL="2743200" indent="0">
-              <a:buNone/>
-              <a:defRPr sz="1500"/>
-            </a:lvl5pPr>
-            <a:lvl6pPr marL="3429000" indent="0">
-              <a:buNone/>
-              <a:defRPr sz="1500"/>
-            </a:lvl6pPr>
-            <a:lvl7pPr marL="4114800" indent="0">
-              <a:buNone/>
-              <a:defRPr sz="1500"/>
-            </a:lvl7pPr>
-            <a:lvl8pPr marL="4800600" indent="0">
-              <a:buNone/>
-              <a:defRPr sz="1500"/>
-            </a:lvl8pPr>
-            <a:lvl9pPr marL="5486400" indent="0">
-              <a:buNone/>
-              <a:defRPr sz="1500"/>
-            </a:lvl9pPr>
-          </a:lstStyle>
-          <a:p>
-            <a:pPr lvl="0"/>
-            <a:r>
-              <a:rPr lang="en-US"/>
-              <a:t>Edit Master text styles</a:t>
-            </a:r>
-          </a:p>
-        </p:txBody>
-      </p:sp>
-      <p:sp>
-        <p:nvSpPr>
-          <p:cNvPr id="5" name="Date Placeholder 4"/>
-          <p:cNvSpPr>
-            <a:spLocks noGrp="1"/>
-          </p:cNvSpPr>
-          <p:nvPr>
-            <p:ph type="dt" sz="half" idx="10"/>
-          </p:nvPr>
-        </p:nvSpPr>
-        <p:spPr/>
-        <p:txBody>
-          <a:bodyPr/>
-          <a:lstStyle/>
-          <a:p>
-            <a:fld id="{6D69D915-0C95-4E2B-A33E-1C81BBBB360F}" type="datetimeFigureOut">
-              <a:rPr lang="en-US" smtClean="0"/>
-              <a:t>11/2/2023</a:t>
-            </a:fld>
-            <a:endParaRPr lang="en-US"/>
-          </a:p>
-        </p:txBody>
-      </p:sp>
-      <p:sp>
-        <p:nvSpPr>
-          <p:cNvPr id="6" name="Footer Placeholder 5"/>
-          <p:cNvSpPr>
-            <a:spLocks noGrp="1"/>
-          </p:cNvSpPr>
-          <p:nvPr>
-            <p:ph type="ftr" sz="quarter" idx="11"/>
-          </p:nvPr>
-        </p:nvSpPr>
-        <p:spPr/>
-        <p:txBody>
-          <a:bodyPr/>
-          <a:lstStyle/>
-          <a:p>
-            <a:endParaRPr lang="en-US"/>
-          </a:p>
-        </p:txBody>
-      </p:sp>
-      <p:sp>
-        <p:nvSpPr>
-          <p:cNvPr id="7" name="Slide Number Placeholder 6"/>
-          <p:cNvSpPr>
-            <a:spLocks noGrp="1"/>
-          </p:cNvSpPr>
-          <p:nvPr>
-            <p:ph type="sldNum" sz="quarter" idx="12"/>
-          </p:nvPr>
-        </p:nvSpPr>
-        <p:spPr/>
-        <p:txBody>
-          <a:bodyPr/>
-          <a:lstStyle/>
-          <a:p>
-            <a:fld id="{5E2AC11C-9EA8-4635-A212-19ECE156EFE4}" type="slidenum">
-              <a:rPr lang="en-US" smtClean="0"/>
-              <a:t>‹#›</a:t>
-            </a:fld>
-            <a:endParaRPr lang="en-US"/>
-          </a:p>
-        </p:txBody>
-      </p:sp>
-    </p:spTree>
-    <p:extLst>
-      <p:ext uri="{BB962C8B-B14F-4D97-AF65-F5344CB8AC3E}">
-        <p14:creationId xmlns:p14="http://schemas.microsoft.com/office/powerpoint/2010/main" val="2382536800"/>
+        <p14:creationId xmlns:p14="http://schemas.microsoft.com/office/powerpoint/2010/main" val="4211003481"/>
       </p:ext>
     </p:extLst>
   </p:cSld>
@@ -2500,7 +772,13 @@
       </p:grpSpPr>
       <p:sp>
         <p:nvSpPr>
-          <p:cNvPr id="2" name="Title 1"/>
+          <p:cNvPr id="2" name="Title 1">
+            <a:extLst>
+              <a:ext uri="{FF2B5EF4-FFF2-40B4-BE49-F238E27FC236}">
+                <a16:creationId xmlns:a16="http://schemas.microsoft.com/office/drawing/2014/main" id="{09202F31-D1DD-6904-D138-D60073E6F966}"/>
+              </a:ext>
+            </a:extLst>
+          </p:cNvPr>
           <p:cNvSpPr>
             <a:spLocks noGrp="1"/>
           </p:cNvSpPr>
@@ -2522,7 +800,13 @@
       </p:sp>
       <p:sp>
         <p:nvSpPr>
-          <p:cNvPr id="3" name="Content Placeholder 2"/>
+          <p:cNvPr id="3" name="Content Placeholder 2">
+            <a:extLst>
+              <a:ext uri="{FF2B5EF4-FFF2-40B4-BE49-F238E27FC236}">
+                <a16:creationId xmlns:a16="http://schemas.microsoft.com/office/drawing/2014/main" id="{F9E7360B-19DF-90FB-FB68-6089C77AC25C}"/>
+              </a:ext>
+            </a:extLst>
+          </p:cNvPr>
           <p:cNvSpPr>
             <a:spLocks noGrp="1"/>
           </p:cNvSpPr>
@@ -2573,7 +857,13 @@
       </p:sp>
       <p:sp>
         <p:nvSpPr>
-          <p:cNvPr id="4" name="Date Placeholder 3"/>
+          <p:cNvPr id="4" name="Date Placeholder 3">
+            <a:extLst>
+              <a:ext uri="{FF2B5EF4-FFF2-40B4-BE49-F238E27FC236}">
+                <a16:creationId xmlns:a16="http://schemas.microsoft.com/office/drawing/2014/main" id="{CA64307E-601B-8120-072C-43107F429A21}"/>
+              </a:ext>
+            </a:extLst>
+          </p:cNvPr>
           <p:cNvSpPr>
             <a:spLocks noGrp="1"/>
           </p:cNvSpPr>
@@ -2586,9 +876,8 @@
           <a:bodyPr/>
           <a:lstStyle/>
           <a:p>
-            <a:fld id="{1D8BD707-D9CF-40AE-B4C6-C98DA3205C09}" type="datetimeFigureOut">
+            <a:fld id="{5E1F6F16-DD62-4A72-9F7C-0B6D38972453}" type="datetimeFigureOut">
               <a:rPr lang="en-US" smtClean="0"/>
-              <a:pPr/>
               <a:t>11/2/2023</a:t>
             </a:fld>
             <a:endParaRPr lang="en-US"/>
@@ -2597,7 +886,13 @@
       </p:sp>
       <p:sp>
         <p:nvSpPr>
-          <p:cNvPr id="5" name="Footer Placeholder 4"/>
+          <p:cNvPr id="5" name="Footer Placeholder 4">
+            <a:extLst>
+              <a:ext uri="{FF2B5EF4-FFF2-40B4-BE49-F238E27FC236}">
+                <a16:creationId xmlns:a16="http://schemas.microsoft.com/office/drawing/2014/main" id="{7D716624-C10E-8AA5-2FC0-52392AA796E5}"/>
+              </a:ext>
+            </a:extLst>
+          </p:cNvPr>
           <p:cNvSpPr>
             <a:spLocks noGrp="1"/>
           </p:cNvSpPr>
@@ -2616,7 +911,13 @@
       </p:sp>
       <p:sp>
         <p:nvSpPr>
-          <p:cNvPr id="6" name="Slide Number Placeholder 5"/>
+          <p:cNvPr id="6" name="Slide Number Placeholder 5">
+            <a:extLst>
+              <a:ext uri="{FF2B5EF4-FFF2-40B4-BE49-F238E27FC236}">
+                <a16:creationId xmlns:a16="http://schemas.microsoft.com/office/drawing/2014/main" id="{F947B397-6E8F-63EB-BD47-38E48A81CEA5}"/>
+              </a:ext>
+            </a:extLst>
+          </p:cNvPr>
           <p:cNvSpPr>
             <a:spLocks noGrp="1"/>
           </p:cNvSpPr>
@@ -2629,255 +930,7 @@
           <a:bodyPr/>
           <a:lstStyle/>
           <a:p>
-            <a:fld id="{B6F15528-21DE-4FAA-801E-634DDDAF4B2B}" type="slidenum">
-              <a:rPr lang="en-US" smtClean="0"/>
-              <a:pPr/>
-              <a:t>‹#›</a:t>
-            </a:fld>
-            <a:endParaRPr lang="en-US"/>
-          </a:p>
-        </p:txBody>
-      </p:sp>
-    </p:spTree>
-  </p:cSld>
-  <p:clrMapOvr>
-    <a:masterClrMapping/>
-  </p:clrMapOvr>
-</p:sldLayout>
-</file>
-
-<file path=ppt/slideLayouts/slideLayout20.xml><?xml version="1.0" encoding="utf-8"?>
-<p:sldLayout xmlns:a="http://schemas.openxmlformats.org/drawingml/2006/main" xmlns:r="http://schemas.openxmlformats.org/officeDocument/2006/relationships" xmlns:p="http://schemas.openxmlformats.org/presentationml/2006/main" type="picTx" preserve="1">
-  <p:cSld name="Picture with Caption">
-    <p:spTree>
-      <p:nvGrpSpPr>
-        <p:cNvPr id="1" name=""/>
-        <p:cNvGrpSpPr/>
-        <p:nvPr/>
-      </p:nvGrpSpPr>
-      <p:grpSpPr>
-        <a:xfrm>
-          <a:off x="0" y="0"/>
-          <a:ext cx="0" cy="0"/>
-          <a:chOff x="0" y="0"/>
-          <a:chExt cx="0" cy="0"/>
-        </a:xfrm>
-      </p:grpSpPr>
-      <p:sp>
-        <p:nvSpPr>
-          <p:cNvPr id="2" name="Title 1"/>
-          <p:cNvSpPr>
-            <a:spLocks noGrp="1"/>
-          </p:cNvSpPr>
-          <p:nvPr>
-            <p:ph type="title"/>
-          </p:nvPr>
-        </p:nvSpPr>
-        <p:spPr>
-          <a:xfrm>
-            <a:off x="1259683" y="685800"/>
-            <a:ext cx="5898356" cy="2400300"/>
-          </a:xfrm>
-        </p:spPr>
-        <p:txBody>
-          <a:bodyPr anchor="b"/>
-          <a:lstStyle>
-            <a:lvl1pPr>
-              <a:defRPr sz="4800"/>
-            </a:lvl1pPr>
-          </a:lstStyle>
-          <a:p>
-            <a:r>
-              <a:rPr lang="en-US"/>
-              <a:t>Click to edit Master title style</a:t>
-            </a:r>
-          </a:p>
-        </p:txBody>
-      </p:sp>
-      <p:sp>
-        <p:nvSpPr>
-          <p:cNvPr id="3" name="Picture Placeholder 2"/>
-          <p:cNvSpPr>
-            <a:spLocks noGrp="1"/>
-          </p:cNvSpPr>
-          <p:nvPr>
-            <p:ph type="pic" idx="1"/>
-          </p:nvPr>
-        </p:nvSpPr>
-        <p:spPr>
-          <a:xfrm>
-            <a:off x="7774782" y="1481138"/>
-            <a:ext cx="9258300" cy="7310438"/>
-          </a:xfrm>
-        </p:spPr>
-        <p:txBody>
-          <a:bodyPr/>
-          <a:lstStyle>
-            <a:lvl1pPr marL="0" indent="0">
-              <a:buNone/>
-              <a:defRPr sz="4800"/>
-            </a:lvl1pPr>
-            <a:lvl2pPr marL="685800" indent="0">
-              <a:buNone/>
-              <a:defRPr sz="4200"/>
-            </a:lvl2pPr>
-            <a:lvl3pPr marL="1371600" indent="0">
-              <a:buNone/>
-              <a:defRPr sz="3600"/>
-            </a:lvl3pPr>
-            <a:lvl4pPr marL="2057400" indent="0">
-              <a:buNone/>
-              <a:defRPr sz="3000"/>
-            </a:lvl4pPr>
-            <a:lvl5pPr marL="2743200" indent="0">
-              <a:buNone/>
-              <a:defRPr sz="3000"/>
-            </a:lvl5pPr>
-            <a:lvl6pPr marL="3429000" indent="0">
-              <a:buNone/>
-              <a:defRPr sz="3000"/>
-            </a:lvl6pPr>
-            <a:lvl7pPr marL="4114800" indent="0">
-              <a:buNone/>
-              <a:defRPr sz="3000"/>
-            </a:lvl7pPr>
-            <a:lvl8pPr marL="4800600" indent="0">
-              <a:buNone/>
-              <a:defRPr sz="3000"/>
-            </a:lvl8pPr>
-            <a:lvl9pPr marL="5486400" indent="0">
-              <a:buNone/>
-              <a:defRPr sz="3000"/>
-            </a:lvl9pPr>
-          </a:lstStyle>
-          <a:p>
-            <a:endParaRPr lang="en-US"/>
-          </a:p>
-        </p:txBody>
-      </p:sp>
-      <p:sp>
-        <p:nvSpPr>
-          <p:cNvPr id="4" name="Text Placeholder 3"/>
-          <p:cNvSpPr>
-            <a:spLocks noGrp="1"/>
-          </p:cNvSpPr>
-          <p:nvPr>
-            <p:ph type="body" sz="half" idx="2"/>
-          </p:nvPr>
-        </p:nvSpPr>
-        <p:spPr>
-          <a:xfrm>
-            <a:off x="1259683" y="3086100"/>
-            <a:ext cx="5898356" cy="5717382"/>
-          </a:xfrm>
-        </p:spPr>
-        <p:txBody>
-          <a:bodyPr/>
-          <a:lstStyle>
-            <a:lvl1pPr marL="0" indent="0">
-              <a:buNone/>
-              <a:defRPr sz="2400"/>
-            </a:lvl1pPr>
-            <a:lvl2pPr marL="685800" indent="0">
-              <a:buNone/>
-              <a:defRPr sz="2100"/>
-            </a:lvl2pPr>
-            <a:lvl3pPr marL="1371600" indent="0">
-              <a:buNone/>
-              <a:defRPr sz="1800"/>
-            </a:lvl3pPr>
-            <a:lvl4pPr marL="2057400" indent="0">
-              <a:buNone/>
-              <a:defRPr sz="1500"/>
-            </a:lvl4pPr>
-            <a:lvl5pPr marL="2743200" indent="0">
-              <a:buNone/>
-              <a:defRPr sz="1500"/>
-            </a:lvl5pPr>
-            <a:lvl6pPr marL="3429000" indent="0">
-              <a:buNone/>
-              <a:defRPr sz="1500"/>
-            </a:lvl6pPr>
-            <a:lvl7pPr marL="4114800" indent="0">
-              <a:buNone/>
-              <a:defRPr sz="1500"/>
-            </a:lvl7pPr>
-            <a:lvl8pPr marL="4800600" indent="0">
-              <a:buNone/>
-              <a:defRPr sz="1500"/>
-            </a:lvl8pPr>
-            <a:lvl9pPr marL="5486400" indent="0">
-              <a:buNone/>
-              <a:defRPr sz="1500"/>
-            </a:lvl9pPr>
-          </a:lstStyle>
-          <a:p>
-            <a:pPr lvl="0"/>
-            <a:r>
-              <a:rPr lang="en-US"/>
-              <a:t>Edit Master text styles</a:t>
-            </a:r>
-          </a:p>
-        </p:txBody>
-      </p:sp>
-      <p:sp>
-        <p:nvSpPr>
-          <p:cNvPr id="5" name="Date Placeholder 4"/>
-          <p:cNvSpPr>
-            <a:spLocks noGrp="1"/>
-          </p:cNvSpPr>
-          <p:nvPr>
-            <p:ph type="dt" sz="half" idx="10"/>
-          </p:nvPr>
-        </p:nvSpPr>
-        <p:spPr/>
-        <p:txBody>
-          <a:bodyPr/>
-          <a:lstStyle/>
-          <a:p>
-            <a:fld id="{6D69D915-0C95-4E2B-A33E-1C81BBBB360F}" type="datetimeFigureOut">
-              <a:rPr lang="en-US" smtClean="0"/>
-              <a:t>11/2/2023</a:t>
-            </a:fld>
-            <a:endParaRPr lang="en-US"/>
-          </a:p>
-        </p:txBody>
-      </p:sp>
-      <p:sp>
-        <p:nvSpPr>
-          <p:cNvPr id="6" name="Footer Placeholder 5"/>
-          <p:cNvSpPr>
-            <a:spLocks noGrp="1"/>
-          </p:cNvSpPr>
-          <p:nvPr>
-            <p:ph type="ftr" sz="quarter" idx="11"/>
-          </p:nvPr>
-        </p:nvSpPr>
-        <p:spPr/>
-        <p:txBody>
-          <a:bodyPr/>
-          <a:lstStyle/>
-          <a:p>
-            <a:endParaRPr lang="en-US"/>
-          </a:p>
-        </p:txBody>
-      </p:sp>
-      <p:sp>
-        <p:nvSpPr>
-          <p:cNvPr id="7" name="Slide Number Placeholder 6"/>
-          <p:cNvSpPr>
-            <a:spLocks noGrp="1"/>
-          </p:cNvSpPr>
-          <p:nvPr>
-            <p:ph type="sldNum" sz="quarter" idx="12"/>
-          </p:nvPr>
-        </p:nvSpPr>
-        <p:spPr/>
-        <p:txBody>
-          <a:bodyPr/>
-          <a:lstStyle/>
-          <a:p>
-            <a:fld id="{5E2AC11C-9EA8-4635-A212-19ECE156EFE4}" type="slidenum">
+            <a:fld id="{7B913512-C656-456F-81BF-BA91514457B2}" type="slidenum">
               <a:rPr lang="en-US" smtClean="0"/>
               <a:t>‹#›</a:t>
             </a:fld>
@@ -2888,353 +941,7 @@
     </p:spTree>
     <p:extLst>
       <p:ext uri="{BB962C8B-B14F-4D97-AF65-F5344CB8AC3E}">
-        <p14:creationId xmlns:p14="http://schemas.microsoft.com/office/powerpoint/2010/main" val="3263325696"/>
-      </p:ext>
-    </p:extLst>
-  </p:cSld>
-  <p:clrMapOvr>
-    <a:masterClrMapping/>
-  </p:clrMapOvr>
-</p:sldLayout>
-</file>
-
-<file path=ppt/slideLayouts/slideLayout21.xml><?xml version="1.0" encoding="utf-8"?>
-<p:sldLayout xmlns:a="http://schemas.openxmlformats.org/drawingml/2006/main" xmlns:r="http://schemas.openxmlformats.org/officeDocument/2006/relationships" xmlns:p="http://schemas.openxmlformats.org/presentationml/2006/main" type="vertTx" preserve="1">
-  <p:cSld name="Title and Vertical Text">
-    <p:spTree>
-      <p:nvGrpSpPr>
-        <p:cNvPr id="1" name=""/>
-        <p:cNvGrpSpPr/>
-        <p:nvPr/>
-      </p:nvGrpSpPr>
-      <p:grpSpPr>
-        <a:xfrm>
-          <a:off x="0" y="0"/>
-          <a:ext cx="0" cy="0"/>
-          <a:chOff x="0" y="0"/>
-          <a:chExt cx="0" cy="0"/>
-        </a:xfrm>
-      </p:grpSpPr>
-      <p:sp>
-        <p:nvSpPr>
-          <p:cNvPr id="2" name="Title 1"/>
-          <p:cNvSpPr>
-            <a:spLocks noGrp="1"/>
-          </p:cNvSpPr>
-          <p:nvPr>
-            <p:ph type="title"/>
-          </p:nvPr>
-        </p:nvSpPr>
-        <p:spPr/>
-        <p:txBody>
-          <a:bodyPr/>
-          <a:lstStyle/>
-          <a:p>
-            <a:r>
-              <a:rPr lang="en-US"/>
-              <a:t>Click to edit Master title style</a:t>
-            </a:r>
-          </a:p>
-        </p:txBody>
-      </p:sp>
-      <p:sp>
-        <p:nvSpPr>
-          <p:cNvPr id="3" name="Vertical Text Placeholder 2"/>
-          <p:cNvSpPr>
-            <a:spLocks noGrp="1"/>
-          </p:cNvSpPr>
-          <p:nvPr>
-            <p:ph type="body" orient="vert" idx="1"/>
-          </p:nvPr>
-        </p:nvSpPr>
-        <p:spPr/>
-        <p:txBody>
-          <a:bodyPr vert="eaVert"/>
-          <a:lstStyle/>
-          <a:p>
-            <a:pPr lvl="0"/>
-            <a:r>
-              <a:rPr lang="en-US"/>
-              <a:t>Edit Master text styles</a:t>
-            </a:r>
-          </a:p>
-          <a:p>
-            <a:pPr lvl="1"/>
-            <a:r>
-              <a:rPr lang="en-US"/>
-              <a:t>Second level</a:t>
-            </a:r>
-          </a:p>
-          <a:p>
-            <a:pPr lvl="2"/>
-            <a:r>
-              <a:rPr lang="en-US"/>
-              <a:t>Third level</a:t>
-            </a:r>
-          </a:p>
-          <a:p>
-            <a:pPr lvl="3"/>
-            <a:r>
-              <a:rPr lang="en-US"/>
-              <a:t>Fourth level</a:t>
-            </a:r>
-          </a:p>
-          <a:p>
-            <a:pPr lvl="4"/>
-            <a:r>
-              <a:rPr lang="en-US"/>
-              <a:t>Fifth level</a:t>
-            </a:r>
-          </a:p>
-        </p:txBody>
-      </p:sp>
-      <p:sp>
-        <p:nvSpPr>
-          <p:cNvPr id="4" name="Date Placeholder 3"/>
-          <p:cNvSpPr>
-            <a:spLocks noGrp="1"/>
-          </p:cNvSpPr>
-          <p:nvPr>
-            <p:ph type="dt" sz="half" idx="10"/>
-          </p:nvPr>
-        </p:nvSpPr>
-        <p:spPr/>
-        <p:txBody>
-          <a:bodyPr/>
-          <a:lstStyle/>
-          <a:p>
-            <a:fld id="{6D69D915-0C95-4E2B-A33E-1C81BBBB360F}" type="datetimeFigureOut">
-              <a:rPr lang="en-US" smtClean="0"/>
-              <a:t>11/2/2023</a:t>
-            </a:fld>
-            <a:endParaRPr lang="en-US"/>
-          </a:p>
-        </p:txBody>
-      </p:sp>
-      <p:sp>
-        <p:nvSpPr>
-          <p:cNvPr id="5" name="Footer Placeholder 4"/>
-          <p:cNvSpPr>
-            <a:spLocks noGrp="1"/>
-          </p:cNvSpPr>
-          <p:nvPr>
-            <p:ph type="ftr" sz="quarter" idx="11"/>
-          </p:nvPr>
-        </p:nvSpPr>
-        <p:spPr/>
-        <p:txBody>
-          <a:bodyPr/>
-          <a:lstStyle/>
-          <a:p>
-            <a:endParaRPr lang="en-US"/>
-          </a:p>
-        </p:txBody>
-      </p:sp>
-      <p:sp>
-        <p:nvSpPr>
-          <p:cNvPr id="6" name="Slide Number Placeholder 5"/>
-          <p:cNvSpPr>
-            <a:spLocks noGrp="1"/>
-          </p:cNvSpPr>
-          <p:nvPr>
-            <p:ph type="sldNum" sz="quarter" idx="12"/>
-          </p:nvPr>
-        </p:nvSpPr>
-        <p:spPr/>
-        <p:txBody>
-          <a:bodyPr/>
-          <a:lstStyle/>
-          <a:p>
-            <a:fld id="{5E2AC11C-9EA8-4635-A212-19ECE156EFE4}" type="slidenum">
-              <a:rPr lang="en-US" smtClean="0"/>
-              <a:t>‹#›</a:t>
-            </a:fld>
-            <a:endParaRPr lang="en-US"/>
-          </a:p>
-        </p:txBody>
-      </p:sp>
-    </p:spTree>
-    <p:extLst>
-      <p:ext uri="{BB962C8B-B14F-4D97-AF65-F5344CB8AC3E}">
-        <p14:creationId xmlns:p14="http://schemas.microsoft.com/office/powerpoint/2010/main" val="2665423608"/>
-      </p:ext>
-    </p:extLst>
-  </p:cSld>
-  <p:clrMapOvr>
-    <a:masterClrMapping/>
-  </p:clrMapOvr>
-</p:sldLayout>
-</file>
-
-<file path=ppt/slideLayouts/slideLayout22.xml><?xml version="1.0" encoding="utf-8"?>
-<p:sldLayout xmlns:a="http://schemas.openxmlformats.org/drawingml/2006/main" xmlns:r="http://schemas.openxmlformats.org/officeDocument/2006/relationships" xmlns:p="http://schemas.openxmlformats.org/presentationml/2006/main" type="vertTitleAndTx" preserve="1">
-  <p:cSld name="Vertical Title and Text">
-    <p:spTree>
-      <p:nvGrpSpPr>
-        <p:cNvPr id="1" name=""/>
-        <p:cNvGrpSpPr/>
-        <p:nvPr/>
-      </p:nvGrpSpPr>
-      <p:grpSpPr>
-        <a:xfrm>
-          <a:off x="0" y="0"/>
-          <a:ext cx="0" cy="0"/>
-          <a:chOff x="0" y="0"/>
-          <a:chExt cx="0" cy="0"/>
-        </a:xfrm>
-      </p:grpSpPr>
-      <p:sp>
-        <p:nvSpPr>
-          <p:cNvPr id="2" name="Vertical Title 1"/>
-          <p:cNvSpPr>
-            <a:spLocks noGrp="1"/>
-          </p:cNvSpPr>
-          <p:nvPr>
-            <p:ph type="title" orient="vert"/>
-          </p:nvPr>
-        </p:nvSpPr>
-        <p:spPr>
-          <a:xfrm>
-            <a:off x="13087350" y="547688"/>
-            <a:ext cx="3943350" cy="8717757"/>
-          </a:xfrm>
-        </p:spPr>
-        <p:txBody>
-          <a:bodyPr vert="eaVert"/>
-          <a:lstStyle/>
-          <a:p>
-            <a:r>
-              <a:rPr lang="en-US"/>
-              <a:t>Click to edit Master title style</a:t>
-            </a:r>
-          </a:p>
-        </p:txBody>
-      </p:sp>
-      <p:sp>
-        <p:nvSpPr>
-          <p:cNvPr id="3" name="Vertical Text Placeholder 2"/>
-          <p:cNvSpPr>
-            <a:spLocks noGrp="1"/>
-          </p:cNvSpPr>
-          <p:nvPr>
-            <p:ph type="body" orient="vert" idx="1"/>
-          </p:nvPr>
-        </p:nvSpPr>
-        <p:spPr>
-          <a:xfrm>
-            <a:off x="1257300" y="547688"/>
-            <a:ext cx="11601450" cy="8717757"/>
-          </a:xfrm>
-        </p:spPr>
-        <p:txBody>
-          <a:bodyPr vert="eaVert"/>
-          <a:lstStyle/>
-          <a:p>
-            <a:pPr lvl="0"/>
-            <a:r>
-              <a:rPr lang="en-US"/>
-              <a:t>Edit Master text styles</a:t>
-            </a:r>
-          </a:p>
-          <a:p>
-            <a:pPr lvl="1"/>
-            <a:r>
-              <a:rPr lang="en-US"/>
-              <a:t>Second level</a:t>
-            </a:r>
-          </a:p>
-          <a:p>
-            <a:pPr lvl="2"/>
-            <a:r>
-              <a:rPr lang="en-US"/>
-              <a:t>Third level</a:t>
-            </a:r>
-          </a:p>
-          <a:p>
-            <a:pPr lvl="3"/>
-            <a:r>
-              <a:rPr lang="en-US"/>
-              <a:t>Fourth level</a:t>
-            </a:r>
-          </a:p>
-          <a:p>
-            <a:pPr lvl="4"/>
-            <a:r>
-              <a:rPr lang="en-US"/>
-              <a:t>Fifth level</a:t>
-            </a:r>
-          </a:p>
-        </p:txBody>
-      </p:sp>
-      <p:sp>
-        <p:nvSpPr>
-          <p:cNvPr id="4" name="Date Placeholder 3"/>
-          <p:cNvSpPr>
-            <a:spLocks noGrp="1"/>
-          </p:cNvSpPr>
-          <p:nvPr>
-            <p:ph type="dt" sz="half" idx="10"/>
-          </p:nvPr>
-        </p:nvSpPr>
-        <p:spPr/>
-        <p:txBody>
-          <a:bodyPr/>
-          <a:lstStyle/>
-          <a:p>
-            <a:fld id="{6D69D915-0C95-4E2B-A33E-1C81BBBB360F}" type="datetimeFigureOut">
-              <a:rPr lang="en-US" smtClean="0"/>
-              <a:t>11/2/2023</a:t>
-            </a:fld>
-            <a:endParaRPr lang="en-US"/>
-          </a:p>
-        </p:txBody>
-      </p:sp>
-      <p:sp>
-        <p:nvSpPr>
-          <p:cNvPr id="5" name="Footer Placeholder 4"/>
-          <p:cNvSpPr>
-            <a:spLocks noGrp="1"/>
-          </p:cNvSpPr>
-          <p:nvPr>
-            <p:ph type="ftr" sz="quarter" idx="11"/>
-          </p:nvPr>
-        </p:nvSpPr>
-        <p:spPr/>
-        <p:txBody>
-          <a:bodyPr/>
-          <a:lstStyle/>
-          <a:p>
-            <a:endParaRPr lang="en-US"/>
-          </a:p>
-        </p:txBody>
-      </p:sp>
-      <p:sp>
-        <p:nvSpPr>
-          <p:cNvPr id="6" name="Slide Number Placeholder 5"/>
-          <p:cNvSpPr>
-            <a:spLocks noGrp="1"/>
-          </p:cNvSpPr>
-          <p:nvPr>
-            <p:ph type="sldNum" sz="quarter" idx="12"/>
-          </p:nvPr>
-        </p:nvSpPr>
-        <p:spPr/>
-        <p:txBody>
-          <a:bodyPr/>
-          <a:lstStyle/>
-          <a:p>
-            <a:fld id="{5E2AC11C-9EA8-4635-A212-19ECE156EFE4}" type="slidenum">
-              <a:rPr lang="en-US" smtClean="0"/>
-              <a:t>‹#›</a:t>
-            </a:fld>
-            <a:endParaRPr lang="en-US"/>
-          </a:p>
-        </p:txBody>
-      </p:sp>
-    </p:spTree>
-    <p:extLst>
-      <p:ext uri="{BB962C8B-B14F-4D97-AF65-F5344CB8AC3E}">
-        <p14:creationId xmlns:p14="http://schemas.microsoft.com/office/powerpoint/2010/main" val="1285478041"/>
+        <p14:creationId xmlns:p14="http://schemas.microsoft.com/office/powerpoint/2010/main" val="910943314"/>
       </p:ext>
     </p:extLst>
   </p:cSld>
@@ -3263,7 +970,13 @@
       </p:grpSpPr>
       <p:sp>
         <p:nvSpPr>
-          <p:cNvPr id="2" name="Title 1"/>
+          <p:cNvPr id="2" name="Title 1">
+            <a:extLst>
+              <a:ext uri="{FF2B5EF4-FFF2-40B4-BE49-F238E27FC236}">
+                <a16:creationId xmlns:a16="http://schemas.microsoft.com/office/drawing/2014/main" id="{49EA3189-AB46-FF7B-0E17-552804F107F8}"/>
+              </a:ext>
+            </a:extLst>
+          </p:cNvPr>
           <p:cNvSpPr>
             <a:spLocks noGrp="1"/>
           </p:cNvSpPr>
@@ -3273,15 +986,15 @@
         </p:nvSpPr>
         <p:spPr>
           <a:xfrm>
-            <a:off x="722313" y="4406900"/>
-            <a:ext cx="7772400" cy="1362075"/>
+            <a:off x="831850" y="1709738"/>
+            <a:ext cx="10515600" cy="2852737"/>
           </a:xfrm>
         </p:spPr>
         <p:txBody>
-          <a:bodyPr anchor="t"/>
+          <a:bodyPr anchor="b"/>
           <a:lstStyle>
-            <a:lvl1pPr algn="l">
-              <a:defRPr sz="4000" b="1" cap="all"/>
+            <a:lvl1pPr>
+              <a:defRPr sz="6000"/>
             </a:lvl1pPr>
           </a:lstStyle>
           <a:p>
@@ -3294,7 +1007,13 @@
       </p:sp>
       <p:sp>
         <p:nvSpPr>
-          <p:cNvPr id="3" name="Text Placeholder 2"/>
+          <p:cNvPr id="3" name="Text Placeholder 2">
+            <a:extLst>
+              <a:ext uri="{FF2B5EF4-FFF2-40B4-BE49-F238E27FC236}">
+                <a16:creationId xmlns:a16="http://schemas.microsoft.com/office/drawing/2014/main" id="{2B1BF330-FEEE-227B-2F22-5E25953F3B63}"/>
+              </a:ext>
+            </a:extLst>
+          </p:cNvPr>
           <p:cNvSpPr>
             <a:spLocks noGrp="1"/>
           </p:cNvSpPr>
@@ -3304,16 +1023,16 @@
         </p:nvSpPr>
         <p:spPr>
           <a:xfrm>
-            <a:off x="722313" y="2906713"/>
-            <a:ext cx="7772400" cy="1500187"/>
+            <a:off x="831850" y="4589463"/>
+            <a:ext cx="10515600" cy="1500187"/>
           </a:xfrm>
         </p:spPr>
         <p:txBody>
-          <a:bodyPr anchor="b"/>
+          <a:bodyPr/>
           <a:lstStyle>
             <a:lvl1pPr marL="0" indent="0">
               <a:buNone/>
-              <a:defRPr sz="2000">
+              <a:defRPr sz="2400">
                 <a:solidFill>
                   <a:schemeClr val="tx1">
                     <a:tint val="75000"/>
@@ -3323,7 +1042,7 @@
             </a:lvl1pPr>
             <a:lvl2pPr marL="457200" indent="0">
               <a:buNone/>
-              <a:defRPr sz="1800">
+              <a:defRPr sz="2000">
                 <a:solidFill>
                   <a:schemeClr val="tx1">
                     <a:tint val="75000"/>
@@ -3333,7 +1052,7 @@
             </a:lvl2pPr>
             <a:lvl3pPr marL="914400" indent="0">
               <a:buNone/>
-              <a:defRPr sz="1600">
+              <a:defRPr sz="1800">
                 <a:solidFill>
                   <a:schemeClr val="tx1">
                     <a:tint val="75000"/>
@@ -3343,7 +1062,7 @@
             </a:lvl3pPr>
             <a:lvl4pPr marL="1371600" indent="0">
               <a:buNone/>
-              <a:defRPr sz="1400">
+              <a:defRPr sz="1600">
                 <a:solidFill>
                   <a:schemeClr val="tx1">
                     <a:tint val="75000"/>
@@ -3353,7 +1072,7 @@
             </a:lvl4pPr>
             <a:lvl5pPr marL="1828800" indent="0">
               <a:buNone/>
-              <a:defRPr sz="1400">
+              <a:defRPr sz="1600">
                 <a:solidFill>
                   <a:schemeClr val="tx1">
                     <a:tint val="75000"/>
@@ -3363,7 +1082,7 @@
             </a:lvl5pPr>
             <a:lvl6pPr marL="2286000" indent="0">
               <a:buNone/>
-              <a:defRPr sz="1400">
+              <a:defRPr sz="1600">
                 <a:solidFill>
                   <a:schemeClr val="tx1">
                     <a:tint val="75000"/>
@@ -3373,7 +1092,7 @@
             </a:lvl6pPr>
             <a:lvl7pPr marL="2743200" indent="0">
               <a:buNone/>
-              <a:defRPr sz="1400">
+              <a:defRPr sz="1600">
                 <a:solidFill>
                   <a:schemeClr val="tx1">
                     <a:tint val="75000"/>
@@ -3383,7 +1102,7 @@
             </a:lvl7pPr>
             <a:lvl8pPr marL="3200400" indent="0">
               <a:buNone/>
-              <a:defRPr sz="1400">
+              <a:defRPr sz="1600">
                 <a:solidFill>
                   <a:schemeClr val="tx1">
                     <a:tint val="75000"/>
@@ -3393,7 +1112,7 @@
             </a:lvl8pPr>
             <a:lvl9pPr marL="3657600" indent="0">
               <a:buNone/>
-              <a:defRPr sz="1400">
+              <a:defRPr sz="1600">
                 <a:solidFill>
                   <a:schemeClr val="tx1">
                     <a:tint val="75000"/>
@@ -3413,7 +1132,13 @@
       </p:sp>
       <p:sp>
         <p:nvSpPr>
-          <p:cNvPr id="4" name="Date Placeholder 3"/>
+          <p:cNvPr id="4" name="Date Placeholder 3">
+            <a:extLst>
+              <a:ext uri="{FF2B5EF4-FFF2-40B4-BE49-F238E27FC236}">
+                <a16:creationId xmlns:a16="http://schemas.microsoft.com/office/drawing/2014/main" id="{D2EB138B-AB5A-90AD-EE19-2FD5917A1ABE}"/>
+              </a:ext>
+            </a:extLst>
+          </p:cNvPr>
           <p:cNvSpPr>
             <a:spLocks noGrp="1"/>
           </p:cNvSpPr>
@@ -3426,9 +1151,8 @@
           <a:bodyPr/>
           <a:lstStyle/>
           <a:p>
-            <a:fld id="{1D8BD707-D9CF-40AE-B4C6-C98DA3205C09}" type="datetimeFigureOut">
+            <a:fld id="{5E1F6F16-DD62-4A72-9F7C-0B6D38972453}" type="datetimeFigureOut">
               <a:rPr lang="en-US" smtClean="0"/>
-              <a:pPr/>
               <a:t>11/2/2023</a:t>
             </a:fld>
             <a:endParaRPr lang="en-US"/>
@@ -3437,7 +1161,13 @@
       </p:sp>
       <p:sp>
         <p:nvSpPr>
-          <p:cNvPr id="5" name="Footer Placeholder 4"/>
+          <p:cNvPr id="5" name="Footer Placeholder 4">
+            <a:extLst>
+              <a:ext uri="{FF2B5EF4-FFF2-40B4-BE49-F238E27FC236}">
+                <a16:creationId xmlns:a16="http://schemas.microsoft.com/office/drawing/2014/main" id="{228BF44C-6F1F-6EBB-C848-BD41222F554A}"/>
+              </a:ext>
+            </a:extLst>
+          </p:cNvPr>
           <p:cNvSpPr>
             <a:spLocks noGrp="1"/>
           </p:cNvSpPr>
@@ -3456,7 +1186,13 @@
       </p:sp>
       <p:sp>
         <p:nvSpPr>
-          <p:cNvPr id="6" name="Slide Number Placeholder 5"/>
+          <p:cNvPr id="6" name="Slide Number Placeholder 5">
+            <a:extLst>
+              <a:ext uri="{FF2B5EF4-FFF2-40B4-BE49-F238E27FC236}">
+                <a16:creationId xmlns:a16="http://schemas.microsoft.com/office/drawing/2014/main" id="{C3D5E17B-8AC9-B10A-12AF-329C289B98F2}"/>
+              </a:ext>
+            </a:extLst>
+          </p:cNvPr>
           <p:cNvSpPr>
             <a:spLocks noGrp="1"/>
           </p:cNvSpPr>
@@ -3469,9 +1205,8 @@
           <a:bodyPr/>
           <a:lstStyle/>
           <a:p>
-            <a:fld id="{B6F15528-21DE-4FAA-801E-634DDDAF4B2B}" type="slidenum">
+            <a:fld id="{7B913512-C656-456F-81BF-BA91514457B2}" type="slidenum">
               <a:rPr lang="en-US" smtClean="0"/>
-              <a:pPr/>
               <a:t>‹#›</a:t>
             </a:fld>
             <a:endParaRPr lang="en-US"/>
@@ -3479,6 +1214,11 @@
         </p:txBody>
       </p:sp>
     </p:spTree>
+    <p:extLst>
+      <p:ext uri="{BB962C8B-B14F-4D97-AF65-F5344CB8AC3E}">
+        <p14:creationId xmlns:p14="http://schemas.microsoft.com/office/powerpoint/2010/main" val="2781906503"/>
+      </p:ext>
+    </p:extLst>
   </p:cSld>
   <p:clrMapOvr>
     <a:masterClrMapping/>
@@ -3505,7 +1245,13 @@
       </p:grpSpPr>
       <p:sp>
         <p:nvSpPr>
-          <p:cNvPr id="2" name="Title 1"/>
+          <p:cNvPr id="2" name="Title 1">
+            <a:extLst>
+              <a:ext uri="{FF2B5EF4-FFF2-40B4-BE49-F238E27FC236}">
+                <a16:creationId xmlns:a16="http://schemas.microsoft.com/office/drawing/2014/main" id="{F8B60262-389E-E64E-5F0A-E62143DB908D}"/>
+              </a:ext>
+            </a:extLst>
+          </p:cNvPr>
           <p:cNvSpPr>
             <a:spLocks noGrp="1"/>
           </p:cNvSpPr>
@@ -3527,7 +1273,13 @@
       </p:sp>
       <p:sp>
         <p:nvSpPr>
-          <p:cNvPr id="3" name="Content Placeholder 2"/>
+          <p:cNvPr id="3" name="Content Placeholder 2">
+            <a:extLst>
+              <a:ext uri="{FF2B5EF4-FFF2-40B4-BE49-F238E27FC236}">
+                <a16:creationId xmlns:a16="http://schemas.microsoft.com/office/drawing/2014/main" id="{86C0635A-4CE9-316D-B3A0-EB9F21584186}"/>
+              </a:ext>
+            </a:extLst>
+          </p:cNvPr>
           <p:cNvSpPr>
             <a:spLocks noGrp="1"/>
           </p:cNvSpPr>
@@ -3537,41 +1289,13 @@
         </p:nvSpPr>
         <p:spPr>
           <a:xfrm>
-            <a:off x="457200" y="1600200"/>
-            <a:ext cx="4038600" cy="4525963"/>
+            <a:off x="838200" y="1825625"/>
+            <a:ext cx="5181600" cy="4351338"/>
           </a:xfrm>
         </p:spPr>
         <p:txBody>
           <a:bodyPr/>
-          <a:lstStyle>
-            <a:lvl1pPr>
-              <a:defRPr sz="2800"/>
-            </a:lvl1pPr>
-            <a:lvl2pPr>
-              <a:defRPr sz="2400"/>
-            </a:lvl2pPr>
-            <a:lvl3pPr>
-              <a:defRPr sz="2000"/>
-            </a:lvl3pPr>
-            <a:lvl4pPr>
-              <a:defRPr sz="1800"/>
-            </a:lvl4pPr>
-            <a:lvl5pPr>
-              <a:defRPr sz="1800"/>
-            </a:lvl5pPr>
-            <a:lvl6pPr>
-              <a:defRPr sz="1800"/>
-            </a:lvl6pPr>
-            <a:lvl7pPr>
-              <a:defRPr sz="1800"/>
-            </a:lvl7pPr>
-            <a:lvl8pPr>
-              <a:defRPr sz="1800"/>
-            </a:lvl8pPr>
-            <a:lvl9pPr>
-              <a:defRPr sz="1800"/>
-            </a:lvl9pPr>
-          </a:lstStyle>
+          <a:lstStyle/>
           <a:p>
             <a:pPr lvl="0"/>
             <a:r>
@@ -3611,7 +1335,13 @@
       </p:sp>
       <p:sp>
         <p:nvSpPr>
-          <p:cNvPr id="4" name="Content Placeholder 3"/>
+          <p:cNvPr id="4" name="Content Placeholder 3">
+            <a:extLst>
+              <a:ext uri="{FF2B5EF4-FFF2-40B4-BE49-F238E27FC236}">
+                <a16:creationId xmlns:a16="http://schemas.microsoft.com/office/drawing/2014/main" id="{2A782DDF-1B84-0D0C-3C99-8BA011E82BC1}"/>
+              </a:ext>
+            </a:extLst>
+          </p:cNvPr>
           <p:cNvSpPr>
             <a:spLocks noGrp="1"/>
           </p:cNvSpPr>
@@ -3621,41 +1351,13 @@
         </p:nvSpPr>
         <p:spPr>
           <a:xfrm>
-            <a:off x="4648200" y="1600200"/>
-            <a:ext cx="4038600" cy="4525963"/>
+            <a:off x="6172200" y="1825625"/>
+            <a:ext cx="5181600" cy="4351338"/>
           </a:xfrm>
         </p:spPr>
         <p:txBody>
           <a:bodyPr/>
-          <a:lstStyle>
-            <a:lvl1pPr>
-              <a:defRPr sz="2800"/>
-            </a:lvl1pPr>
-            <a:lvl2pPr>
-              <a:defRPr sz="2400"/>
-            </a:lvl2pPr>
-            <a:lvl3pPr>
-              <a:defRPr sz="2000"/>
-            </a:lvl3pPr>
-            <a:lvl4pPr>
-              <a:defRPr sz="1800"/>
-            </a:lvl4pPr>
-            <a:lvl5pPr>
-              <a:defRPr sz="1800"/>
-            </a:lvl5pPr>
-            <a:lvl6pPr>
-              <a:defRPr sz="1800"/>
-            </a:lvl6pPr>
-            <a:lvl7pPr>
-              <a:defRPr sz="1800"/>
-            </a:lvl7pPr>
-            <a:lvl8pPr>
-              <a:defRPr sz="1800"/>
-            </a:lvl8pPr>
-            <a:lvl9pPr>
-              <a:defRPr sz="1800"/>
-            </a:lvl9pPr>
-          </a:lstStyle>
+          <a:lstStyle/>
           <a:p>
             <a:pPr lvl="0"/>
             <a:r>
@@ -3695,7 +1397,13 @@
       </p:sp>
       <p:sp>
         <p:nvSpPr>
-          <p:cNvPr id="5" name="Date Placeholder 4"/>
+          <p:cNvPr id="5" name="Date Placeholder 4">
+            <a:extLst>
+              <a:ext uri="{FF2B5EF4-FFF2-40B4-BE49-F238E27FC236}">
+                <a16:creationId xmlns:a16="http://schemas.microsoft.com/office/drawing/2014/main" id="{A6220663-846B-FCB3-DD7C-F58691A1C3D6}"/>
+              </a:ext>
+            </a:extLst>
+          </p:cNvPr>
           <p:cNvSpPr>
             <a:spLocks noGrp="1"/>
           </p:cNvSpPr>
@@ -3708,9 +1416,8 @@
           <a:bodyPr/>
           <a:lstStyle/>
           <a:p>
-            <a:fld id="{1D8BD707-D9CF-40AE-B4C6-C98DA3205C09}" type="datetimeFigureOut">
+            <a:fld id="{5E1F6F16-DD62-4A72-9F7C-0B6D38972453}" type="datetimeFigureOut">
               <a:rPr lang="en-US" smtClean="0"/>
-              <a:pPr/>
               <a:t>11/2/2023</a:t>
             </a:fld>
             <a:endParaRPr lang="en-US"/>
@@ -3719,7 +1426,13 @@
       </p:sp>
       <p:sp>
         <p:nvSpPr>
-          <p:cNvPr id="6" name="Footer Placeholder 5"/>
+          <p:cNvPr id="6" name="Footer Placeholder 5">
+            <a:extLst>
+              <a:ext uri="{FF2B5EF4-FFF2-40B4-BE49-F238E27FC236}">
+                <a16:creationId xmlns:a16="http://schemas.microsoft.com/office/drawing/2014/main" id="{56526F0B-C03D-BB2B-0B99-80C39D45F23A}"/>
+              </a:ext>
+            </a:extLst>
+          </p:cNvPr>
           <p:cNvSpPr>
             <a:spLocks noGrp="1"/>
           </p:cNvSpPr>
@@ -3738,7 +1451,13 @@
       </p:sp>
       <p:sp>
         <p:nvSpPr>
-          <p:cNvPr id="7" name="Slide Number Placeholder 6"/>
+          <p:cNvPr id="7" name="Slide Number Placeholder 6">
+            <a:extLst>
+              <a:ext uri="{FF2B5EF4-FFF2-40B4-BE49-F238E27FC236}">
+                <a16:creationId xmlns:a16="http://schemas.microsoft.com/office/drawing/2014/main" id="{97D6CA0B-9D94-6C1C-4427-5A93D771B53B}"/>
+              </a:ext>
+            </a:extLst>
+          </p:cNvPr>
           <p:cNvSpPr>
             <a:spLocks noGrp="1"/>
           </p:cNvSpPr>
@@ -3751,9 +1470,8 @@
           <a:bodyPr/>
           <a:lstStyle/>
           <a:p>
-            <a:fld id="{B6F15528-21DE-4FAA-801E-634DDDAF4B2B}" type="slidenum">
+            <a:fld id="{7B913512-C656-456F-81BF-BA91514457B2}" type="slidenum">
               <a:rPr lang="en-US" smtClean="0"/>
-              <a:pPr/>
               <a:t>‹#›</a:t>
             </a:fld>
             <a:endParaRPr lang="en-US"/>
@@ -3761,6 +1479,11 @@
         </p:txBody>
       </p:sp>
     </p:spTree>
+    <p:extLst>
+      <p:ext uri="{BB962C8B-B14F-4D97-AF65-F5344CB8AC3E}">
+        <p14:creationId xmlns:p14="http://schemas.microsoft.com/office/powerpoint/2010/main" val="1010884950"/>
+      </p:ext>
+    </p:extLst>
   </p:cSld>
   <p:clrMapOvr>
     <a:masterClrMapping/>
@@ -3787,7 +1510,13 @@
       </p:grpSpPr>
       <p:sp>
         <p:nvSpPr>
-          <p:cNvPr id="2" name="Title 1"/>
+          <p:cNvPr id="2" name="Title 1">
+            <a:extLst>
+              <a:ext uri="{FF2B5EF4-FFF2-40B4-BE49-F238E27FC236}">
+                <a16:creationId xmlns:a16="http://schemas.microsoft.com/office/drawing/2014/main" id="{49D6B7A3-7FB6-0B2C-D4D6-3DAB96668D18}"/>
+              </a:ext>
+            </a:extLst>
+          </p:cNvPr>
           <p:cNvSpPr>
             <a:spLocks noGrp="1"/>
           </p:cNvSpPr>
@@ -3795,14 +1524,15 @@
             <p:ph type="title"/>
           </p:nvPr>
         </p:nvSpPr>
-        <p:spPr/>
+        <p:spPr>
+          <a:xfrm>
+            <a:off x="839788" y="365125"/>
+            <a:ext cx="10515600" cy="1325563"/>
+          </a:xfrm>
+        </p:spPr>
         <p:txBody>
           <a:bodyPr/>
-          <a:lstStyle>
-            <a:lvl1pPr>
-              <a:defRPr/>
-            </a:lvl1pPr>
-          </a:lstStyle>
+          <a:lstStyle/>
           <a:p>
             <a:r>
               <a:rPr lang="en-US"/>
@@ -3813,7 +1543,13 @@
       </p:sp>
       <p:sp>
         <p:nvSpPr>
-          <p:cNvPr id="3" name="Text Placeholder 2"/>
+          <p:cNvPr id="3" name="Text Placeholder 2">
+            <a:extLst>
+              <a:ext uri="{FF2B5EF4-FFF2-40B4-BE49-F238E27FC236}">
+                <a16:creationId xmlns:a16="http://schemas.microsoft.com/office/drawing/2014/main" id="{20A1ED7B-B3D3-C707-D39C-75EDFE250F00}"/>
+              </a:ext>
+            </a:extLst>
+          </p:cNvPr>
           <p:cNvSpPr>
             <a:spLocks noGrp="1"/>
           </p:cNvSpPr>
@@ -3823,8 +1559,8 @@
         </p:nvSpPr>
         <p:spPr>
           <a:xfrm>
-            <a:off x="457200" y="1535113"/>
-            <a:ext cx="4040188" cy="639762"/>
+            <a:off x="839788" y="1681163"/>
+            <a:ext cx="5157787" cy="823912"/>
           </a:xfrm>
         </p:spPr>
         <p:txBody>
@@ -3878,7 +1614,13 @@
       </p:sp>
       <p:sp>
         <p:nvSpPr>
-          <p:cNvPr id="4" name="Content Placeholder 3"/>
+          <p:cNvPr id="4" name="Content Placeholder 3">
+            <a:extLst>
+              <a:ext uri="{FF2B5EF4-FFF2-40B4-BE49-F238E27FC236}">
+                <a16:creationId xmlns:a16="http://schemas.microsoft.com/office/drawing/2014/main" id="{53B2F938-018B-A52C-556F-39D93FB0A57E}"/>
+              </a:ext>
+            </a:extLst>
+          </p:cNvPr>
           <p:cNvSpPr>
             <a:spLocks noGrp="1"/>
           </p:cNvSpPr>
@@ -3888,41 +1630,13 @@
         </p:nvSpPr>
         <p:spPr>
           <a:xfrm>
-            <a:off x="457200" y="2174875"/>
-            <a:ext cx="4040188" cy="3951288"/>
+            <a:off x="839788" y="2505075"/>
+            <a:ext cx="5157787" cy="3684588"/>
           </a:xfrm>
         </p:spPr>
         <p:txBody>
           <a:bodyPr/>
-          <a:lstStyle>
-            <a:lvl1pPr>
-              <a:defRPr sz="2400"/>
-            </a:lvl1pPr>
-            <a:lvl2pPr>
-              <a:defRPr sz="2000"/>
-            </a:lvl2pPr>
-            <a:lvl3pPr>
-              <a:defRPr sz="1800"/>
-            </a:lvl3pPr>
-            <a:lvl4pPr>
-              <a:defRPr sz="1600"/>
-            </a:lvl4pPr>
-            <a:lvl5pPr>
-              <a:defRPr sz="1600"/>
-            </a:lvl5pPr>
-            <a:lvl6pPr>
-              <a:defRPr sz="1600"/>
-            </a:lvl6pPr>
-            <a:lvl7pPr>
-              <a:defRPr sz="1600"/>
-            </a:lvl7pPr>
-            <a:lvl8pPr>
-              <a:defRPr sz="1600"/>
-            </a:lvl8pPr>
-            <a:lvl9pPr>
-              <a:defRPr sz="1600"/>
-            </a:lvl9pPr>
-          </a:lstStyle>
+          <a:lstStyle/>
           <a:p>
             <a:pPr lvl="0"/>
             <a:r>
@@ -3962,7 +1676,13 @@
       </p:sp>
       <p:sp>
         <p:nvSpPr>
-          <p:cNvPr id="5" name="Text Placeholder 4"/>
+          <p:cNvPr id="5" name="Text Placeholder 4">
+            <a:extLst>
+              <a:ext uri="{FF2B5EF4-FFF2-40B4-BE49-F238E27FC236}">
+                <a16:creationId xmlns:a16="http://schemas.microsoft.com/office/drawing/2014/main" id="{720674E0-7D78-ED06-D28D-E7877501DF11}"/>
+              </a:ext>
+            </a:extLst>
+          </p:cNvPr>
           <p:cNvSpPr>
             <a:spLocks noGrp="1"/>
           </p:cNvSpPr>
@@ -3972,8 +1692,8 @@
         </p:nvSpPr>
         <p:spPr>
           <a:xfrm>
-            <a:off x="4645025" y="1535113"/>
-            <a:ext cx="4041775" cy="639762"/>
+            <a:off x="6172200" y="1681163"/>
+            <a:ext cx="5183188" cy="823912"/>
           </a:xfrm>
         </p:spPr>
         <p:txBody>
@@ -4027,7 +1747,13 @@
       </p:sp>
       <p:sp>
         <p:nvSpPr>
-          <p:cNvPr id="6" name="Content Placeholder 5"/>
+          <p:cNvPr id="6" name="Content Placeholder 5">
+            <a:extLst>
+              <a:ext uri="{FF2B5EF4-FFF2-40B4-BE49-F238E27FC236}">
+                <a16:creationId xmlns:a16="http://schemas.microsoft.com/office/drawing/2014/main" id="{354DEAED-39F0-A58D-B6E4-8E691F845B85}"/>
+              </a:ext>
+            </a:extLst>
+          </p:cNvPr>
           <p:cNvSpPr>
             <a:spLocks noGrp="1"/>
           </p:cNvSpPr>
@@ -4037,41 +1763,13 @@
         </p:nvSpPr>
         <p:spPr>
           <a:xfrm>
-            <a:off x="4645025" y="2174875"/>
-            <a:ext cx="4041775" cy="3951288"/>
+            <a:off x="6172200" y="2505075"/>
+            <a:ext cx="5183188" cy="3684588"/>
           </a:xfrm>
         </p:spPr>
         <p:txBody>
           <a:bodyPr/>
-          <a:lstStyle>
-            <a:lvl1pPr>
-              <a:defRPr sz="2400"/>
-            </a:lvl1pPr>
-            <a:lvl2pPr>
-              <a:defRPr sz="2000"/>
-            </a:lvl2pPr>
-            <a:lvl3pPr>
-              <a:defRPr sz="1800"/>
-            </a:lvl3pPr>
-            <a:lvl4pPr>
-              <a:defRPr sz="1600"/>
-            </a:lvl4pPr>
-            <a:lvl5pPr>
-              <a:defRPr sz="1600"/>
-            </a:lvl5pPr>
-            <a:lvl6pPr>
-              <a:defRPr sz="1600"/>
-            </a:lvl6pPr>
-            <a:lvl7pPr>
-              <a:defRPr sz="1600"/>
-            </a:lvl7pPr>
-            <a:lvl8pPr>
-              <a:defRPr sz="1600"/>
-            </a:lvl8pPr>
-            <a:lvl9pPr>
-              <a:defRPr sz="1600"/>
-            </a:lvl9pPr>
-          </a:lstStyle>
+          <a:lstStyle/>
           <a:p>
             <a:pPr lvl="0"/>
             <a:r>
@@ -4111,7 +1809,13 @@
       </p:sp>
       <p:sp>
         <p:nvSpPr>
-          <p:cNvPr id="7" name="Date Placeholder 6"/>
+          <p:cNvPr id="7" name="Date Placeholder 6">
+            <a:extLst>
+              <a:ext uri="{FF2B5EF4-FFF2-40B4-BE49-F238E27FC236}">
+                <a16:creationId xmlns:a16="http://schemas.microsoft.com/office/drawing/2014/main" id="{CF83BCC6-FA1B-A9A2-0B87-86CBB3060F36}"/>
+              </a:ext>
+            </a:extLst>
+          </p:cNvPr>
           <p:cNvSpPr>
             <a:spLocks noGrp="1"/>
           </p:cNvSpPr>
@@ -4124,9 +1828,8 @@
           <a:bodyPr/>
           <a:lstStyle/>
           <a:p>
-            <a:fld id="{1D8BD707-D9CF-40AE-B4C6-C98DA3205C09}" type="datetimeFigureOut">
+            <a:fld id="{5E1F6F16-DD62-4A72-9F7C-0B6D38972453}" type="datetimeFigureOut">
               <a:rPr lang="en-US" smtClean="0"/>
-              <a:pPr/>
               <a:t>11/2/2023</a:t>
             </a:fld>
             <a:endParaRPr lang="en-US"/>
@@ -4135,7 +1838,13 @@
       </p:sp>
       <p:sp>
         <p:nvSpPr>
-          <p:cNvPr id="8" name="Footer Placeholder 7"/>
+          <p:cNvPr id="8" name="Footer Placeholder 7">
+            <a:extLst>
+              <a:ext uri="{FF2B5EF4-FFF2-40B4-BE49-F238E27FC236}">
+                <a16:creationId xmlns:a16="http://schemas.microsoft.com/office/drawing/2014/main" id="{0809818A-3C5F-F5E3-E590-7FC8C129A8AC}"/>
+              </a:ext>
+            </a:extLst>
+          </p:cNvPr>
           <p:cNvSpPr>
             <a:spLocks noGrp="1"/>
           </p:cNvSpPr>
@@ -4154,7 +1863,13 @@
       </p:sp>
       <p:sp>
         <p:nvSpPr>
-          <p:cNvPr id="9" name="Slide Number Placeholder 8"/>
+          <p:cNvPr id="9" name="Slide Number Placeholder 8">
+            <a:extLst>
+              <a:ext uri="{FF2B5EF4-FFF2-40B4-BE49-F238E27FC236}">
+                <a16:creationId xmlns:a16="http://schemas.microsoft.com/office/drawing/2014/main" id="{84B1D7B5-B157-E217-CE47-4F7A1AA78852}"/>
+              </a:ext>
+            </a:extLst>
+          </p:cNvPr>
           <p:cNvSpPr>
             <a:spLocks noGrp="1"/>
           </p:cNvSpPr>
@@ -4167,9 +1882,8 @@
           <a:bodyPr/>
           <a:lstStyle/>
           <a:p>
-            <a:fld id="{B6F15528-21DE-4FAA-801E-634DDDAF4B2B}" type="slidenum">
+            <a:fld id="{7B913512-C656-456F-81BF-BA91514457B2}" type="slidenum">
               <a:rPr lang="en-US" smtClean="0"/>
-              <a:pPr/>
               <a:t>‹#›</a:t>
             </a:fld>
             <a:endParaRPr lang="en-US"/>
@@ -4177,6 +1891,11 @@
         </p:txBody>
       </p:sp>
     </p:spTree>
+    <p:extLst>
+      <p:ext uri="{BB962C8B-B14F-4D97-AF65-F5344CB8AC3E}">
+        <p14:creationId xmlns:p14="http://schemas.microsoft.com/office/powerpoint/2010/main" val="3998102004"/>
+      </p:ext>
+    </p:extLst>
   </p:cSld>
   <p:clrMapOvr>
     <a:masterClrMapping/>
@@ -4203,7 +1922,13 @@
       </p:grpSpPr>
       <p:sp>
         <p:nvSpPr>
-          <p:cNvPr id="2" name="Title 1"/>
+          <p:cNvPr id="2" name="Title 1">
+            <a:extLst>
+              <a:ext uri="{FF2B5EF4-FFF2-40B4-BE49-F238E27FC236}">
+                <a16:creationId xmlns:a16="http://schemas.microsoft.com/office/drawing/2014/main" id="{8B6ED126-C261-1CFF-BBFF-8A2102B3CA88}"/>
+              </a:ext>
+            </a:extLst>
+          </p:cNvPr>
           <p:cNvSpPr>
             <a:spLocks noGrp="1"/>
           </p:cNvSpPr>
@@ -4225,7 +1950,13 @@
       </p:sp>
       <p:sp>
         <p:nvSpPr>
-          <p:cNvPr id="3" name="Date Placeholder 2"/>
+          <p:cNvPr id="3" name="Date Placeholder 2">
+            <a:extLst>
+              <a:ext uri="{FF2B5EF4-FFF2-40B4-BE49-F238E27FC236}">
+                <a16:creationId xmlns:a16="http://schemas.microsoft.com/office/drawing/2014/main" id="{C8EB2D00-0E69-A772-9DEA-0567C3AC7401}"/>
+              </a:ext>
+            </a:extLst>
+          </p:cNvPr>
           <p:cNvSpPr>
             <a:spLocks noGrp="1"/>
           </p:cNvSpPr>
@@ -4238,9 +1969,8 @@
           <a:bodyPr/>
           <a:lstStyle/>
           <a:p>
-            <a:fld id="{1D8BD707-D9CF-40AE-B4C6-C98DA3205C09}" type="datetimeFigureOut">
+            <a:fld id="{5E1F6F16-DD62-4A72-9F7C-0B6D38972453}" type="datetimeFigureOut">
               <a:rPr lang="en-US" smtClean="0"/>
-              <a:pPr/>
               <a:t>11/2/2023</a:t>
             </a:fld>
             <a:endParaRPr lang="en-US"/>
@@ -4249,7 +1979,13 @@
       </p:sp>
       <p:sp>
         <p:nvSpPr>
-          <p:cNvPr id="4" name="Footer Placeholder 3"/>
+          <p:cNvPr id="4" name="Footer Placeholder 3">
+            <a:extLst>
+              <a:ext uri="{FF2B5EF4-FFF2-40B4-BE49-F238E27FC236}">
+                <a16:creationId xmlns:a16="http://schemas.microsoft.com/office/drawing/2014/main" id="{C4FC6DD8-B9DE-DDB0-0228-1024265589F4}"/>
+              </a:ext>
+            </a:extLst>
+          </p:cNvPr>
           <p:cNvSpPr>
             <a:spLocks noGrp="1"/>
           </p:cNvSpPr>
@@ -4268,7 +2004,13 @@
       </p:sp>
       <p:sp>
         <p:nvSpPr>
-          <p:cNvPr id="5" name="Slide Number Placeholder 4"/>
+          <p:cNvPr id="5" name="Slide Number Placeholder 4">
+            <a:extLst>
+              <a:ext uri="{FF2B5EF4-FFF2-40B4-BE49-F238E27FC236}">
+                <a16:creationId xmlns:a16="http://schemas.microsoft.com/office/drawing/2014/main" id="{1232E47F-AA14-73E8-D098-A525B1786F52}"/>
+              </a:ext>
+            </a:extLst>
+          </p:cNvPr>
           <p:cNvSpPr>
             <a:spLocks noGrp="1"/>
           </p:cNvSpPr>
@@ -4281,9 +2023,8 @@
           <a:bodyPr/>
           <a:lstStyle/>
           <a:p>
-            <a:fld id="{B6F15528-21DE-4FAA-801E-634DDDAF4B2B}" type="slidenum">
+            <a:fld id="{7B913512-C656-456F-81BF-BA91514457B2}" type="slidenum">
               <a:rPr lang="en-US" smtClean="0"/>
-              <a:pPr/>
               <a:t>‹#›</a:t>
             </a:fld>
             <a:endParaRPr lang="en-US"/>
@@ -4291,6 +2032,11 @@
         </p:txBody>
       </p:sp>
     </p:spTree>
+    <p:extLst>
+      <p:ext uri="{BB962C8B-B14F-4D97-AF65-F5344CB8AC3E}">
+        <p14:creationId xmlns:p14="http://schemas.microsoft.com/office/powerpoint/2010/main" val="935691860"/>
+      </p:ext>
+    </p:extLst>
   </p:cSld>
   <p:clrMapOvr>
     <a:masterClrMapping/>
@@ -4317,7 +2063,13 @@
       </p:grpSpPr>
       <p:sp>
         <p:nvSpPr>
-          <p:cNvPr id="2" name="Date Placeholder 1"/>
+          <p:cNvPr id="2" name="Date Placeholder 1">
+            <a:extLst>
+              <a:ext uri="{FF2B5EF4-FFF2-40B4-BE49-F238E27FC236}">
+                <a16:creationId xmlns:a16="http://schemas.microsoft.com/office/drawing/2014/main" id="{CC8855BB-EA6B-724F-9E9D-35872A2ABF56}"/>
+              </a:ext>
+            </a:extLst>
+          </p:cNvPr>
           <p:cNvSpPr>
             <a:spLocks noGrp="1"/>
           </p:cNvSpPr>
@@ -4330,9 +2082,8 @@
           <a:bodyPr/>
           <a:lstStyle/>
           <a:p>
-            <a:fld id="{1D8BD707-D9CF-40AE-B4C6-C98DA3205C09}" type="datetimeFigureOut">
+            <a:fld id="{5E1F6F16-DD62-4A72-9F7C-0B6D38972453}" type="datetimeFigureOut">
               <a:rPr lang="en-US" smtClean="0"/>
-              <a:pPr/>
               <a:t>11/2/2023</a:t>
             </a:fld>
             <a:endParaRPr lang="en-US"/>
@@ -4341,7 +2092,13 @@
       </p:sp>
       <p:sp>
         <p:nvSpPr>
-          <p:cNvPr id="3" name="Footer Placeholder 2"/>
+          <p:cNvPr id="3" name="Footer Placeholder 2">
+            <a:extLst>
+              <a:ext uri="{FF2B5EF4-FFF2-40B4-BE49-F238E27FC236}">
+                <a16:creationId xmlns:a16="http://schemas.microsoft.com/office/drawing/2014/main" id="{A62A5755-C6CE-6883-23F9-E3666ABAB51B}"/>
+              </a:ext>
+            </a:extLst>
+          </p:cNvPr>
           <p:cNvSpPr>
             <a:spLocks noGrp="1"/>
           </p:cNvSpPr>
@@ -4360,7 +2117,13 @@
       </p:sp>
       <p:sp>
         <p:nvSpPr>
-          <p:cNvPr id="4" name="Slide Number Placeholder 3"/>
+          <p:cNvPr id="4" name="Slide Number Placeholder 3">
+            <a:extLst>
+              <a:ext uri="{FF2B5EF4-FFF2-40B4-BE49-F238E27FC236}">
+                <a16:creationId xmlns:a16="http://schemas.microsoft.com/office/drawing/2014/main" id="{1163EA30-732D-9090-99C0-4F22FE3A6660}"/>
+              </a:ext>
+            </a:extLst>
+          </p:cNvPr>
           <p:cNvSpPr>
             <a:spLocks noGrp="1"/>
           </p:cNvSpPr>
@@ -4373,9 +2136,8 @@
           <a:bodyPr/>
           <a:lstStyle/>
           <a:p>
-            <a:fld id="{B6F15528-21DE-4FAA-801E-634DDDAF4B2B}" type="slidenum">
+            <a:fld id="{7B913512-C656-456F-81BF-BA91514457B2}" type="slidenum">
               <a:rPr lang="en-US" smtClean="0"/>
-              <a:pPr/>
               <a:t>‹#›</a:t>
             </a:fld>
             <a:endParaRPr lang="en-US"/>
@@ -4383,6 +2145,11 @@
         </p:txBody>
       </p:sp>
     </p:spTree>
+    <p:extLst>
+      <p:ext uri="{BB962C8B-B14F-4D97-AF65-F5344CB8AC3E}">
+        <p14:creationId xmlns:p14="http://schemas.microsoft.com/office/powerpoint/2010/main" val="57250313"/>
+      </p:ext>
+    </p:extLst>
   </p:cSld>
   <p:clrMapOvr>
     <a:masterClrMapping/>
@@ -4409,7 +2176,13 @@
       </p:grpSpPr>
       <p:sp>
         <p:nvSpPr>
-          <p:cNvPr id="2" name="Title 1"/>
+          <p:cNvPr id="2" name="Title 1">
+            <a:extLst>
+              <a:ext uri="{FF2B5EF4-FFF2-40B4-BE49-F238E27FC236}">
+                <a16:creationId xmlns:a16="http://schemas.microsoft.com/office/drawing/2014/main" id="{19D2D9FA-CA70-9708-2F6E-CC77BB81E53E}"/>
+              </a:ext>
+            </a:extLst>
+          </p:cNvPr>
           <p:cNvSpPr>
             <a:spLocks noGrp="1"/>
           </p:cNvSpPr>
@@ -4419,15 +2192,15 @@
         </p:nvSpPr>
         <p:spPr>
           <a:xfrm>
-            <a:off x="457200" y="273050"/>
-            <a:ext cx="3008313" cy="1162050"/>
+            <a:off x="839788" y="457200"/>
+            <a:ext cx="3932237" cy="1600200"/>
           </a:xfrm>
         </p:spPr>
         <p:txBody>
           <a:bodyPr anchor="b"/>
           <a:lstStyle>
-            <a:lvl1pPr algn="l">
-              <a:defRPr sz="2000" b="1"/>
+            <a:lvl1pPr>
+              <a:defRPr sz="3200"/>
             </a:lvl1pPr>
           </a:lstStyle>
           <a:p>
@@ -4440,7 +2213,13 @@
       </p:sp>
       <p:sp>
         <p:nvSpPr>
-          <p:cNvPr id="3" name="Content Placeholder 2"/>
+          <p:cNvPr id="3" name="Content Placeholder 2">
+            <a:extLst>
+              <a:ext uri="{FF2B5EF4-FFF2-40B4-BE49-F238E27FC236}">
+                <a16:creationId xmlns:a16="http://schemas.microsoft.com/office/drawing/2014/main" id="{A4F8F579-4FC6-CAE7-A99B-6FDAA8741107}"/>
+              </a:ext>
+            </a:extLst>
+          </p:cNvPr>
           <p:cNvSpPr>
             <a:spLocks noGrp="1"/>
           </p:cNvSpPr>
@@ -4450,8 +2229,8 @@
         </p:nvSpPr>
         <p:spPr>
           <a:xfrm>
-            <a:off x="3575050" y="273050"/>
-            <a:ext cx="5111750" cy="5853113"/>
+            <a:off x="5183188" y="987425"/>
+            <a:ext cx="6172200" cy="4873625"/>
           </a:xfrm>
         </p:spPr>
         <p:txBody>
@@ -4524,7 +2303,13 @@
       </p:sp>
       <p:sp>
         <p:nvSpPr>
-          <p:cNvPr id="4" name="Text Placeholder 3"/>
+          <p:cNvPr id="4" name="Text Placeholder 3">
+            <a:extLst>
+              <a:ext uri="{FF2B5EF4-FFF2-40B4-BE49-F238E27FC236}">
+                <a16:creationId xmlns:a16="http://schemas.microsoft.com/office/drawing/2014/main" id="{0D94D6E9-BA52-698A-6C22-9F1EDC94C45C}"/>
+              </a:ext>
+            </a:extLst>
+          </p:cNvPr>
           <p:cNvSpPr>
             <a:spLocks noGrp="1"/>
           </p:cNvSpPr>
@@ -4534,8 +2319,8 @@
         </p:nvSpPr>
         <p:spPr>
           <a:xfrm>
-            <a:off x="457200" y="1435100"/>
-            <a:ext cx="3008313" cy="4691063"/>
+            <a:off x="839788" y="2057400"/>
+            <a:ext cx="3932237" cy="3811588"/>
           </a:xfrm>
         </p:spPr>
         <p:txBody>
@@ -4543,39 +2328,39 @@
           <a:lstStyle>
             <a:lvl1pPr marL="0" indent="0">
               <a:buNone/>
-              <a:defRPr sz="1400"/>
+              <a:defRPr sz="1600"/>
             </a:lvl1pPr>
             <a:lvl2pPr marL="457200" indent="0">
               <a:buNone/>
-              <a:defRPr sz="1200"/>
+              <a:defRPr sz="1400"/>
             </a:lvl2pPr>
             <a:lvl3pPr marL="914400" indent="0">
               <a:buNone/>
-              <a:defRPr sz="1000"/>
+              <a:defRPr sz="1200"/>
             </a:lvl3pPr>
             <a:lvl4pPr marL="1371600" indent="0">
               <a:buNone/>
-              <a:defRPr sz="900"/>
+              <a:defRPr sz="1000"/>
             </a:lvl4pPr>
             <a:lvl5pPr marL="1828800" indent="0">
               <a:buNone/>
-              <a:defRPr sz="900"/>
+              <a:defRPr sz="1000"/>
             </a:lvl5pPr>
             <a:lvl6pPr marL="2286000" indent="0">
               <a:buNone/>
-              <a:defRPr sz="900"/>
+              <a:defRPr sz="1000"/>
             </a:lvl6pPr>
             <a:lvl7pPr marL="2743200" indent="0">
               <a:buNone/>
-              <a:defRPr sz="900"/>
+              <a:defRPr sz="1000"/>
             </a:lvl7pPr>
             <a:lvl8pPr marL="3200400" indent="0">
               <a:buNone/>
-              <a:defRPr sz="900"/>
+              <a:defRPr sz="1000"/>
             </a:lvl8pPr>
             <a:lvl9pPr marL="3657600" indent="0">
               <a:buNone/>
-              <a:defRPr sz="900"/>
+              <a:defRPr sz="1000"/>
             </a:lvl9pPr>
           </a:lstStyle>
           <a:p>
@@ -4589,7 +2374,13 @@
       </p:sp>
       <p:sp>
         <p:nvSpPr>
-          <p:cNvPr id="5" name="Date Placeholder 4"/>
+          <p:cNvPr id="5" name="Date Placeholder 4">
+            <a:extLst>
+              <a:ext uri="{FF2B5EF4-FFF2-40B4-BE49-F238E27FC236}">
+                <a16:creationId xmlns:a16="http://schemas.microsoft.com/office/drawing/2014/main" id="{CE971137-D0DA-E2DA-3B6E-291A5ED94B71}"/>
+              </a:ext>
+            </a:extLst>
+          </p:cNvPr>
           <p:cNvSpPr>
             <a:spLocks noGrp="1"/>
           </p:cNvSpPr>
@@ -4602,9 +2393,8 @@
           <a:bodyPr/>
           <a:lstStyle/>
           <a:p>
-            <a:fld id="{1D8BD707-D9CF-40AE-B4C6-C98DA3205C09}" type="datetimeFigureOut">
+            <a:fld id="{5E1F6F16-DD62-4A72-9F7C-0B6D38972453}" type="datetimeFigureOut">
               <a:rPr lang="en-US" smtClean="0"/>
-              <a:pPr/>
               <a:t>11/2/2023</a:t>
             </a:fld>
             <a:endParaRPr lang="en-US"/>
@@ -4613,7 +2403,13 @@
       </p:sp>
       <p:sp>
         <p:nvSpPr>
-          <p:cNvPr id="6" name="Footer Placeholder 5"/>
+          <p:cNvPr id="6" name="Footer Placeholder 5">
+            <a:extLst>
+              <a:ext uri="{FF2B5EF4-FFF2-40B4-BE49-F238E27FC236}">
+                <a16:creationId xmlns:a16="http://schemas.microsoft.com/office/drawing/2014/main" id="{2B9B6347-7572-7361-ADCA-AEB41E6C5F83}"/>
+              </a:ext>
+            </a:extLst>
+          </p:cNvPr>
           <p:cNvSpPr>
             <a:spLocks noGrp="1"/>
           </p:cNvSpPr>
@@ -4632,7 +2428,13 @@
       </p:sp>
       <p:sp>
         <p:nvSpPr>
-          <p:cNvPr id="7" name="Slide Number Placeholder 6"/>
+          <p:cNvPr id="7" name="Slide Number Placeholder 6">
+            <a:extLst>
+              <a:ext uri="{FF2B5EF4-FFF2-40B4-BE49-F238E27FC236}">
+                <a16:creationId xmlns:a16="http://schemas.microsoft.com/office/drawing/2014/main" id="{183C6D34-D367-5FF7-A98E-58902657BDCA}"/>
+              </a:ext>
+            </a:extLst>
+          </p:cNvPr>
           <p:cNvSpPr>
             <a:spLocks noGrp="1"/>
           </p:cNvSpPr>
@@ -4645,9 +2447,8 @@
           <a:bodyPr/>
           <a:lstStyle/>
           <a:p>
-            <a:fld id="{B6F15528-21DE-4FAA-801E-634DDDAF4B2B}" type="slidenum">
+            <a:fld id="{7B913512-C656-456F-81BF-BA91514457B2}" type="slidenum">
               <a:rPr lang="en-US" smtClean="0"/>
-              <a:pPr/>
               <a:t>‹#›</a:t>
             </a:fld>
             <a:endParaRPr lang="en-US"/>
@@ -4655,6 +2456,11 @@
         </p:txBody>
       </p:sp>
     </p:spTree>
+    <p:extLst>
+      <p:ext uri="{BB962C8B-B14F-4D97-AF65-F5344CB8AC3E}">
+        <p14:creationId xmlns:p14="http://schemas.microsoft.com/office/powerpoint/2010/main" val="1267981464"/>
+      </p:ext>
+    </p:extLst>
   </p:cSld>
   <p:clrMapOvr>
     <a:masterClrMapping/>
@@ -4681,7 +2487,13 @@
       </p:grpSpPr>
       <p:sp>
         <p:nvSpPr>
-          <p:cNvPr id="2" name="Title 1"/>
+          <p:cNvPr id="2" name="Title 1">
+            <a:extLst>
+              <a:ext uri="{FF2B5EF4-FFF2-40B4-BE49-F238E27FC236}">
+                <a16:creationId xmlns:a16="http://schemas.microsoft.com/office/drawing/2014/main" id="{E5F9FFF0-C8D5-7246-8003-7AD9B3AF7849}"/>
+              </a:ext>
+            </a:extLst>
+          </p:cNvPr>
           <p:cNvSpPr>
             <a:spLocks noGrp="1"/>
           </p:cNvSpPr>
@@ -4691,15 +2503,15 @@
         </p:nvSpPr>
         <p:spPr>
           <a:xfrm>
-            <a:off x="1792288" y="4800600"/>
-            <a:ext cx="5486400" cy="566738"/>
+            <a:off x="839788" y="457200"/>
+            <a:ext cx="3932237" cy="1600200"/>
           </a:xfrm>
         </p:spPr>
         <p:txBody>
           <a:bodyPr anchor="b"/>
           <a:lstStyle>
-            <a:lvl1pPr algn="l">
-              <a:defRPr sz="2000" b="1"/>
+            <a:lvl1pPr>
+              <a:defRPr sz="3200"/>
             </a:lvl1pPr>
           </a:lstStyle>
           <a:p>
@@ -4712,7 +2524,13 @@
       </p:sp>
       <p:sp>
         <p:nvSpPr>
-          <p:cNvPr id="3" name="Picture Placeholder 2"/>
+          <p:cNvPr id="3" name="Picture Placeholder 2">
+            <a:extLst>
+              <a:ext uri="{FF2B5EF4-FFF2-40B4-BE49-F238E27FC236}">
+                <a16:creationId xmlns:a16="http://schemas.microsoft.com/office/drawing/2014/main" id="{0CB4E73B-02BB-8859-FD7D-38F1423F7972}"/>
+              </a:ext>
+            </a:extLst>
+          </p:cNvPr>
           <p:cNvSpPr>
             <a:spLocks noGrp="1"/>
           </p:cNvSpPr>
@@ -4722,8 +2540,8 @@
         </p:nvSpPr>
         <p:spPr>
           <a:xfrm>
-            <a:off x="1792288" y="612775"/>
-            <a:ext cx="5486400" cy="4114800"/>
+            <a:off x="5183188" y="987425"/>
+            <a:ext cx="6172200" cy="4873625"/>
           </a:xfrm>
         </p:spPr>
         <p:txBody>
@@ -4773,7 +2591,13 @@
       </p:sp>
       <p:sp>
         <p:nvSpPr>
-          <p:cNvPr id="4" name="Text Placeholder 3"/>
+          <p:cNvPr id="4" name="Text Placeholder 3">
+            <a:extLst>
+              <a:ext uri="{FF2B5EF4-FFF2-40B4-BE49-F238E27FC236}">
+                <a16:creationId xmlns:a16="http://schemas.microsoft.com/office/drawing/2014/main" id="{30DC8BA4-E352-83CD-B9DA-0322964FAC91}"/>
+              </a:ext>
+            </a:extLst>
+          </p:cNvPr>
           <p:cNvSpPr>
             <a:spLocks noGrp="1"/>
           </p:cNvSpPr>
@@ -4783,8 +2607,8 @@
         </p:nvSpPr>
         <p:spPr>
           <a:xfrm>
-            <a:off x="1792288" y="5367338"/>
-            <a:ext cx="5486400" cy="804862"/>
+            <a:off x="839788" y="2057400"/>
+            <a:ext cx="3932237" cy="3811588"/>
           </a:xfrm>
         </p:spPr>
         <p:txBody>
@@ -4792,39 +2616,39 @@
           <a:lstStyle>
             <a:lvl1pPr marL="0" indent="0">
               <a:buNone/>
-              <a:defRPr sz="1400"/>
+              <a:defRPr sz="1600"/>
             </a:lvl1pPr>
             <a:lvl2pPr marL="457200" indent="0">
               <a:buNone/>
-              <a:defRPr sz="1200"/>
+              <a:defRPr sz="1400"/>
             </a:lvl2pPr>
             <a:lvl3pPr marL="914400" indent="0">
               <a:buNone/>
-              <a:defRPr sz="1000"/>
+              <a:defRPr sz="1200"/>
             </a:lvl3pPr>
             <a:lvl4pPr marL="1371600" indent="0">
               <a:buNone/>
-              <a:defRPr sz="900"/>
+              <a:defRPr sz="1000"/>
             </a:lvl4pPr>
             <a:lvl5pPr marL="1828800" indent="0">
               <a:buNone/>
-              <a:defRPr sz="900"/>
+              <a:defRPr sz="1000"/>
             </a:lvl5pPr>
             <a:lvl6pPr marL="2286000" indent="0">
               <a:buNone/>
-              <a:defRPr sz="900"/>
+              <a:defRPr sz="1000"/>
             </a:lvl6pPr>
             <a:lvl7pPr marL="2743200" indent="0">
               <a:buNone/>
-              <a:defRPr sz="900"/>
+              <a:defRPr sz="1000"/>
             </a:lvl7pPr>
             <a:lvl8pPr marL="3200400" indent="0">
               <a:buNone/>
-              <a:defRPr sz="900"/>
+              <a:defRPr sz="1000"/>
             </a:lvl8pPr>
             <a:lvl9pPr marL="3657600" indent="0">
               <a:buNone/>
-              <a:defRPr sz="900"/>
+              <a:defRPr sz="1000"/>
             </a:lvl9pPr>
           </a:lstStyle>
           <a:p>
@@ -4838,7 +2662,13 @@
       </p:sp>
       <p:sp>
         <p:nvSpPr>
-          <p:cNvPr id="5" name="Date Placeholder 4"/>
+          <p:cNvPr id="5" name="Date Placeholder 4">
+            <a:extLst>
+              <a:ext uri="{FF2B5EF4-FFF2-40B4-BE49-F238E27FC236}">
+                <a16:creationId xmlns:a16="http://schemas.microsoft.com/office/drawing/2014/main" id="{8F821795-45FF-9988-555A-0091EC0C5FA7}"/>
+              </a:ext>
+            </a:extLst>
+          </p:cNvPr>
           <p:cNvSpPr>
             <a:spLocks noGrp="1"/>
           </p:cNvSpPr>
@@ -4851,9 +2681,8 @@
           <a:bodyPr/>
           <a:lstStyle/>
           <a:p>
-            <a:fld id="{1D8BD707-D9CF-40AE-B4C6-C98DA3205C09}" type="datetimeFigureOut">
+            <a:fld id="{5E1F6F16-DD62-4A72-9F7C-0B6D38972453}" type="datetimeFigureOut">
               <a:rPr lang="en-US" smtClean="0"/>
-              <a:pPr/>
               <a:t>11/2/2023</a:t>
             </a:fld>
             <a:endParaRPr lang="en-US"/>
@@ -4862,7 +2691,13 @@
       </p:sp>
       <p:sp>
         <p:nvSpPr>
-          <p:cNvPr id="6" name="Footer Placeholder 5"/>
+          <p:cNvPr id="6" name="Footer Placeholder 5">
+            <a:extLst>
+              <a:ext uri="{FF2B5EF4-FFF2-40B4-BE49-F238E27FC236}">
+                <a16:creationId xmlns:a16="http://schemas.microsoft.com/office/drawing/2014/main" id="{8BA606FA-D60F-FA7C-E1C6-E80294A09C33}"/>
+              </a:ext>
+            </a:extLst>
+          </p:cNvPr>
           <p:cNvSpPr>
             <a:spLocks noGrp="1"/>
           </p:cNvSpPr>
@@ -4881,7 +2716,13 @@
       </p:sp>
       <p:sp>
         <p:nvSpPr>
-          <p:cNvPr id="7" name="Slide Number Placeholder 6"/>
+          <p:cNvPr id="7" name="Slide Number Placeholder 6">
+            <a:extLst>
+              <a:ext uri="{FF2B5EF4-FFF2-40B4-BE49-F238E27FC236}">
+                <a16:creationId xmlns:a16="http://schemas.microsoft.com/office/drawing/2014/main" id="{6F6E03C8-E778-3A90-1807-B159BE4B1E6A}"/>
+              </a:ext>
+            </a:extLst>
+          </p:cNvPr>
           <p:cNvSpPr>
             <a:spLocks noGrp="1"/>
           </p:cNvSpPr>
@@ -4894,9 +2735,8 @@
           <a:bodyPr/>
           <a:lstStyle/>
           <a:p>
-            <a:fld id="{B6F15528-21DE-4FAA-801E-634DDDAF4B2B}" type="slidenum">
+            <a:fld id="{7B913512-C656-456F-81BF-BA91514457B2}" type="slidenum">
               <a:rPr lang="en-US" smtClean="0"/>
-              <a:pPr/>
               <a:t>‹#›</a:t>
             </a:fld>
             <a:endParaRPr lang="en-US"/>
@@ -4904,6 +2744,11 @@
         </p:txBody>
       </p:sp>
     </p:spTree>
+    <p:extLst>
+      <p:ext uri="{BB962C8B-B14F-4D97-AF65-F5344CB8AC3E}">
+        <p14:creationId xmlns:p14="http://schemas.microsoft.com/office/powerpoint/2010/main" val="1604941260"/>
+      </p:ext>
+    </p:extLst>
   </p:cSld>
   <p:clrMapOvr>
     <a:masterClrMapping/>
@@ -4935,7 +2780,13 @@
       </p:grpSpPr>
       <p:sp>
         <p:nvSpPr>
-          <p:cNvPr id="2" name="Title Placeholder 1"/>
+          <p:cNvPr id="2" name="Title Placeholder 1">
+            <a:extLst>
+              <a:ext uri="{FF2B5EF4-FFF2-40B4-BE49-F238E27FC236}">
+                <a16:creationId xmlns:a16="http://schemas.microsoft.com/office/drawing/2014/main" id="{19E435EB-551C-2FDD-C04B-60ED1402E2F6}"/>
+              </a:ext>
+            </a:extLst>
+          </p:cNvPr>
           <p:cNvSpPr>
             <a:spLocks noGrp="1"/>
           </p:cNvSpPr>
@@ -4945,8 +2796,8 @@
         </p:nvSpPr>
         <p:spPr>
           <a:xfrm>
-            <a:off x="457200" y="274638"/>
-            <a:ext cx="8229600" cy="1143000"/>
+            <a:off x="838200" y="365125"/>
+            <a:ext cx="10515600" cy="1325563"/>
           </a:xfrm>
           <a:prstGeom prst="rect">
             <a:avLst/>
@@ -4967,7 +2818,13 @@
       </p:sp>
       <p:sp>
         <p:nvSpPr>
-          <p:cNvPr id="3" name="Text Placeholder 2"/>
+          <p:cNvPr id="3" name="Text Placeholder 2">
+            <a:extLst>
+              <a:ext uri="{FF2B5EF4-FFF2-40B4-BE49-F238E27FC236}">
+                <a16:creationId xmlns:a16="http://schemas.microsoft.com/office/drawing/2014/main" id="{9EF694C0-D680-635F-6959-7AF0B29238D3}"/>
+              </a:ext>
+            </a:extLst>
+          </p:cNvPr>
           <p:cNvSpPr>
             <a:spLocks noGrp="1"/>
           </p:cNvSpPr>
@@ -4977,8 +2834,8 @@
         </p:nvSpPr>
         <p:spPr>
           <a:xfrm>
-            <a:off x="457200" y="1600200"/>
-            <a:ext cx="8229600" cy="4525963"/>
+            <a:off x="838200" y="1825625"/>
+            <a:ext cx="10515600" cy="4351338"/>
           </a:xfrm>
           <a:prstGeom prst="rect">
             <a:avLst/>
@@ -5028,7 +2885,13 @@
       </p:sp>
       <p:sp>
         <p:nvSpPr>
-          <p:cNvPr id="4" name="Date Placeholder 3"/>
+          <p:cNvPr id="4" name="Date Placeholder 3">
+            <a:extLst>
+              <a:ext uri="{FF2B5EF4-FFF2-40B4-BE49-F238E27FC236}">
+                <a16:creationId xmlns:a16="http://schemas.microsoft.com/office/drawing/2014/main" id="{3036D6AD-CF73-58FD-368B-22BA003F6B0E}"/>
+              </a:ext>
+            </a:extLst>
+          </p:cNvPr>
           <p:cNvSpPr>
             <a:spLocks noGrp="1"/>
           </p:cNvSpPr>
@@ -5038,8 +2901,8 @@
         </p:nvSpPr>
         <p:spPr>
           <a:xfrm>
-            <a:off x="457200" y="6356350"/>
-            <a:ext cx="2133600" cy="365125"/>
+            <a:off x="838200" y="6356350"/>
+            <a:ext cx="2743200" cy="365125"/>
           </a:xfrm>
           <a:prstGeom prst="rect">
             <a:avLst/>
@@ -5059,9 +2922,8 @@
             </a:lvl1pPr>
           </a:lstStyle>
           <a:p>
-            <a:fld id="{1D8BD707-D9CF-40AE-B4C6-C98DA3205C09}" type="datetimeFigureOut">
+            <a:fld id="{5E1F6F16-DD62-4A72-9F7C-0B6D38972453}" type="datetimeFigureOut">
               <a:rPr lang="en-US" smtClean="0"/>
-              <a:pPr/>
               <a:t>11/2/2023</a:t>
             </a:fld>
             <a:endParaRPr lang="en-US"/>
@@ -5070,7 +2932,13 @@
       </p:sp>
       <p:sp>
         <p:nvSpPr>
-          <p:cNvPr id="5" name="Footer Placeholder 4"/>
+          <p:cNvPr id="5" name="Footer Placeholder 4">
+            <a:extLst>
+              <a:ext uri="{FF2B5EF4-FFF2-40B4-BE49-F238E27FC236}">
+                <a16:creationId xmlns:a16="http://schemas.microsoft.com/office/drawing/2014/main" id="{99AA5E60-CF26-8D4D-6B6C-5782D85BC7E7}"/>
+              </a:ext>
+            </a:extLst>
+          </p:cNvPr>
           <p:cNvSpPr>
             <a:spLocks noGrp="1"/>
           </p:cNvSpPr>
@@ -5080,8 +2948,8 @@
         </p:nvSpPr>
         <p:spPr>
           <a:xfrm>
-            <a:off x="3124200" y="6356350"/>
-            <a:ext cx="2895600" cy="365125"/>
+            <a:off x="4038600" y="6356350"/>
+            <a:ext cx="4114800" cy="365125"/>
           </a:xfrm>
           <a:prstGeom prst="rect">
             <a:avLst/>
@@ -5107,7 +2975,13 @@
       </p:sp>
       <p:sp>
         <p:nvSpPr>
-          <p:cNvPr id="6" name="Slide Number Placeholder 5"/>
+          <p:cNvPr id="6" name="Slide Number Placeholder 5">
+            <a:extLst>
+              <a:ext uri="{FF2B5EF4-FFF2-40B4-BE49-F238E27FC236}">
+                <a16:creationId xmlns:a16="http://schemas.microsoft.com/office/drawing/2014/main" id="{B2DEB823-8766-3980-FB9E-F51E3C0BBC18}"/>
+              </a:ext>
+            </a:extLst>
+          </p:cNvPr>
           <p:cNvSpPr>
             <a:spLocks noGrp="1"/>
           </p:cNvSpPr>
@@ -5117,8 +2991,8 @@
         </p:nvSpPr>
         <p:spPr>
           <a:xfrm>
-            <a:off x="6553200" y="6356350"/>
-            <a:ext cx="2133600" cy="365125"/>
+            <a:off x="8610600" y="6356350"/>
+            <a:ext cx="2743200" cy="365125"/>
           </a:xfrm>
           <a:prstGeom prst="rect">
             <a:avLst/>
@@ -5138,9 +3012,8 @@
             </a:lvl1pPr>
           </a:lstStyle>
           <a:p>
-            <a:fld id="{B6F15528-21DE-4FAA-801E-634DDDAF4B2B}" type="slidenum">
+            <a:fld id="{7B913512-C656-456F-81BF-BA91514457B2}" type="slidenum">
               <a:rPr lang="en-US" smtClean="0"/>
-              <a:pPr/>
               <a:t>‹#›</a:t>
             </a:fld>
             <a:endParaRPr lang="en-US"/>
@@ -5148,6 +3021,11 @@
         </p:txBody>
       </p:sp>
     </p:spTree>
+    <p:extLst>
+      <p:ext uri="{BB962C8B-B14F-4D97-AF65-F5344CB8AC3E}">
+        <p14:creationId xmlns:p14="http://schemas.microsoft.com/office/powerpoint/2010/main" val="1939263804"/>
+      </p:ext>
+    </p:extLst>
   </p:cSld>
   <p:clrMap bg1="lt1" tx1="dk1" bg2="lt2" tx2="dk2" accent1="accent1" accent2="accent2" accent3="accent3" accent4="accent4" accent5="accent5" accent6="accent6" hlink="hlink" folHlink="folHlink"/>
   <p:sldLayoutIdLst>
@@ -5165,7 +3043,10 @@
   </p:sldLayoutIdLst>
   <p:txStyles>
     <p:titleStyle>
-      <a:lvl1pPr algn="ctr" defTabSz="914400" rtl="0" eaLnBrk="1" latinLnBrk="0" hangingPunct="1">
+      <a:lvl1pPr algn="l" defTabSz="914400" rtl="0" eaLnBrk="1" latinLnBrk="0" hangingPunct="1">
+        <a:lnSpc>
+          <a:spcPct val="90000"/>
+        </a:lnSpc>
         <a:spcBef>
           <a:spcPct val="0"/>
         </a:spcBef>
@@ -5181,13 +3062,16 @@
       </a:lvl1pPr>
     </p:titleStyle>
     <p:bodyStyle>
-      <a:lvl1pPr marL="342900" indent="-342900" algn="l" defTabSz="914400" rtl="0" eaLnBrk="1" latinLnBrk="0" hangingPunct="1">
+      <a:lvl1pPr marL="228600" indent="-228600" algn="l" defTabSz="914400" rtl="0" eaLnBrk="1" latinLnBrk="0" hangingPunct="1">
+        <a:lnSpc>
+          <a:spcPct val="90000"/>
+        </a:lnSpc>
         <a:spcBef>
-          <a:spcPct val="20000"/>
+          <a:spcPts val="1000"/>
         </a:spcBef>
-        <a:buFont typeface="Arial" pitchFamily="34" charset="0"/>
+        <a:buFont typeface="Arial" panose="020B0604020202020204" pitchFamily="34" charset="0"/>
         <a:buChar char="•"/>
-        <a:defRPr sz="3200" kern="1200">
+        <a:defRPr sz="2800" kern="1200">
           <a:solidFill>
             <a:schemeClr val="tx1"/>
           </a:solidFill>
@@ -5196,13 +3080,16 @@
           <a:cs typeface="+mn-cs"/>
         </a:defRPr>
       </a:lvl1pPr>
-      <a:lvl2pPr marL="742950" indent="-285750" algn="l" defTabSz="914400" rtl="0" eaLnBrk="1" latinLnBrk="0" hangingPunct="1">
+      <a:lvl2pPr marL="685800" indent="-228600" algn="l" defTabSz="914400" rtl="0" eaLnBrk="1" latinLnBrk="0" hangingPunct="1">
+        <a:lnSpc>
+          <a:spcPct val="90000"/>
+        </a:lnSpc>
         <a:spcBef>
-          <a:spcPct val="20000"/>
+          <a:spcPts val="500"/>
         </a:spcBef>
-        <a:buFont typeface="Arial" pitchFamily="34" charset="0"/>
-        <a:buChar char="–"/>
-        <a:defRPr sz="2800" kern="1200">
+        <a:buFont typeface="Arial" panose="020B0604020202020204" pitchFamily="34" charset="0"/>
+        <a:buChar char="•"/>
+        <a:defRPr sz="2400" kern="1200">
           <a:solidFill>
             <a:schemeClr val="tx1"/>
           </a:solidFill>
@@ -5212,12 +3099,15 @@
         </a:defRPr>
       </a:lvl2pPr>
       <a:lvl3pPr marL="1143000" indent="-228600" algn="l" defTabSz="914400" rtl="0" eaLnBrk="1" latinLnBrk="0" hangingPunct="1">
+        <a:lnSpc>
+          <a:spcPct val="90000"/>
+        </a:lnSpc>
         <a:spcBef>
-          <a:spcPct val="20000"/>
+          <a:spcPts val="500"/>
         </a:spcBef>
-        <a:buFont typeface="Arial" pitchFamily="34" charset="0"/>
+        <a:buFont typeface="Arial" panose="020B0604020202020204" pitchFamily="34" charset="0"/>
         <a:buChar char="•"/>
-        <a:defRPr sz="2400" kern="1200">
+        <a:defRPr sz="2000" kern="1200">
           <a:solidFill>
             <a:schemeClr val="tx1"/>
           </a:solidFill>
@@ -5227,12 +3117,15 @@
         </a:defRPr>
       </a:lvl3pPr>
       <a:lvl4pPr marL="1600200" indent="-228600" algn="l" defTabSz="914400" rtl="0" eaLnBrk="1" latinLnBrk="0" hangingPunct="1">
+        <a:lnSpc>
+          <a:spcPct val="90000"/>
+        </a:lnSpc>
         <a:spcBef>
-          <a:spcPct val="20000"/>
+          <a:spcPts val="500"/>
         </a:spcBef>
-        <a:buFont typeface="Arial" pitchFamily="34" charset="0"/>
-        <a:buChar char="–"/>
-        <a:defRPr sz="2000" kern="1200">
+        <a:buFont typeface="Arial" panose="020B0604020202020204" pitchFamily="34" charset="0"/>
+        <a:buChar char="•"/>
+        <a:defRPr sz="1800" kern="1200">
           <a:solidFill>
             <a:schemeClr val="tx1"/>
           </a:solidFill>
@@ -5242,12 +3135,15 @@
         </a:defRPr>
       </a:lvl4pPr>
       <a:lvl5pPr marL="2057400" indent="-228600" algn="l" defTabSz="914400" rtl="0" eaLnBrk="1" latinLnBrk="0" hangingPunct="1">
+        <a:lnSpc>
+          <a:spcPct val="90000"/>
+        </a:lnSpc>
         <a:spcBef>
-          <a:spcPct val="20000"/>
+          <a:spcPts val="500"/>
         </a:spcBef>
-        <a:buFont typeface="Arial" pitchFamily="34" charset="0"/>
-        <a:buChar char="»"/>
-        <a:defRPr sz="2000" kern="1200">
+        <a:buFont typeface="Arial" panose="020B0604020202020204" pitchFamily="34" charset="0"/>
+        <a:buChar char="•"/>
+        <a:defRPr sz="1800" kern="1200">
           <a:solidFill>
             <a:schemeClr val="tx1"/>
           </a:solidFill>
@@ -5257,12 +3153,15 @@
         </a:defRPr>
       </a:lvl5pPr>
       <a:lvl6pPr marL="2514600" indent="-228600" algn="l" defTabSz="914400" rtl="0" eaLnBrk="1" latinLnBrk="0" hangingPunct="1">
+        <a:lnSpc>
+          <a:spcPct val="90000"/>
+        </a:lnSpc>
         <a:spcBef>
-          <a:spcPct val="20000"/>
+          <a:spcPts val="500"/>
         </a:spcBef>
-        <a:buFont typeface="Arial" pitchFamily="34" charset="0"/>
+        <a:buFont typeface="Arial" panose="020B0604020202020204" pitchFamily="34" charset="0"/>
         <a:buChar char="•"/>
-        <a:defRPr sz="2000" kern="1200">
+        <a:defRPr sz="1800" kern="1200">
           <a:solidFill>
             <a:schemeClr val="tx1"/>
           </a:solidFill>
@@ -5272,12 +3171,15 @@
         </a:defRPr>
       </a:lvl6pPr>
       <a:lvl7pPr marL="2971800" indent="-228600" algn="l" defTabSz="914400" rtl="0" eaLnBrk="1" latinLnBrk="0" hangingPunct="1">
+        <a:lnSpc>
+          <a:spcPct val="90000"/>
+        </a:lnSpc>
         <a:spcBef>
-          <a:spcPct val="20000"/>
+          <a:spcPts val="500"/>
         </a:spcBef>
-        <a:buFont typeface="Arial" pitchFamily="34" charset="0"/>
+        <a:buFont typeface="Arial" panose="020B0604020202020204" pitchFamily="34" charset="0"/>
         <a:buChar char="•"/>
-        <a:defRPr sz="2000" kern="1200">
+        <a:defRPr sz="1800" kern="1200">
           <a:solidFill>
             <a:schemeClr val="tx1"/>
           </a:solidFill>
@@ -5287,12 +3189,15 @@
         </a:defRPr>
       </a:lvl7pPr>
       <a:lvl8pPr marL="3429000" indent="-228600" algn="l" defTabSz="914400" rtl="0" eaLnBrk="1" latinLnBrk="0" hangingPunct="1">
+        <a:lnSpc>
+          <a:spcPct val="90000"/>
+        </a:lnSpc>
         <a:spcBef>
-          <a:spcPct val="20000"/>
+          <a:spcPts val="500"/>
         </a:spcBef>
-        <a:buFont typeface="Arial" pitchFamily="34" charset="0"/>
+        <a:buFont typeface="Arial" panose="020B0604020202020204" pitchFamily="34" charset="0"/>
         <a:buChar char="•"/>
-        <a:defRPr sz="2000" kern="1200">
+        <a:defRPr sz="1800" kern="1200">
           <a:solidFill>
             <a:schemeClr val="tx1"/>
           </a:solidFill>
@@ -5302,12 +3207,15 @@
         </a:defRPr>
       </a:lvl8pPr>
       <a:lvl9pPr marL="3886200" indent="-228600" algn="l" defTabSz="914400" rtl="0" eaLnBrk="1" latinLnBrk="0" hangingPunct="1">
+        <a:lnSpc>
+          <a:spcPct val="90000"/>
+        </a:lnSpc>
         <a:spcBef>
-          <a:spcPct val="20000"/>
+          <a:spcPts val="500"/>
         </a:spcBef>
-        <a:buFont typeface="Arial" pitchFamily="34" charset="0"/>
+        <a:buFont typeface="Arial" panose="020B0604020202020204" pitchFamily="34" charset="0"/>
         <a:buChar char="•"/>
-        <a:defRPr sz="2000" kern="1200">
+        <a:defRPr sz="1800" kern="1200">
           <a:solidFill>
             <a:schemeClr val="tx1"/>
           </a:solidFill>
@@ -5416,13 +3324,22 @@
 </p:sldMaster>
 </file>
 
-<file path=ppt/slideMasters/slideMaster2.xml><?xml version="1.0" encoding="utf-8"?>
-<p:sldMaster xmlns:a="http://schemas.openxmlformats.org/drawingml/2006/main" xmlns:r="http://schemas.openxmlformats.org/officeDocument/2006/relationships" xmlns:p="http://schemas.openxmlformats.org/presentationml/2006/main">
+<file path=ppt/slides/slide1.xml><?xml version="1.0" encoding="utf-8"?>
+<p:sld xmlns:a="http://schemas.openxmlformats.org/drawingml/2006/main" xmlns:r="http://schemas.openxmlformats.org/officeDocument/2006/relationships" xmlns:p="http://schemas.openxmlformats.org/presentationml/2006/main">
   <p:cSld>
     <p:bg>
-      <p:bgRef idx="1001">
-        <a:schemeClr val="bg1"/>
-      </p:bgRef>
+      <p:bgPr>
+        <a:blipFill dpi="0" rotWithShape="1">
+          <a:blip r:embed="rId2">
+            <a:lum/>
+          </a:blip>
+          <a:srcRect/>
+          <a:stretch>
+            <a:fillRect/>
+          </a:stretch>
+        </a:blipFill>
+        <a:effectLst/>
+      </p:bgPr>
     </p:bg>
     <p:spTree>
       <p:nvGrpSpPr>
@@ -5440,523 +3357,170 @@
       </p:grpSpPr>
       <p:sp>
         <p:nvSpPr>
-          <p:cNvPr id="2" name="Title Placeholder 1"/>
+          <p:cNvPr id="4" name="Title 1">
+            <a:extLst>
+              <a:ext uri="{FF2B5EF4-FFF2-40B4-BE49-F238E27FC236}">
+                <a16:creationId xmlns:a16="http://schemas.microsoft.com/office/drawing/2014/main" id="{D6E46FF2-E855-DCB6-62A2-0EB01AFFF925}"/>
+              </a:ext>
+            </a:extLst>
+          </p:cNvPr>
           <p:cNvSpPr>
             <a:spLocks noGrp="1"/>
           </p:cNvSpPr>
           <p:nvPr>
-            <p:ph type="title"/>
+            <p:ph type="ctrTitle"/>
           </p:nvPr>
         </p:nvSpPr>
         <p:spPr>
           <a:xfrm>
-            <a:off x="1257300" y="547688"/>
-            <a:ext cx="15773400" cy="1988345"/>
+            <a:off x="193792" y="2383092"/>
+            <a:ext cx="7215809" cy="1045908"/>
+          </a:xfrm>
+        </p:spPr>
+        <p:txBody>
+          <a:bodyPr>
+            <a:noAutofit/>
+          </a:bodyPr>
+          <a:lstStyle/>
+          <a:p>
+            <a:pPr algn="l"/>
+            <a:r>
+              <a:rPr lang="en-US" sz="7200" b="1" dirty="0">
+                <a:latin typeface="Aharoni" panose="02010803020104030203" pitchFamily="2" charset="-79"/>
+                <a:cs typeface="Aharoni" panose="02010803020104030203" pitchFamily="2" charset="-79"/>
+              </a:rPr>
+              <a:t>REPORT</a:t>
+            </a:r>
+            <a:br>
+              <a:rPr lang="en-US" sz="6600" b="1" dirty="0">
+                <a:latin typeface="Aharoni" panose="02010803020104030203" pitchFamily="2" charset="-79"/>
+                <a:cs typeface="Aharoni" panose="02010803020104030203" pitchFamily="2" charset="-79"/>
+              </a:rPr>
+            </a:br>
+            <a:r>
+              <a:rPr lang="en-US" sz="7200" b="1" dirty="0">
+                <a:latin typeface="Aharoni" panose="02010803020104030203" pitchFamily="2" charset="-79"/>
+                <a:cs typeface="Aharoni" panose="02010803020104030203" pitchFamily="2" charset="-79"/>
+              </a:rPr>
+              <a:t>MODEL</a:t>
+            </a:r>
+            <a:endParaRPr lang="en-US" sz="6600" b="1" dirty="0">
+              <a:latin typeface="Aharoni" panose="02010803020104030203" pitchFamily="2" charset="-79"/>
+              <a:cs typeface="Aharoni" panose="02010803020104030203" pitchFamily="2" charset="-79"/>
+            </a:endParaRPr>
+          </a:p>
+        </p:txBody>
+      </p:sp>
+      <p:sp>
+        <p:nvSpPr>
+          <p:cNvPr id="5" name="Subtitle 2">
+            <a:extLst>
+              <a:ext uri="{FF2B5EF4-FFF2-40B4-BE49-F238E27FC236}">
+                <a16:creationId xmlns:a16="http://schemas.microsoft.com/office/drawing/2014/main" id="{F50BC428-8823-4F17-8D28-C3ACF71A2B8E}"/>
+              </a:ext>
+            </a:extLst>
+          </p:cNvPr>
+          <p:cNvSpPr>
+            <a:spLocks noGrp="1"/>
+          </p:cNvSpPr>
+          <p:nvPr>
+            <p:ph type="subTitle" idx="1"/>
+          </p:nvPr>
+        </p:nvSpPr>
+        <p:spPr>
+          <a:xfrm>
+            <a:off x="193792" y="3568674"/>
+            <a:ext cx="4008783" cy="500784"/>
+          </a:xfrm>
+        </p:spPr>
+        <p:txBody>
+          <a:bodyPr/>
+          <a:lstStyle/>
+          <a:p>
+            <a:pPr algn="l"/>
+            <a:r>
+              <a:rPr lang="en-US" dirty="0"/>
+              <a:t>Date:</a:t>
+            </a:r>
+          </a:p>
+        </p:txBody>
+      </p:sp>
+      <p:pic>
+        <p:nvPicPr>
+          <p:cNvPr id="6" name="Picture 5">
+            <a:extLst>
+              <a:ext uri="{FF2B5EF4-FFF2-40B4-BE49-F238E27FC236}">
+                <a16:creationId xmlns:a16="http://schemas.microsoft.com/office/drawing/2014/main" id="{0E23A2E5-4F1B-6AF2-7C69-907A60B43412}"/>
+              </a:ext>
+            </a:extLst>
+          </p:cNvPr>
+          <p:cNvPicPr>
+            <a:picLocks noChangeAspect="1"/>
+          </p:cNvPicPr>
+          <p:nvPr/>
+        </p:nvPicPr>
+        <p:blipFill>
+          <a:blip r:embed="rId3">
+            <a:clrChange>
+              <a:clrFrom>
+                <a:srgbClr val="FFFFFF"/>
+              </a:clrFrom>
+              <a:clrTo>
+                <a:srgbClr val="FFFFFF">
+                  <a:alpha val="0"/>
+                </a:srgbClr>
+              </a:clrTo>
+            </a:clrChange>
+            <a:extLst>
+              <a:ext uri="{28A0092B-C50C-407E-A947-70E740481C1C}">
+                <a14:useLocalDpi xmlns:a14="http://schemas.microsoft.com/office/drawing/2010/main" val="0"/>
+              </a:ext>
+            </a:extLst>
+          </a:blip>
+          <a:stretch>
+            <a:fillRect/>
+          </a:stretch>
+        </p:blipFill>
+        <p:spPr>
+          <a:xfrm>
+            <a:off x="193792" y="5613722"/>
+            <a:ext cx="1082371" cy="1111043"/>
           </a:xfrm>
           <a:prstGeom prst="rect">
             <a:avLst/>
           </a:prstGeom>
         </p:spPr>
-        <p:txBody>
-          <a:bodyPr vert="horz" lIns="91440" tIns="45720" rIns="91440" bIns="45720" rtlCol="0" anchor="ctr">
-            <a:normAutofit/>
-          </a:bodyPr>
-          <a:lstStyle/>
-          <a:p>
-            <a:r>
-              <a:rPr lang="en-US"/>
-              <a:t>Click to edit Master title style</a:t>
-            </a:r>
-          </a:p>
-        </p:txBody>
-      </p:sp>
-      <p:sp>
-        <p:nvSpPr>
-          <p:cNvPr id="3" name="Text Placeholder 2"/>
-          <p:cNvSpPr>
-            <a:spLocks noGrp="1"/>
-          </p:cNvSpPr>
-          <p:nvPr>
-            <p:ph type="body" idx="1"/>
-          </p:nvPr>
-        </p:nvSpPr>
-        <p:spPr>
-          <a:xfrm>
-            <a:off x="1257300" y="2738438"/>
-            <a:ext cx="15773400" cy="6527007"/>
-          </a:xfrm>
-          <a:prstGeom prst="rect">
-            <a:avLst/>
-          </a:prstGeom>
-        </p:spPr>
-        <p:txBody>
-          <a:bodyPr vert="horz" lIns="91440" tIns="45720" rIns="91440" bIns="45720" rtlCol="0">
-            <a:normAutofit/>
-          </a:bodyPr>
-          <a:lstStyle/>
-          <a:p>
-            <a:pPr lvl="0"/>
-            <a:r>
-              <a:rPr lang="en-US"/>
-              <a:t>Edit Master text styles</a:t>
-            </a:r>
-          </a:p>
-          <a:p>
-            <a:pPr lvl="1"/>
-            <a:r>
-              <a:rPr lang="en-US"/>
-              <a:t>Second level</a:t>
-            </a:r>
-          </a:p>
-          <a:p>
-            <a:pPr lvl="2"/>
-            <a:r>
-              <a:rPr lang="en-US"/>
-              <a:t>Third level</a:t>
-            </a:r>
-          </a:p>
-          <a:p>
-            <a:pPr lvl="3"/>
-            <a:r>
-              <a:rPr lang="en-US"/>
-              <a:t>Fourth level</a:t>
-            </a:r>
-          </a:p>
-          <a:p>
-            <a:pPr lvl="4"/>
-            <a:r>
-              <a:rPr lang="en-US"/>
-              <a:t>Fifth level</a:t>
-            </a:r>
-          </a:p>
-        </p:txBody>
-      </p:sp>
-      <p:sp>
-        <p:nvSpPr>
-          <p:cNvPr id="4" name="Date Placeholder 3"/>
-          <p:cNvSpPr>
-            <a:spLocks noGrp="1"/>
-          </p:cNvSpPr>
-          <p:nvPr>
-            <p:ph type="dt" sz="half" idx="2"/>
-          </p:nvPr>
-        </p:nvSpPr>
-        <p:spPr>
-          <a:xfrm>
-            <a:off x="1257300" y="9534526"/>
-            <a:ext cx="4114800" cy="547688"/>
-          </a:xfrm>
-          <a:prstGeom prst="rect">
-            <a:avLst/>
-          </a:prstGeom>
-        </p:spPr>
-        <p:txBody>
-          <a:bodyPr vert="horz" lIns="91440" tIns="45720" rIns="91440" bIns="45720" rtlCol="0" anchor="ctr"/>
-          <a:lstStyle>
-            <a:lvl1pPr algn="l">
-              <a:defRPr sz="1800">
-                <a:solidFill>
-                  <a:schemeClr val="tx1">
-                    <a:tint val="75000"/>
-                  </a:schemeClr>
-                </a:solidFill>
-              </a:defRPr>
-            </a:lvl1pPr>
-          </a:lstStyle>
-          <a:p>
-            <a:fld id="{6D69D915-0C95-4E2B-A33E-1C81BBBB360F}" type="datetimeFigureOut">
-              <a:rPr lang="en-US" smtClean="0"/>
-              <a:t>11/2/2023</a:t>
-            </a:fld>
-            <a:endParaRPr lang="en-US"/>
-          </a:p>
-        </p:txBody>
-      </p:sp>
-      <p:sp>
-        <p:nvSpPr>
-          <p:cNvPr id="5" name="Footer Placeholder 4"/>
-          <p:cNvSpPr>
-            <a:spLocks noGrp="1"/>
-          </p:cNvSpPr>
-          <p:nvPr>
-            <p:ph type="ftr" sz="quarter" idx="3"/>
-          </p:nvPr>
-        </p:nvSpPr>
-        <p:spPr>
-          <a:xfrm>
-            <a:off x="6057900" y="9534526"/>
-            <a:ext cx="6172200" cy="547688"/>
-          </a:xfrm>
-          <a:prstGeom prst="rect">
-            <a:avLst/>
-          </a:prstGeom>
-        </p:spPr>
-        <p:txBody>
-          <a:bodyPr vert="horz" lIns="91440" tIns="45720" rIns="91440" bIns="45720" rtlCol="0" anchor="ctr"/>
-          <a:lstStyle>
-            <a:lvl1pPr algn="ctr">
-              <a:defRPr sz="1800">
-                <a:solidFill>
-                  <a:schemeClr val="tx1">
-                    <a:tint val="75000"/>
-                  </a:schemeClr>
-                </a:solidFill>
-              </a:defRPr>
-            </a:lvl1pPr>
-          </a:lstStyle>
-          <a:p>
-            <a:endParaRPr lang="en-US"/>
-          </a:p>
-        </p:txBody>
-      </p:sp>
-      <p:sp>
-        <p:nvSpPr>
-          <p:cNvPr id="6" name="Slide Number Placeholder 5"/>
-          <p:cNvSpPr>
-            <a:spLocks noGrp="1"/>
-          </p:cNvSpPr>
-          <p:nvPr>
-            <p:ph type="sldNum" sz="quarter" idx="4"/>
-          </p:nvPr>
-        </p:nvSpPr>
-        <p:spPr>
-          <a:xfrm>
-            <a:off x="12915900" y="9534526"/>
-            <a:ext cx="4114800" cy="547688"/>
-          </a:xfrm>
-          <a:prstGeom prst="rect">
-            <a:avLst/>
-          </a:prstGeom>
-        </p:spPr>
-        <p:txBody>
-          <a:bodyPr vert="horz" lIns="91440" tIns="45720" rIns="91440" bIns="45720" rtlCol="0" anchor="ctr"/>
-          <a:lstStyle>
-            <a:lvl1pPr algn="r">
-              <a:defRPr sz="1800">
-                <a:solidFill>
-                  <a:schemeClr val="tx1">
-                    <a:tint val="75000"/>
-                  </a:schemeClr>
-                </a:solidFill>
-              </a:defRPr>
-            </a:lvl1pPr>
-          </a:lstStyle>
-          <a:p>
-            <a:fld id="{5E2AC11C-9EA8-4635-A212-19ECE156EFE4}" type="slidenum">
-              <a:rPr lang="en-US" smtClean="0"/>
-              <a:t>‹#›</a:t>
-            </a:fld>
-            <a:endParaRPr lang="en-US"/>
-          </a:p>
-        </p:txBody>
-      </p:sp>
+      </p:pic>
     </p:spTree>
     <p:extLst>
       <p:ext uri="{BB962C8B-B14F-4D97-AF65-F5344CB8AC3E}">
-        <p14:creationId xmlns:p14="http://schemas.microsoft.com/office/powerpoint/2010/main" val="2338298389"/>
+        <p14:creationId xmlns:p14="http://schemas.microsoft.com/office/powerpoint/2010/main" val="3434522380"/>
       </p:ext>
     </p:extLst>
   </p:cSld>
-  <p:clrMap bg1="lt1" tx1="dk1" bg2="lt2" tx2="dk2" accent1="accent1" accent2="accent2" accent3="accent3" accent4="accent4" accent5="accent5" accent6="accent6" hlink="hlink" folHlink="folHlink"/>
-  <p:sldLayoutIdLst>
-    <p:sldLayoutId id="2147483661" r:id="rId1"/>
-    <p:sldLayoutId id="2147483662" r:id="rId2"/>
-    <p:sldLayoutId id="2147483663" r:id="rId3"/>
-    <p:sldLayoutId id="2147483664" r:id="rId4"/>
-    <p:sldLayoutId id="2147483665" r:id="rId5"/>
-    <p:sldLayoutId id="2147483666" r:id="rId6"/>
-    <p:sldLayoutId id="2147483667" r:id="rId7"/>
-    <p:sldLayoutId id="2147483668" r:id="rId8"/>
-    <p:sldLayoutId id="2147483669" r:id="rId9"/>
-    <p:sldLayoutId id="2147483670" r:id="rId10"/>
-    <p:sldLayoutId id="2147483671" r:id="rId11"/>
-  </p:sldLayoutIdLst>
-  <p:txStyles>
-    <p:titleStyle>
-      <a:lvl1pPr algn="l" defTabSz="1371600" rtl="0" eaLnBrk="1" latinLnBrk="0" hangingPunct="1">
-        <a:lnSpc>
-          <a:spcPct val="90000"/>
-        </a:lnSpc>
-        <a:spcBef>
-          <a:spcPct val="0"/>
-        </a:spcBef>
-        <a:buNone/>
-        <a:defRPr sz="6600" kern="1200">
-          <a:solidFill>
-            <a:schemeClr val="tx1"/>
-          </a:solidFill>
-          <a:latin typeface="+mj-lt"/>
-          <a:ea typeface="+mj-ea"/>
-          <a:cs typeface="+mj-cs"/>
-        </a:defRPr>
-      </a:lvl1pPr>
-    </p:titleStyle>
-    <p:bodyStyle>
-      <a:lvl1pPr marL="342900" indent="-342900" algn="l" defTabSz="1371600" rtl="0" eaLnBrk="1" latinLnBrk="0" hangingPunct="1">
-        <a:lnSpc>
-          <a:spcPct val="90000"/>
-        </a:lnSpc>
-        <a:spcBef>
-          <a:spcPts val="1500"/>
-        </a:spcBef>
-        <a:buFont typeface="Arial" panose="020B0604020202020204" pitchFamily="34" charset="0"/>
-        <a:buChar char="•"/>
-        <a:defRPr sz="4200" kern="1200">
-          <a:solidFill>
-            <a:schemeClr val="tx1"/>
-          </a:solidFill>
-          <a:latin typeface="+mn-lt"/>
-          <a:ea typeface="+mn-ea"/>
-          <a:cs typeface="+mn-cs"/>
-        </a:defRPr>
-      </a:lvl1pPr>
-      <a:lvl2pPr marL="1028700" indent="-342900" algn="l" defTabSz="1371600" rtl="0" eaLnBrk="1" latinLnBrk="0" hangingPunct="1">
-        <a:lnSpc>
-          <a:spcPct val="90000"/>
-        </a:lnSpc>
-        <a:spcBef>
-          <a:spcPts val="750"/>
-        </a:spcBef>
-        <a:buFont typeface="Arial" panose="020B0604020202020204" pitchFamily="34" charset="0"/>
-        <a:buChar char="•"/>
-        <a:defRPr sz="3600" kern="1200">
-          <a:solidFill>
-            <a:schemeClr val="tx1"/>
-          </a:solidFill>
-          <a:latin typeface="+mn-lt"/>
-          <a:ea typeface="+mn-ea"/>
-          <a:cs typeface="+mn-cs"/>
-        </a:defRPr>
-      </a:lvl2pPr>
-      <a:lvl3pPr marL="1714500" indent="-342900" algn="l" defTabSz="1371600" rtl="0" eaLnBrk="1" latinLnBrk="0" hangingPunct="1">
-        <a:lnSpc>
-          <a:spcPct val="90000"/>
-        </a:lnSpc>
-        <a:spcBef>
-          <a:spcPts val="750"/>
-        </a:spcBef>
-        <a:buFont typeface="Arial" panose="020B0604020202020204" pitchFamily="34" charset="0"/>
-        <a:buChar char="•"/>
-        <a:defRPr sz="3000" kern="1200">
-          <a:solidFill>
-            <a:schemeClr val="tx1"/>
-          </a:solidFill>
-          <a:latin typeface="+mn-lt"/>
-          <a:ea typeface="+mn-ea"/>
-          <a:cs typeface="+mn-cs"/>
-        </a:defRPr>
-      </a:lvl3pPr>
-      <a:lvl4pPr marL="2400300" indent="-342900" algn="l" defTabSz="1371600" rtl="0" eaLnBrk="1" latinLnBrk="0" hangingPunct="1">
-        <a:lnSpc>
-          <a:spcPct val="90000"/>
-        </a:lnSpc>
-        <a:spcBef>
-          <a:spcPts val="750"/>
-        </a:spcBef>
-        <a:buFont typeface="Arial" panose="020B0604020202020204" pitchFamily="34" charset="0"/>
-        <a:buChar char="•"/>
-        <a:defRPr sz="2700" kern="1200">
-          <a:solidFill>
-            <a:schemeClr val="tx1"/>
-          </a:solidFill>
-          <a:latin typeface="+mn-lt"/>
-          <a:ea typeface="+mn-ea"/>
-          <a:cs typeface="+mn-cs"/>
-        </a:defRPr>
-      </a:lvl4pPr>
-      <a:lvl5pPr marL="3086100" indent="-342900" algn="l" defTabSz="1371600" rtl="0" eaLnBrk="1" latinLnBrk="0" hangingPunct="1">
-        <a:lnSpc>
-          <a:spcPct val="90000"/>
-        </a:lnSpc>
-        <a:spcBef>
-          <a:spcPts val="750"/>
-        </a:spcBef>
-        <a:buFont typeface="Arial" panose="020B0604020202020204" pitchFamily="34" charset="0"/>
-        <a:buChar char="•"/>
-        <a:defRPr sz="2700" kern="1200">
-          <a:solidFill>
-            <a:schemeClr val="tx1"/>
-          </a:solidFill>
-          <a:latin typeface="+mn-lt"/>
-          <a:ea typeface="+mn-ea"/>
-          <a:cs typeface="+mn-cs"/>
-        </a:defRPr>
-      </a:lvl5pPr>
-      <a:lvl6pPr marL="3771900" indent="-342900" algn="l" defTabSz="1371600" rtl="0" eaLnBrk="1" latinLnBrk="0" hangingPunct="1">
-        <a:lnSpc>
-          <a:spcPct val="90000"/>
-        </a:lnSpc>
-        <a:spcBef>
-          <a:spcPts val="750"/>
-        </a:spcBef>
-        <a:buFont typeface="Arial" panose="020B0604020202020204" pitchFamily="34" charset="0"/>
-        <a:buChar char="•"/>
-        <a:defRPr sz="2700" kern="1200">
-          <a:solidFill>
-            <a:schemeClr val="tx1"/>
-          </a:solidFill>
-          <a:latin typeface="+mn-lt"/>
-          <a:ea typeface="+mn-ea"/>
-          <a:cs typeface="+mn-cs"/>
-        </a:defRPr>
-      </a:lvl6pPr>
-      <a:lvl7pPr marL="4457700" indent="-342900" algn="l" defTabSz="1371600" rtl="0" eaLnBrk="1" latinLnBrk="0" hangingPunct="1">
-        <a:lnSpc>
-          <a:spcPct val="90000"/>
-        </a:lnSpc>
-        <a:spcBef>
-          <a:spcPts val="750"/>
-        </a:spcBef>
-        <a:buFont typeface="Arial" panose="020B0604020202020204" pitchFamily="34" charset="0"/>
-        <a:buChar char="•"/>
-        <a:defRPr sz="2700" kern="1200">
-          <a:solidFill>
-            <a:schemeClr val="tx1"/>
-          </a:solidFill>
-          <a:latin typeface="+mn-lt"/>
-          <a:ea typeface="+mn-ea"/>
-          <a:cs typeface="+mn-cs"/>
-        </a:defRPr>
-      </a:lvl7pPr>
-      <a:lvl8pPr marL="5143500" indent="-342900" algn="l" defTabSz="1371600" rtl="0" eaLnBrk="1" latinLnBrk="0" hangingPunct="1">
-        <a:lnSpc>
-          <a:spcPct val="90000"/>
-        </a:lnSpc>
-        <a:spcBef>
-          <a:spcPts val="750"/>
-        </a:spcBef>
-        <a:buFont typeface="Arial" panose="020B0604020202020204" pitchFamily="34" charset="0"/>
-        <a:buChar char="•"/>
-        <a:defRPr sz="2700" kern="1200">
-          <a:solidFill>
-            <a:schemeClr val="tx1"/>
-          </a:solidFill>
-          <a:latin typeface="+mn-lt"/>
-          <a:ea typeface="+mn-ea"/>
-          <a:cs typeface="+mn-cs"/>
-        </a:defRPr>
-      </a:lvl8pPr>
-      <a:lvl9pPr marL="5829300" indent="-342900" algn="l" defTabSz="1371600" rtl="0" eaLnBrk="1" latinLnBrk="0" hangingPunct="1">
-        <a:lnSpc>
-          <a:spcPct val="90000"/>
-        </a:lnSpc>
-        <a:spcBef>
-          <a:spcPts val="750"/>
-        </a:spcBef>
-        <a:buFont typeface="Arial" panose="020B0604020202020204" pitchFamily="34" charset="0"/>
-        <a:buChar char="•"/>
-        <a:defRPr sz="2700" kern="1200">
-          <a:solidFill>
-            <a:schemeClr val="tx1"/>
-          </a:solidFill>
-          <a:latin typeface="+mn-lt"/>
-          <a:ea typeface="+mn-ea"/>
-          <a:cs typeface="+mn-cs"/>
-        </a:defRPr>
-      </a:lvl9pPr>
-    </p:bodyStyle>
-    <p:otherStyle>
-      <a:defPPr>
-        <a:defRPr lang="en-US"/>
-      </a:defPPr>
-      <a:lvl1pPr marL="0" algn="l" defTabSz="1371600" rtl="0" eaLnBrk="1" latinLnBrk="0" hangingPunct="1">
-        <a:defRPr sz="2700" kern="1200">
-          <a:solidFill>
-            <a:schemeClr val="tx1"/>
-          </a:solidFill>
-          <a:latin typeface="+mn-lt"/>
-          <a:ea typeface="+mn-ea"/>
-          <a:cs typeface="+mn-cs"/>
-        </a:defRPr>
-      </a:lvl1pPr>
-      <a:lvl2pPr marL="685800" algn="l" defTabSz="1371600" rtl="0" eaLnBrk="1" latinLnBrk="0" hangingPunct="1">
-        <a:defRPr sz="2700" kern="1200">
-          <a:solidFill>
-            <a:schemeClr val="tx1"/>
-          </a:solidFill>
-          <a:latin typeface="+mn-lt"/>
-          <a:ea typeface="+mn-ea"/>
-          <a:cs typeface="+mn-cs"/>
-        </a:defRPr>
-      </a:lvl2pPr>
-      <a:lvl3pPr marL="1371600" algn="l" defTabSz="1371600" rtl="0" eaLnBrk="1" latinLnBrk="0" hangingPunct="1">
-        <a:defRPr sz="2700" kern="1200">
-          <a:solidFill>
-            <a:schemeClr val="tx1"/>
-          </a:solidFill>
-          <a:latin typeface="+mn-lt"/>
-          <a:ea typeface="+mn-ea"/>
-          <a:cs typeface="+mn-cs"/>
-        </a:defRPr>
-      </a:lvl3pPr>
-      <a:lvl4pPr marL="2057400" algn="l" defTabSz="1371600" rtl="0" eaLnBrk="1" latinLnBrk="0" hangingPunct="1">
-        <a:defRPr sz="2700" kern="1200">
-          <a:solidFill>
-            <a:schemeClr val="tx1"/>
-          </a:solidFill>
-          <a:latin typeface="+mn-lt"/>
-          <a:ea typeface="+mn-ea"/>
-          <a:cs typeface="+mn-cs"/>
-        </a:defRPr>
-      </a:lvl4pPr>
-      <a:lvl5pPr marL="2743200" algn="l" defTabSz="1371600" rtl="0" eaLnBrk="1" latinLnBrk="0" hangingPunct="1">
-        <a:defRPr sz="2700" kern="1200">
-          <a:solidFill>
-            <a:schemeClr val="tx1"/>
-          </a:solidFill>
-          <a:latin typeface="+mn-lt"/>
-          <a:ea typeface="+mn-ea"/>
-          <a:cs typeface="+mn-cs"/>
-        </a:defRPr>
-      </a:lvl5pPr>
-      <a:lvl6pPr marL="3429000" algn="l" defTabSz="1371600" rtl="0" eaLnBrk="1" latinLnBrk="0" hangingPunct="1">
-        <a:defRPr sz="2700" kern="1200">
-          <a:solidFill>
-            <a:schemeClr val="tx1"/>
-          </a:solidFill>
-          <a:latin typeface="+mn-lt"/>
-          <a:ea typeface="+mn-ea"/>
-          <a:cs typeface="+mn-cs"/>
-        </a:defRPr>
-      </a:lvl6pPr>
-      <a:lvl7pPr marL="4114800" algn="l" defTabSz="1371600" rtl="0" eaLnBrk="1" latinLnBrk="0" hangingPunct="1">
-        <a:defRPr sz="2700" kern="1200">
-          <a:solidFill>
-            <a:schemeClr val="tx1"/>
-          </a:solidFill>
-          <a:latin typeface="+mn-lt"/>
-          <a:ea typeface="+mn-ea"/>
-          <a:cs typeface="+mn-cs"/>
-        </a:defRPr>
-      </a:lvl7pPr>
-      <a:lvl8pPr marL="4800600" algn="l" defTabSz="1371600" rtl="0" eaLnBrk="1" latinLnBrk="0" hangingPunct="1">
-        <a:defRPr sz="2700" kern="1200">
-          <a:solidFill>
-            <a:schemeClr val="tx1"/>
-          </a:solidFill>
-          <a:latin typeface="+mn-lt"/>
-          <a:ea typeface="+mn-ea"/>
-          <a:cs typeface="+mn-cs"/>
-        </a:defRPr>
-      </a:lvl8pPr>
-      <a:lvl9pPr marL="5486400" algn="l" defTabSz="1371600" rtl="0" eaLnBrk="1" latinLnBrk="0" hangingPunct="1">
-        <a:defRPr sz="2700" kern="1200">
-          <a:solidFill>
-            <a:schemeClr val="tx1"/>
-          </a:solidFill>
-          <a:latin typeface="+mn-lt"/>
-          <a:ea typeface="+mn-ea"/>
-          <a:cs typeface="+mn-cs"/>
-        </a:defRPr>
-      </a:lvl9pPr>
-    </p:otherStyle>
-  </p:txStyles>
-</p:sldMaster>
+  <p:clrMapOvr>
+    <a:masterClrMapping/>
+  </p:clrMapOvr>
+</p:sld>
 </file>
 
-<file path=ppt/slides/slide1.xml><?xml version="1.0" encoding="utf-8"?>
+<file path=ppt/slides/slide10.xml><?xml version="1.0" encoding="utf-8"?>
 <p:sld xmlns:a="http://schemas.openxmlformats.org/drawingml/2006/main" xmlns:r="http://schemas.openxmlformats.org/officeDocument/2006/relationships" xmlns:p="http://schemas.openxmlformats.org/presentationml/2006/main">
   <p:cSld>
+    <p:bg>
+      <p:bgPr>
+        <a:blipFill dpi="0" rotWithShape="1">
+          <a:blip r:embed="rId2">
+            <a:lum/>
+          </a:blip>
+          <a:srcRect/>
+          <a:stretch>
+            <a:fillRect/>
+          </a:stretch>
+        </a:blipFill>
+        <a:effectLst/>
+      </p:bgPr>
+    </p:bg>
     <p:spTree>
       <p:nvGrpSpPr>
         <p:cNvPr id="1" name=""/>
@@ -5971,204 +3535,35 @@
           <a:chExt cx="0" cy="0"/>
         </a:xfrm>
       </p:grpSpPr>
-      <p:sp>
-        <p:nvSpPr>
-          <p:cNvPr id="2" name="Title 1"/>
-          <p:cNvSpPr>
-            <a:spLocks noGrp="1"/>
-          </p:cNvSpPr>
-          <p:nvPr>
-            <p:ph type="ctrTitle"/>
-          </p:nvPr>
-        </p:nvSpPr>
-        <p:spPr/>
-        <p:txBody>
-          <a:bodyPr>
-            <a:noAutofit/>
-          </a:bodyPr>
-          <a:lstStyle/>
-          <a:p>
-            <a:r>
-              <a:rPr lang="en-US" sz="8000" b="1" dirty="0"/>
-              <a:t>REPORT MODEL</a:t>
-            </a:r>
-          </a:p>
-        </p:txBody>
-      </p:sp>
-      <p:sp>
-        <p:nvSpPr>
-          <p:cNvPr id="3" name="Subtitle 2"/>
-          <p:cNvSpPr>
-            <a:spLocks noGrp="1"/>
-          </p:cNvSpPr>
-          <p:nvPr>
-            <p:ph type="subTitle" idx="1"/>
-          </p:nvPr>
-        </p:nvSpPr>
-        <p:spPr>
-          <a:xfrm>
-            <a:off x="5334000" y="5403059"/>
-            <a:ext cx="7620000" cy="1035842"/>
-          </a:xfrm>
-        </p:spPr>
-        <p:txBody>
-          <a:bodyPr/>
-          <a:lstStyle/>
-          <a:p>
-            <a:pPr algn="l"/>
-            <a:r>
-              <a:rPr lang="en-US" dirty="0"/>
-              <a:t>Date:</a:t>
-            </a:r>
-          </a:p>
-        </p:txBody>
-      </p:sp>
-      <p:pic>
-        <p:nvPicPr>
-          <p:cNvPr id="5" name="Picture 4">
-            <a:extLst>
-              <a:ext uri="{FF2B5EF4-FFF2-40B4-BE49-F238E27FC236}">
-                <a16:creationId xmlns:a16="http://schemas.microsoft.com/office/drawing/2014/main" id="{D494FA4A-59D7-4488-A521-547C53CAFB2D}"/>
-              </a:ext>
-            </a:extLst>
-          </p:cNvPr>
-          <p:cNvPicPr>
-            <a:picLocks noChangeAspect="1"/>
-          </p:cNvPicPr>
-          <p:nvPr/>
-        </p:nvPicPr>
-        <p:blipFill>
-          <a:blip r:embed="rId2">
-            <a:clrChange>
-              <a:clrFrom>
-                <a:srgbClr val="FFFFFF"/>
-              </a:clrFrom>
-              <a:clrTo>
-                <a:srgbClr val="FFFFFF">
-                  <a:alpha val="0"/>
-                </a:srgbClr>
-              </a:clrTo>
-            </a:clrChange>
-            <a:extLst>
-              <a:ext uri="{28A0092B-C50C-407E-A947-70E740481C1C}">
-                <a14:useLocalDpi xmlns:a14="http://schemas.microsoft.com/office/drawing/2010/main" val="0"/>
-              </a:ext>
-            </a:extLst>
-          </a:blip>
-          <a:stretch>
-            <a:fillRect/>
-          </a:stretch>
-        </p:blipFill>
-        <p:spPr>
-          <a:xfrm>
-            <a:off x="228600" y="35923"/>
-            <a:ext cx="2057400" cy="2111901"/>
-          </a:xfrm>
-          <a:prstGeom prst="rect">
-            <a:avLst/>
-          </a:prstGeom>
-        </p:spPr>
-      </p:pic>
-    </p:spTree>
-    <p:extLst>
-      <p:ext uri="{BB962C8B-B14F-4D97-AF65-F5344CB8AC3E}">
-        <p14:creationId xmlns:p14="http://schemas.microsoft.com/office/powerpoint/2010/main" val="2973644266"/>
-      </p:ext>
-    </p:extLst>
-  </p:cSld>
-  <p:clrMapOvr>
-    <a:masterClrMapping/>
-  </p:clrMapOvr>
-</p:sld>
-</file>
-
-<file path=ppt/slides/slide10.xml><?xml version="1.0" encoding="utf-8"?>
-<p:sld xmlns:a="http://schemas.openxmlformats.org/drawingml/2006/main" xmlns:r="http://schemas.openxmlformats.org/officeDocument/2006/relationships" xmlns:p="http://schemas.openxmlformats.org/presentationml/2006/main">
-  <p:cSld>
-    <p:spTree>
-      <p:nvGrpSpPr>
-        <p:cNvPr id="1" name=""/>
-        <p:cNvGrpSpPr/>
-        <p:nvPr/>
-      </p:nvGrpSpPr>
-      <p:grpSpPr>
-        <a:xfrm>
-          <a:off x="0" y="0"/>
-          <a:ext cx="0" cy="0"/>
-          <a:chOff x="0" y="0"/>
-          <a:chExt cx="0" cy="0"/>
-        </a:xfrm>
-      </p:grpSpPr>
-      <p:sp>
-        <p:nvSpPr>
-          <p:cNvPr id="2" name="Freeform 2"/>
-          <p:cNvSpPr/>
-          <p:nvPr/>
-        </p:nvSpPr>
-        <p:spPr>
-          <a:xfrm flipH="1" flipV="1">
-            <a:off x="52251" y="0"/>
-            <a:ext cx="18288000" cy="10287000"/>
-          </a:xfrm>
-          <a:custGeom>
-            <a:avLst/>
-            <a:gdLst/>
-            <a:ahLst/>
-            <a:cxnLst/>
-            <a:rect l="l" t="t" r="r" b="b"/>
-            <a:pathLst>
-              <a:path w="18288000" h="10287000">
-                <a:moveTo>
-                  <a:pt x="18288000" y="10287000"/>
-                </a:moveTo>
-                <a:lnTo>
-                  <a:pt x="0" y="10287000"/>
-                </a:lnTo>
-                <a:lnTo>
-                  <a:pt x="0" y="0"/>
-                </a:lnTo>
-                <a:lnTo>
-                  <a:pt x="18288000" y="0"/>
-                </a:lnTo>
-                <a:lnTo>
-                  <a:pt x="18288000" y="10287000"/>
-                </a:lnTo>
-                <a:close/>
-              </a:path>
-            </a:pathLst>
-          </a:custGeom>
-          <a:blipFill>
-            <a:blip r:embed="rId2"/>
-            <a:stretch>
-              <a:fillRect t="-38888" b="-38888"/>
-            </a:stretch>
-          </a:blipFill>
-        </p:spPr>
-        <p:txBody>
-          <a:bodyPr/>
-          <a:lstStyle/>
-          <a:p>
-            <a:endParaRPr lang="en-ID"/>
-          </a:p>
-        </p:txBody>
-      </p:sp>
       <p:grpSp>
         <p:nvGrpSpPr>
-          <p:cNvPr id="3" name="Group 3"/>
+          <p:cNvPr id="4" name="Group 3">
+            <a:extLst>
+              <a:ext uri="{FF2B5EF4-FFF2-40B4-BE49-F238E27FC236}">
+                <a16:creationId xmlns:a16="http://schemas.microsoft.com/office/drawing/2014/main" id="{7EC40AFE-5D84-9D46-71A5-E959DE5DFB6D}"/>
+              </a:ext>
+            </a:extLst>
+          </p:cNvPr>
           <p:cNvGrpSpPr/>
           <p:nvPr/>
         </p:nvGrpSpPr>
         <p:grpSpPr>
           <a:xfrm>
-            <a:off x="1" y="-7563"/>
-            <a:ext cx="4492376" cy="10674983"/>
-            <a:chOff x="0" y="0"/>
-            <a:chExt cx="450623" cy="2811518"/>
+            <a:off x="1" y="-79893"/>
+            <a:ext cx="8103011" cy="6937893"/>
+            <a:chOff x="0" y="-19050"/>
+            <a:chExt cx="812800" cy="2830568"/>
           </a:xfrm>
         </p:grpSpPr>
         <p:sp>
           <p:nvSpPr>
-            <p:cNvPr id="4" name="Freeform 4"/>
+            <p:cNvPr id="5" name="Freeform 4">
+              <a:extLst>
+                <a:ext uri="{FF2B5EF4-FFF2-40B4-BE49-F238E27FC236}">
+                  <a16:creationId xmlns:a16="http://schemas.microsoft.com/office/drawing/2014/main" id="{E25FFD42-64E3-2676-FF34-F3B17DCFB06B}"/>
+                </a:ext>
+              </a:extLst>
+            </p:cNvPr>
             <p:cNvSpPr/>
             <p:nvPr/>
           </p:nvSpPr>
@@ -6240,7 +3635,13 @@
         </p:sp>
         <p:sp>
           <p:nvSpPr>
-            <p:cNvPr id="5" name="TextBox 5"/>
+            <p:cNvPr id="6" name="TextBox 5">
+              <a:extLst>
+                <a:ext uri="{FF2B5EF4-FFF2-40B4-BE49-F238E27FC236}">
+                  <a16:creationId xmlns:a16="http://schemas.microsoft.com/office/drawing/2014/main" id="{3BF6D63C-86D1-CDEF-9556-E7DB9E317444}"/>
+                </a:ext>
+              </a:extLst>
+            </p:cNvPr>
             <p:cNvSpPr txBox="1"/>
             <p:nvPr/>
           </p:nvSpPr>
@@ -6272,10 +3673,10 @@
       </p:grpSp>
       <p:sp>
         <p:nvSpPr>
-          <p:cNvPr id="8" name="TextBox 12">
-            <a:extLst>
-              <a:ext uri="{FF2B5EF4-FFF2-40B4-BE49-F238E27FC236}">
-                <a16:creationId xmlns:a16="http://schemas.microsoft.com/office/drawing/2014/main" id="{3F379D6F-7BB8-49BB-974D-F79DABF6DE31}"/>
+          <p:cNvPr id="7" name="TextBox 12">
+            <a:extLst>
+              <a:ext uri="{FF2B5EF4-FFF2-40B4-BE49-F238E27FC236}">
+                <a16:creationId xmlns:a16="http://schemas.microsoft.com/office/drawing/2014/main" id="{A147BFC1-36C5-0543-D129-726DE13451E2}"/>
               </a:ext>
             </a:extLst>
           </p:cNvPr>
@@ -6284,15 +3685,15 @@
         </p:nvSpPr>
         <p:spPr>
           <a:xfrm>
-            <a:off x="2514600" y="571500"/>
-            <a:ext cx="7345101" cy="615553"/>
+            <a:off x="684089" y="324011"/>
+            <a:ext cx="3124200" cy="615553"/>
           </a:xfrm>
           <a:prstGeom prst="rect">
             <a:avLst/>
           </a:prstGeom>
         </p:spPr>
         <p:txBody>
-          <a:bodyPr lIns="0" tIns="0" rIns="0" bIns="0" rtlCol="0" anchor="t">
+          <a:bodyPr wrap="square" lIns="0" tIns="0" rIns="0" bIns="0" rtlCol="0" anchor="t">
             <a:spAutoFit/>
           </a:bodyPr>
           <a:lstStyle/>
@@ -6307,7 +3708,8 @@
                 <a:solidFill>
                   <a:srgbClr val="040506"/>
                 </a:solidFill>
-                <a:latin typeface="Archivo Black"/>
+                <a:latin typeface="Aharoni" panose="02010803020104030203" pitchFamily="2" charset="-79"/>
+                <a:cs typeface="Aharoni" panose="02010803020104030203" pitchFamily="2" charset="-79"/>
               </a:rPr>
               <a:t>Sub-Title</a:t>
             </a:r>
@@ -6316,10 +3718,10 @@
       </p:sp>
       <p:pic>
         <p:nvPicPr>
-          <p:cNvPr id="10" name="Picture 9">
-            <a:extLst>
-              <a:ext uri="{FF2B5EF4-FFF2-40B4-BE49-F238E27FC236}">
-                <a16:creationId xmlns:a16="http://schemas.microsoft.com/office/drawing/2014/main" id="{15B765A7-0E18-4877-A017-C6895A46F4B3}"/>
+          <p:cNvPr id="8" name="Picture 7" descr="A black and white logo&#10;&#10;Description automatically generated">
+            <a:extLst>
+              <a:ext uri="{FF2B5EF4-FFF2-40B4-BE49-F238E27FC236}">
+                <a16:creationId xmlns:a16="http://schemas.microsoft.com/office/drawing/2014/main" id="{F3590E98-FB91-32CB-63E0-1C83FEB5B6D4}"/>
               </a:ext>
             </a:extLst>
           </p:cNvPr>
@@ -6352,8 +3754,8 @@
         </p:blipFill>
         <p:spPr>
           <a:xfrm>
-            <a:off x="16178349" y="-1089"/>
-            <a:ext cx="2057400" cy="2111901"/>
+            <a:off x="10957559" y="1044884"/>
+            <a:ext cx="1005841" cy="1032486"/>
           </a:xfrm>
           <a:prstGeom prst="rect">
             <a:avLst/>
@@ -6363,7 +3765,7 @@
     </p:spTree>
     <p:extLst>
       <p:ext uri="{BB962C8B-B14F-4D97-AF65-F5344CB8AC3E}">
-        <p14:creationId xmlns:p14="http://schemas.microsoft.com/office/powerpoint/2010/main" val="3733932379"/>
+        <p14:creationId xmlns:p14="http://schemas.microsoft.com/office/powerpoint/2010/main" val="1171363331"/>
       </p:ext>
     </p:extLst>
   </p:cSld>
@@ -6376,6 +3778,20 @@
 <file path=ppt/slides/slide11.xml><?xml version="1.0" encoding="utf-8"?>
 <p:sld xmlns:a="http://schemas.openxmlformats.org/drawingml/2006/main" xmlns:r="http://schemas.openxmlformats.org/officeDocument/2006/relationships" xmlns:p="http://schemas.openxmlformats.org/presentationml/2006/main">
   <p:cSld>
+    <p:bg>
+      <p:bgPr>
+        <a:blipFill dpi="0" rotWithShape="1">
+          <a:blip r:embed="rId2">
+            <a:lum/>
+          </a:blip>
+          <a:srcRect/>
+          <a:stretch>
+            <a:fillRect/>
+          </a:stretch>
+        </a:blipFill>
+        <a:effectLst/>
+      </p:bgPr>
+    </p:bg>
     <p:spTree>
       <p:nvGrpSpPr>
         <p:cNvPr id="1" name=""/>
@@ -6390,76 +3806,35 @@
           <a:chExt cx="0" cy="0"/>
         </a:xfrm>
       </p:grpSpPr>
-      <p:sp>
-        <p:nvSpPr>
-          <p:cNvPr id="2" name="Freeform 2"/>
-          <p:cNvSpPr/>
-          <p:nvPr/>
-        </p:nvSpPr>
-        <p:spPr>
-          <a:xfrm flipH="1" flipV="1">
-            <a:off x="52251" y="0"/>
-            <a:ext cx="18288000" cy="10287000"/>
-          </a:xfrm>
-          <a:custGeom>
-            <a:avLst/>
-            <a:gdLst/>
-            <a:ahLst/>
-            <a:cxnLst/>
-            <a:rect l="l" t="t" r="r" b="b"/>
-            <a:pathLst>
-              <a:path w="18288000" h="10287000">
-                <a:moveTo>
-                  <a:pt x="18288000" y="10287000"/>
-                </a:moveTo>
-                <a:lnTo>
-                  <a:pt x="0" y="10287000"/>
-                </a:lnTo>
-                <a:lnTo>
-                  <a:pt x="0" y="0"/>
-                </a:lnTo>
-                <a:lnTo>
-                  <a:pt x="18288000" y="0"/>
-                </a:lnTo>
-                <a:lnTo>
-                  <a:pt x="18288000" y="10287000"/>
-                </a:lnTo>
-                <a:close/>
-              </a:path>
-            </a:pathLst>
-          </a:custGeom>
-          <a:blipFill>
-            <a:blip r:embed="rId2"/>
-            <a:stretch>
-              <a:fillRect t="-38888" b="-38888"/>
-            </a:stretch>
-          </a:blipFill>
-        </p:spPr>
-        <p:txBody>
-          <a:bodyPr/>
-          <a:lstStyle/>
-          <a:p>
-            <a:endParaRPr lang="en-ID"/>
-          </a:p>
-        </p:txBody>
-      </p:sp>
       <p:grpSp>
         <p:nvGrpSpPr>
-          <p:cNvPr id="3" name="Group 3"/>
+          <p:cNvPr id="4" name="Group 3">
+            <a:extLst>
+              <a:ext uri="{FF2B5EF4-FFF2-40B4-BE49-F238E27FC236}">
+                <a16:creationId xmlns:a16="http://schemas.microsoft.com/office/drawing/2014/main" id="{7EC40AFE-5D84-9D46-71A5-E959DE5DFB6D}"/>
+              </a:ext>
+            </a:extLst>
+          </p:cNvPr>
           <p:cNvGrpSpPr/>
           <p:nvPr/>
         </p:nvGrpSpPr>
         <p:grpSpPr>
           <a:xfrm>
-            <a:off x="1" y="-7563"/>
-            <a:ext cx="4492376" cy="10674983"/>
-            <a:chOff x="0" y="0"/>
-            <a:chExt cx="450623" cy="2811518"/>
+            <a:off x="1" y="-79893"/>
+            <a:ext cx="8103011" cy="6937893"/>
+            <a:chOff x="0" y="-19050"/>
+            <a:chExt cx="812800" cy="2830568"/>
           </a:xfrm>
         </p:grpSpPr>
         <p:sp>
           <p:nvSpPr>
-            <p:cNvPr id="4" name="Freeform 4"/>
+            <p:cNvPr id="5" name="Freeform 4">
+              <a:extLst>
+                <a:ext uri="{FF2B5EF4-FFF2-40B4-BE49-F238E27FC236}">
+                  <a16:creationId xmlns:a16="http://schemas.microsoft.com/office/drawing/2014/main" id="{E25FFD42-64E3-2676-FF34-F3B17DCFB06B}"/>
+                </a:ext>
+              </a:extLst>
+            </p:cNvPr>
             <p:cNvSpPr/>
             <p:nvPr/>
           </p:nvSpPr>
@@ -6531,7 +3906,13 @@
         </p:sp>
         <p:sp>
           <p:nvSpPr>
-            <p:cNvPr id="5" name="TextBox 5"/>
+            <p:cNvPr id="6" name="TextBox 5">
+              <a:extLst>
+                <a:ext uri="{FF2B5EF4-FFF2-40B4-BE49-F238E27FC236}">
+                  <a16:creationId xmlns:a16="http://schemas.microsoft.com/office/drawing/2014/main" id="{3BF6D63C-86D1-CDEF-9556-E7DB9E317444}"/>
+                </a:ext>
+              </a:extLst>
+            </p:cNvPr>
             <p:cNvSpPr txBox="1"/>
             <p:nvPr/>
           </p:nvSpPr>
@@ -6563,10 +3944,10 @@
       </p:grpSp>
       <p:sp>
         <p:nvSpPr>
-          <p:cNvPr id="8" name="TextBox 12">
-            <a:extLst>
-              <a:ext uri="{FF2B5EF4-FFF2-40B4-BE49-F238E27FC236}">
-                <a16:creationId xmlns:a16="http://schemas.microsoft.com/office/drawing/2014/main" id="{3F379D6F-7BB8-49BB-974D-F79DABF6DE31}"/>
+          <p:cNvPr id="7" name="TextBox 12">
+            <a:extLst>
+              <a:ext uri="{FF2B5EF4-FFF2-40B4-BE49-F238E27FC236}">
+                <a16:creationId xmlns:a16="http://schemas.microsoft.com/office/drawing/2014/main" id="{A147BFC1-36C5-0543-D129-726DE13451E2}"/>
               </a:ext>
             </a:extLst>
           </p:cNvPr>
@@ -6575,15 +3956,15 @@
         </p:nvSpPr>
         <p:spPr>
           <a:xfrm>
-            <a:off x="2514600" y="571500"/>
-            <a:ext cx="7345101" cy="615553"/>
+            <a:off x="684089" y="324011"/>
+            <a:ext cx="3124200" cy="615553"/>
           </a:xfrm>
           <a:prstGeom prst="rect">
             <a:avLst/>
           </a:prstGeom>
         </p:spPr>
         <p:txBody>
-          <a:bodyPr lIns="0" tIns="0" rIns="0" bIns="0" rtlCol="0" anchor="t">
+          <a:bodyPr wrap="square" lIns="0" tIns="0" rIns="0" bIns="0" rtlCol="0" anchor="t">
             <a:spAutoFit/>
           </a:bodyPr>
           <a:lstStyle/>
@@ -6598,7 +3979,8 @@
                 <a:solidFill>
                   <a:srgbClr val="040506"/>
                 </a:solidFill>
-                <a:latin typeface="Archivo Black"/>
+                <a:latin typeface="Aharoni" panose="02010803020104030203" pitchFamily="2" charset="-79"/>
+                <a:cs typeface="Aharoni" panose="02010803020104030203" pitchFamily="2" charset="-79"/>
               </a:rPr>
               <a:t>Sub-Title</a:t>
             </a:r>
@@ -6607,10 +3989,10 @@
       </p:sp>
       <p:pic>
         <p:nvPicPr>
-          <p:cNvPr id="10" name="Picture 9">
-            <a:extLst>
-              <a:ext uri="{FF2B5EF4-FFF2-40B4-BE49-F238E27FC236}">
-                <a16:creationId xmlns:a16="http://schemas.microsoft.com/office/drawing/2014/main" id="{86D9E97D-610A-4BBA-A986-546905D23D19}"/>
+          <p:cNvPr id="8" name="Picture 7" descr="A black and white logo&#10;&#10;Description automatically generated">
+            <a:extLst>
+              <a:ext uri="{FF2B5EF4-FFF2-40B4-BE49-F238E27FC236}">
+                <a16:creationId xmlns:a16="http://schemas.microsoft.com/office/drawing/2014/main" id="{F3590E98-FB91-32CB-63E0-1C83FEB5B6D4}"/>
               </a:ext>
             </a:extLst>
           </p:cNvPr>
@@ -6643,8 +4025,8 @@
         </p:blipFill>
         <p:spPr>
           <a:xfrm>
-            <a:off x="16178349" y="-1089"/>
-            <a:ext cx="2057400" cy="2111901"/>
+            <a:off x="10957559" y="1044884"/>
+            <a:ext cx="1005841" cy="1032486"/>
           </a:xfrm>
           <a:prstGeom prst="rect">
             <a:avLst/>
@@ -6654,7 +4036,7 @@
     </p:spTree>
     <p:extLst>
       <p:ext uri="{BB962C8B-B14F-4D97-AF65-F5344CB8AC3E}">
-        <p14:creationId xmlns:p14="http://schemas.microsoft.com/office/powerpoint/2010/main" val="2146298413"/>
+        <p14:creationId xmlns:p14="http://schemas.microsoft.com/office/powerpoint/2010/main" val="1975350660"/>
       </p:ext>
     </p:extLst>
   </p:cSld>
@@ -6667,6 +4049,20 @@
 <file path=ppt/slides/slide12.xml><?xml version="1.0" encoding="utf-8"?>
 <p:sld xmlns:a="http://schemas.openxmlformats.org/drawingml/2006/main" xmlns:r="http://schemas.openxmlformats.org/officeDocument/2006/relationships" xmlns:p="http://schemas.openxmlformats.org/presentationml/2006/main">
   <p:cSld>
+    <p:bg>
+      <p:bgPr>
+        <a:blipFill dpi="0" rotWithShape="1">
+          <a:blip r:embed="rId2">
+            <a:lum/>
+          </a:blip>
+          <a:srcRect/>
+          <a:stretch>
+            <a:fillRect/>
+          </a:stretch>
+        </a:blipFill>
+        <a:effectLst/>
+      </p:bgPr>
+    </p:bg>
     <p:spTree>
       <p:nvGrpSpPr>
         <p:cNvPr id="1" name=""/>
@@ -6681,76 +4077,35 @@
           <a:chExt cx="0" cy="0"/>
         </a:xfrm>
       </p:grpSpPr>
-      <p:sp>
-        <p:nvSpPr>
-          <p:cNvPr id="2" name="Freeform 2"/>
-          <p:cNvSpPr/>
-          <p:nvPr/>
-        </p:nvSpPr>
-        <p:spPr>
-          <a:xfrm flipH="1" flipV="1">
-            <a:off x="52251" y="0"/>
-            <a:ext cx="18288000" cy="10287000"/>
-          </a:xfrm>
-          <a:custGeom>
-            <a:avLst/>
-            <a:gdLst/>
-            <a:ahLst/>
-            <a:cxnLst/>
-            <a:rect l="l" t="t" r="r" b="b"/>
-            <a:pathLst>
-              <a:path w="18288000" h="10287000">
-                <a:moveTo>
-                  <a:pt x="18288000" y="10287000"/>
-                </a:moveTo>
-                <a:lnTo>
-                  <a:pt x="0" y="10287000"/>
-                </a:lnTo>
-                <a:lnTo>
-                  <a:pt x="0" y="0"/>
-                </a:lnTo>
-                <a:lnTo>
-                  <a:pt x="18288000" y="0"/>
-                </a:lnTo>
-                <a:lnTo>
-                  <a:pt x="18288000" y="10287000"/>
-                </a:lnTo>
-                <a:close/>
-              </a:path>
-            </a:pathLst>
-          </a:custGeom>
-          <a:blipFill>
-            <a:blip r:embed="rId2"/>
-            <a:stretch>
-              <a:fillRect t="-38888" b="-38888"/>
-            </a:stretch>
-          </a:blipFill>
-        </p:spPr>
-        <p:txBody>
-          <a:bodyPr/>
-          <a:lstStyle/>
-          <a:p>
-            <a:endParaRPr lang="en-ID"/>
-          </a:p>
-        </p:txBody>
-      </p:sp>
       <p:grpSp>
         <p:nvGrpSpPr>
-          <p:cNvPr id="3" name="Group 3"/>
+          <p:cNvPr id="4" name="Group 3">
+            <a:extLst>
+              <a:ext uri="{FF2B5EF4-FFF2-40B4-BE49-F238E27FC236}">
+                <a16:creationId xmlns:a16="http://schemas.microsoft.com/office/drawing/2014/main" id="{7EC40AFE-5D84-9D46-71A5-E959DE5DFB6D}"/>
+              </a:ext>
+            </a:extLst>
+          </p:cNvPr>
           <p:cNvGrpSpPr/>
           <p:nvPr/>
         </p:nvGrpSpPr>
         <p:grpSpPr>
           <a:xfrm>
-            <a:off x="1" y="-7563"/>
-            <a:ext cx="4492376" cy="10674983"/>
-            <a:chOff x="0" y="0"/>
-            <a:chExt cx="450623" cy="2811518"/>
+            <a:off x="1" y="-79893"/>
+            <a:ext cx="8103011" cy="6937893"/>
+            <a:chOff x="0" y="-19050"/>
+            <a:chExt cx="812800" cy="2830568"/>
           </a:xfrm>
         </p:grpSpPr>
         <p:sp>
           <p:nvSpPr>
-            <p:cNvPr id="4" name="Freeform 4"/>
+            <p:cNvPr id="5" name="Freeform 4">
+              <a:extLst>
+                <a:ext uri="{FF2B5EF4-FFF2-40B4-BE49-F238E27FC236}">
+                  <a16:creationId xmlns:a16="http://schemas.microsoft.com/office/drawing/2014/main" id="{E25FFD42-64E3-2676-FF34-F3B17DCFB06B}"/>
+                </a:ext>
+              </a:extLst>
+            </p:cNvPr>
             <p:cNvSpPr/>
             <p:nvPr/>
           </p:nvSpPr>
@@ -6822,7 +4177,13 @@
         </p:sp>
         <p:sp>
           <p:nvSpPr>
-            <p:cNvPr id="5" name="TextBox 5"/>
+            <p:cNvPr id="6" name="TextBox 5">
+              <a:extLst>
+                <a:ext uri="{FF2B5EF4-FFF2-40B4-BE49-F238E27FC236}">
+                  <a16:creationId xmlns:a16="http://schemas.microsoft.com/office/drawing/2014/main" id="{3BF6D63C-86D1-CDEF-9556-E7DB9E317444}"/>
+                </a:ext>
+              </a:extLst>
+            </p:cNvPr>
             <p:cNvSpPr txBox="1"/>
             <p:nvPr/>
           </p:nvSpPr>
@@ -6854,10 +4215,10 @@
       </p:grpSp>
       <p:sp>
         <p:nvSpPr>
-          <p:cNvPr id="8" name="TextBox 12">
-            <a:extLst>
-              <a:ext uri="{FF2B5EF4-FFF2-40B4-BE49-F238E27FC236}">
-                <a16:creationId xmlns:a16="http://schemas.microsoft.com/office/drawing/2014/main" id="{3F379D6F-7BB8-49BB-974D-F79DABF6DE31}"/>
+          <p:cNvPr id="7" name="TextBox 12">
+            <a:extLst>
+              <a:ext uri="{FF2B5EF4-FFF2-40B4-BE49-F238E27FC236}">
+                <a16:creationId xmlns:a16="http://schemas.microsoft.com/office/drawing/2014/main" id="{A147BFC1-36C5-0543-D129-726DE13451E2}"/>
               </a:ext>
             </a:extLst>
           </p:cNvPr>
@@ -6866,15 +4227,15 @@
         </p:nvSpPr>
         <p:spPr>
           <a:xfrm>
-            <a:off x="2514600" y="571500"/>
-            <a:ext cx="7345101" cy="615553"/>
+            <a:off x="684089" y="324011"/>
+            <a:ext cx="3124200" cy="615553"/>
           </a:xfrm>
           <a:prstGeom prst="rect">
             <a:avLst/>
           </a:prstGeom>
         </p:spPr>
         <p:txBody>
-          <a:bodyPr lIns="0" tIns="0" rIns="0" bIns="0" rtlCol="0" anchor="t">
+          <a:bodyPr wrap="square" lIns="0" tIns="0" rIns="0" bIns="0" rtlCol="0" anchor="t">
             <a:spAutoFit/>
           </a:bodyPr>
           <a:lstStyle/>
@@ -6889,7 +4250,8 @@
                 <a:solidFill>
                   <a:srgbClr val="040506"/>
                 </a:solidFill>
-                <a:latin typeface="Archivo Black"/>
+                <a:latin typeface="Aharoni" panose="02010803020104030203" pitchFamily="2" charset="-79"/>
+                <a:cs typeface="Aharoni" panose="02010803020104030203" pitchFamily="2" charset="-79"/>
               </a:rPr>
               <a:t>Sub-Title</a:t>
             </a:r>
@@ -6898,10 +4260,10 @@
       </p:sp>
       <p:pic>
         <p:nvPicPr>
-          <p:cNvPr id="10" name="Picture 9">
-            <a:extLst>
-              <a:ext uri="{FF2B5EF4-FFF2-40B4-BE49-F238E27FC236}">
-                <a16:creationId xmlns:a16="http://schemas.microsoft.com/office/drawing/2014/main" id="{586C4813-1A54-44B2-9DBC-4B59C6B4AD38}"/>
+          <p:cNvPr id="8" name="Picture 7" descr="A black and white logo&#10;&#10;Description automatically generated">
+            <a:extLst>
+              <a:ext uri="{FF2B5EF4-FFF2-40B4-BE49-F238E27FC236}">
+                <a16:creationId xmlns:a16="http://schemas.microsoft.com/office/drawing/2014/main" id="{F3590E98-FB91-32CB-63E0-1C83FEB5B6D4}"/>
               </a:ext>
             </a:extLst>
           </p:cNvPr>
@@ -6934,8 +4296,8 @@
         </p:blipFill>
         <p:spPr>
           <a:xfrm>
-            <a:off x="16178349" y="-1089"/>
-            <a:ext cx="2057400" cy="2111901"/>
+            <a:off x="10957559" y="1044884"/>
+            <a:ext cx="1005841" cy="1032486"/>
           </a:xfrm>
           <a:prstGeom prst="rect">
             <a:avLst/>
@@ -6945,7 +4307,7 @@
     </p:spTree>
     <p:extLst>
       <p:ext uri="{BB962C8B-B14F-4D97-AF65-F5344CB8AC3E}">
-        <p14:creationId xmlns:p14="http://schemas.microsoft.com/office/powerpoint/2010/main" val="3385344853"/>
+        <p14:creationId xmlns:p14="http://schemas.microsoft.com/office/powerpoint/2010/main" val="252762602"/>
       </p:ext>
     </p:extLst>
   </p:cSld>
@@ -6958,6 +4320,20 @@
 <file path=ppt/slides/slide13.xml><?xml version="1.0" encoding="utf-8"?>
 <p:sld xmlns:a="http://schemas.openxmlformats.org/drawingml/2006/main" xmlns:r="http://schemas.openxmlformats.org/officeDocument/2006/relationships" xmlns:p="http://schemas.openxmlformats.org/presentationml/2006/main">
   <p:cSld>
+    <p:bg>
+      <p:bgPr>
+        <a:blipFill dpi="0" rotWithShape="1">
+          <a:blip r:embed="rId2">
+            <a:lum/>
+          </a:blip>
+          <a:srcRect/>
+          <a:stretch>
+            <a:fillRect/>
+          </a:stretch>
+        </a:blipFill>
+        <a:effectLst/>
+      </p:bgPr>
+    </p:bg>
     <p:spTree>
       <p:nvGrpSpPr>
         <p:cNvPr id="1" name=""/>
@@ -6972,76 +4348,35 @@
           <a:chExt cx="0" cy="0"/>
         </a:xfrm>
       </p:grpSpPr>
-      <p:sp>
-        <p:nvSpPr>
-          <p:cNvPr id="2" name="Freeform 2"/>
-          <p:cNvSpPr/>
-          <p:nvPr/>
-        </p:nvSpPr>
-        <p:spPr>
-          <a:xfrm flipH="1" flipV="1">
-            <a:off x="52251" y="0"/>
-            <a:ext cx="18288000" cy="10287000"/>
-          </a:xfrm>
-          <a:custGeom>
-            <a:avLst/>
-            <a:gdLst/>
-            <a:ahLst/>
-            <a:cxnLst/>
-            <a:rect l="l" t="t" r="r" b="b"/>
-            <a:pathLst>
-              <a:path w="18288000" h="10287000">
-                <a:moveTo>
-                  <a:pt x="18288000" y="10287000"/>
-                </a:moveTo>
-                <a:lnTo>
-                  <a:pt x="0" y="10287000"/>
-                </a:lnTo>
-                <a:lnTo>
-                  <a:pt x="0" y="0"/>
-                </a:lnTo>
-                <a:lnTo>
-                  <a:pt x="18288000" y="0"/>
-                </a:lnTo>
-                <a:lnTo>
-                  <a:pt x="18288000" y="10287000"/>
-                </a:lnTo>
-                <a:close/>
-              </a:path>
-            </a:pathLst>
-          </a:custGeom>
-          <a:blipFill>
-            <a:blip r:embed="rId2"/>
-            <a:stretch>
-              <a:fillRect t="-38888" b="-38888"/>
-            </a:stretch>
-          </a:blipFill>
-        </p:spPr>
-        <p:txBody>
-          <a:bodyPr/>
-          <a:lstStyle/>
-          <a:p>
-            <a:endParaRPr lang="en-ID"/>
-          </a:p>
-        </p:txBody>
-      </p:sp>
       <p:grpSp>
         <p:nvGrpSpPr>
-          <p:cNvPr id="3" name="Group 3"/>
+          <p:cNvPr id="4" name="Group 3">
+            <a:extLst>
+              <a:ext uri="{FF2B5EF4-FFF2-40B4-BE49-F238E27FC236}">
+                <a16:creationId xmlns:a16="http://schemas.microsoft.com/office/drawing/2014/main" id="{7EC40AFE-5D84-9D46-71A5-E959DE5DFB6D}"/>
+              </a:ext>
+            </a:extLst>
+          </p:cNvPr>
           <p:cNvGrpSpPr/>
           <p:nvPr/>
         </p:nvGrpSpPr>
         <p:grpSpPr>
           <a:xfrm>
-            <a:off x="1" y="-7563"/>
-            <a:ext cx="4492376" cy="10674983"/>
-            <a:chOff x="0" y="0"/>
-            <a:chExt cx="450623" cy="2811518"/>
+            <a:off x="1" y="-79893"/>
+            <a:ext cx="8103011" cy="6937893"/>
+            <a:chOff x="0" y="-19050"/>
+            <a:chExt cx="812800" cy="2830568"/>
           </a:xfrm>
         </p:grpSpPr>
         <p:sp>
           <p:nvSpPr>
-            <p:cNvPr id="4" name="Freeform 4"/>
+            <p:cNvPr id="5" name="Freeform 4">
+              <a:extLst>
+                <a:ext uri="{FF2B5EF4-FFF2-40B4-BE49-F238E27FC236}">
+                  <a16:creationId xmlns:a16="http://schemas.microsoft.com/office/drawing/2014/main" id="{E25FFD42-64E3-2676-FF34-F3B17DCFB06B}"/>
+                </a:ext>
+              </a:extLst>
+            </p:cNvPr>
             <p:cNvSpPr/>
             <p:nvPr/>
           </p:nvSpPr>
@@ -7113,7 +4448,13 @@
         </p:sp>
         <p:sp>
           <p:nvSpPr>
-            <p:cNvPr id="5" name="TextBox 5"/>
+            <p:cNvPr id="6" name="TextBox 5">
+              <a:extLst>
+                <a:ext uri="{FF2B5EF4-FFF2-40B4-BE49-F238E27FC236}">
+                  <a16:creationId xmlns:a16="http://schemas.microsoft.com/office/drawing/2014/main" id="{3BF6D63C-86D1-CDEF-9556-E7DB9E317444}"/>
+                </a:ext>
+              </a:extLst>
+            </p:cNvPr>
             <p:cNvSpPr txBox="1"/>
             <p:nvPr/>
           </p:nvSpPr>
@@ -7145,10 +4486,10 @@
       </p:grpSp>
       <p:sp>
         <p:nvSpPr>
-          <p:cNvPr id="8" name="TextBox 12">
-            <a:extLst>
-              <a:ext uri="{FF2B5EF4-FFF2-40B4-BE49-F238E27FC236}">
-                <a16:creationId xmlns:a16="http://schemas.microsoft.com/office/drawing/2014/main" id="{3F379D6F-7BB8-49BB-974D-F79DABF6DE31}"/>
+          <p:cNvPr id="7" name="TextBox 12">
+            <a:extLst>
+              <a:ext uri="{FF2B5EF4-FFF2-40B4-BE49-F238E27FC236}">
+                <a16:creationId xmlns:a16="http://schemas.microsoft.com/office/drawing/2014/main" id="{A147BFC1-36C5-0543-D129-726DE13451E2}"/>
               </a:ext>
             </a:extLst>
           </p:cNvPr>
@@ -7157,15 +4498,15 @@
         </p:nvSpPr>
         <p:spPr>
           <a:xfrm>
-            <a:off x="2514600" y="571500"/>
-            <a:ext cx="7345101" cy="615553"/>
+            <a:off x="684089" y="324011"/>
+            <a:ext cx="3124200" cy="615553"/>
           </a:xfrm>
           <a:prstGeom prst="rect">
             <a:avLst/>
           </a:prstGeom>
         </p:spPr>
         <p:txBody>
-          <a:bodyPr lIns="0" tIns="0" rIns="0" bIns="0" rtlCol="0" anchor="t">
+          <a:bodyPr wrap="square" lIns="0" tIns="0" rIns="0" bIns="0" rtlCol="0" anchor="t">
             <a:spAutoFit/>
           </a:bodyPr>
           <a:lstStyle/>
@@ -7180,7 +4521,8 @@
                 <a:solidFill>
                   <a:srgbClr val="040506"/>
                 </a:solidFill>
-                <a:latin typeface="Archivo Black"/>
+                <a:latin typeface="Aharoni" panose="02010803020104030203" pitchFamily="2" charset="-79"/>
+                <a:cs typeface="Aharoni" panose="02010803020104030203" pitchFamily="2" charset="-79"/>
               </a:rPr>
               <a:t>Sub-Title</a:t>
             </a:r>
@@ -7189,10 +4531,10 @@
       </p:sp>
       <p:pic>
         <p:nvPicPr>
-          <p:cNvPr id="10" name="Picture 9">
-            <a:extLst>
-              <a:ext uri="{FF2B5EF4-FFF2-40B4-BE49-F238E27FC236}">
-                <a16:creationId xmlns:a16="http://schemas.microsoft.com/office/drawing/2014/main" id="{E7ED5FA8-4895-47BD-86F6-F8301E3DB9C4}"/>
+          <p:cNvPr id="8" name="Picture 7" descr="A black and white logo&#10;&#10;Description automatically generated">
+            <a:extLst>
+              <a:ext uri="{FF2B5EF4-FFF2-40B4-BE49-F238E27FC236}">
+                <a16:creationId xmlns:a16="http://schemas.microsoft.com/office/drawing/2014/main" id="{F3590E98-FB91-32CB-63E0-1C83FEB5B6D4}"/>
               </a:ext>
             </a:extLst>
           </p:cNvPr>
@@ -7225,8 +4567,8 @@
         </p:blipFill>
         <p:spPr>
           <a:xfrm>
-            <a:off x="16178349" y="-1089"/>
-            <a:ext cx="2057400" cy="2111901"/>
+            <a:off x="10957559" y="1044884"/>
+            <a:ext cx="1005841" cy="1032486"/>
           </a:xfrm>
           <a:prstGeom prst="rect">
             <a:avLst/>
@@ -7236,7 +4578,7 @@
     </p:spTree>
     <p:extLst>
       <p:ext uri="{BB962C8B-B14F-4D97-AF65-F5344CB8AC3E}">
-        <p14:creationId xmlns:p14="http://schemas.microsoft.com/office/powerpoint/2010/main" val="745910025"/>
+        <p14:creationId xmlns:p14="http://schemas.microsoft.com/office/powerpoint/2010/main" val="869411563"/>
       </p:ext>
     </p:extLst>
   </p:cSld>
@@ -7249,6 +4591,20 @@
 <file path=ppt/slides/slide14.xml><?xml version="1.0" encoding="utf-8"?>
 <p:sld xmlns:a="http://schemas.openxmlformats.org/drawingml/2006/main" xmlns:r="http://schemas.openxmlformats.org/officeDocument/2006/relationships" xmlns:p="http://schemas.openxmlformats.org/presentationml/2006/main">
   <p:cSld>
+    <p:bg>
+      <p:bgPr>
+        <a:blipFill dpi="0" rotWithShape="1">
+          <a:blip r:embed="rId2">
+            <a:lum/>
+          </a:blip>
+          <a:srcRect/>
+          <a:stretch>
+            <a:fillRect/>
+          </a:stretch>
+        </a:blipFill>
+        <a:effectLst/>
+      </p:bgPr>
+    </p:bg>
     <p:spTree>
       <p:nvGrpSpPr>
         <p:cNvPr id="1" name=""/>
@@ -7263,76 +4619,35 @@
           <a:chExt cx="0" cy="0"/>
         </a:xfrm>
       </p:grpSpPr>
-      <p:sp>
-        <p:nvSpPr>
-          <p:cNvPr id="2" name="Freeform 2"/>
-          <p:cNvSpPr/>
-          <p:nvPr/>
-        </p:nvSpPr>
-        <p:spPr>
-          <a:xfrm flipH="1" flipV="1">
-            <a:off x="52251" y="0"/>
-            <a:ext cx="18288000" cy="10287000"/>
-          </a:xfrm>
-          <a:custGeom>
-            <a:avLst/>
-            <a:gdLst/>
-            <a:ahLst/>
-            <a:cxnLst/>
-            <a:rect l="l" t="t" r="r" b="b"/>
-            <a:pathLst>
-              <a:path w="18288000" h="10287000">
-                <a:moveTo>
-                  <a:pt x="18288000" y="10287000"/>
-                </a:moveTo>
-                <a:lnTo>
-                  <a:pt x="0" y="10287000"/>
-                </a:lnTo>
-                <a:lnTo>
-                  <a:pt x="0" y="0"/>
-                </a:lnTo>
-                <a:lnTo>
-                  <a:pt x="18288000" y="0"/>
-                </a:lnTo>
-                <a:lnTo>
-                  <a:pt x="18288000" y="10287000"/>
-                </a:lnTo>
-                <a:close/>
-              </a:path>
-            </a:pathLst>
-          </a:custGeom>
-          <a:blipFill>
-            <a:blip r:embed="rId2"/>
-            <a:stretch>
-              <a:fillRect t="-38888" b="-38888"/>
-            </a:stretch>
-          </a:blipFill>
-        </p:spPr>
-        <p:txBody>
-          <a:bodyPr/>
-          <a:lstStyle/>
-          <a:p>
-            <a:endParaRPr lang="en-ID"/>
-          </a:p>
-        </p:txBody>
-      </p:sp>
       <p:grpSp>
         <p:nvGrpSpPr>
-          <p:cNvPr id="3" name="Group 3"/>
+          <p:cNvPr id="4" name="Group 3">
+            <a:extLst>
+              <a:ext uri="{FF2B5EF4-FFF2-40B4-BE49-F238E27FC236}">
+                <a16:creationId xmlns:a16="http://schemas.microsoft.com/office/drawing/2014/main" id="{7EC40AFE-5D84-9D46-71A5-E959DE5DFB6D}"/>
+              </a:ext>
+            </a:extLst>
+          </p:cNvPr>
           <p:cNvGrpSpPr/>
           <p:nvPr/>
         </p:nvGrpSpPr>
         <p:grpSpPr>
           <a:xfrm>
-            <a:off x="1" y="-7563"/>
-            <a:ext cx="4492376" cy="10674983"/>
-            <a:chOff x="0" y="0"/>
-            <a:chExt cx="450623" cy="2811518"/>
+            <a:off x="1" y="-79893"/>
+            <a:ext cx="8103011" cy="6937893"/>
+            <a:chOff x="0" y="-19050"/>
+            <a:chExt cx="812800" cy="2830568"/>
           </a:xfrm>
         </p:grpSpPr>
         <p:sp>
           <p:nvSpPr>
-            <p:cNvPr id="4" name="Freeform 4"/>
+            <p:cNvPr id="5" name="Freeform 4">
+              <a:extLst>
+                <a:ext uri="{FF2B5EF4-FFF2-40B4-BE49-F238E27FC236}">
+                  <a16:creationId xmlns:a16="http://schemas.microsoft.com/office/drawing/2014/main" id="{E25FFD42-64E3-2676-FF34-F3B17DCFB06B}"/>
+                </a:ext>
+              </a:extLst>
+            </p:cNvPr>
             <p:cNvSpPr/>
             <p:nvPr/>
           </p:nvSpPr>
@@ -7404,7 +4719,13 @@
         </p:sp>
         <p:sp>
           <p:nvSpPr>
-            <p:cNvPr id="5" name="TextBox 5"/>
+            <p:cNvPr id="6" name="TextBox 5">
+              <a:extLst>
+                <a:ext uri="{FF2B5EF4-FFF2-40B4-BE49-F238E27FC236}">
+                  <a16:creationId xmlns:a16="http://schemas.microsoft.com/office/drawing/2014/main" id="{3BF6D63C-86D1-CDEF-9556-E7DB9E317444}"/>
+                </a:ext>
+              </a:extLst>
+            </p:cNvPr>
             <p:cNvSpPr txBox="1"/>
             <p:nvPr/>
           </p:nvSpPr>
@@ -7436,10 +4757,10 @@
       </p:grpSp>
       <p:sp>
         <p:nvSpPr>
-          <p:cNvPr id="8" name="TextBox 12">
-            <a:extLst>
-              <a:ext uri="{FF2B5EF4-FFF2-40B4-BE49-F238E27FC236}">
-                <a16:creationId xmlns:a16="http://schemas.microsoft.com/office/drawing/2014/main" id="{3F379D6F-7BB8-49BB-974D-F79DABF6DE31}"/>
+          <p:cNvPr id="7" name="TextBox 12">
+            <a:extLst>
+              <a:ext uri="{FF2B5EF4-FFF2-40B4-BE49-F238E27FC236}">
+                <a16:creationId xmlns:a16="http://schemas.microsoft.com/office/drawing/2014/main" id="{A147BFC1-36C5-0543-D129-726DE13451E2}"/>
               </a:ext>
             </a:extLst>
           </p:cNvPr>
@@ -7448,15 +4769,15 @@
         </p:nvSpPr>
         <p:spPr>
           <a:xfrm>
-            <a:off x="2514600" y="571500"/>
-            <a:ext cx="7345101" cy="615553"/>
+            <a:off x="684089" y="324011"/>
+            <a:ext cx="3124200" cy="615553"/>
           </a:xfrm>
           <a:prstGeom prst="rect">
             <a:avLst/>
           </a:prstGeom>
         </p:spPr>
         <p:txBody>
-          <a:bodyPr lIns="0" tIns="0" rIns="0" bIns="0" rtlCol="0" anchor="t">
+          <a:bodyPr wrap="square" lIns="0" tIns="0" rIns="0" bIns="0" rtlCol="0" anchor="t">
             <a:spAutoFit/>
           </a:bodyPr>
           <a:lstStyle/>
@@ -7471,7 +4792,8 @@
                 <a:solidFill>
                   <a:srgbClr val="040506"/>
                 </a:solidFill>
-                <a:latin typeface="Archivo Black"/>
+                <a:latin typeface="Aharoni" panose="02010803020104030203" pitchFamily="2" charset="-79"/>
+                <a:cs typeface="Aharoni" panose="02010803020104030203" pitchFamily="2" charset="-79"/>
               </a:rPr>
               <a:t>Sub-Title</a:t>
             </a:r>
@@ -7480,10 +4802,10 @@
       </p:sp>
       <p:pic>
         <p:nvPicPr>
-          <p:cNvPr id="10" name="Picture 9">
-            <a:extLst>
-              <a:ext uri="{FF2B5EF4-FFF2-40B4-BE49-F238E27FC236}">
-                <a16:creationId xmlns:a16="http://schemas.microsoft.com/office/drawing/2014/main" id="{3DC8F7D2-A060-4C07-ACDF-504289E8B4DB}"/>
+          <p:cNvPr id="8" name="Picture 7" descr="A black and white logo&#10;&#10;Description automatically generated">
+            <a:extLst>
+              <a:ext uri="{FF2B5EF4-FFF2-40B4-BE49-F238E27FC236}">
+                <a16:creationId xmlns:a16="http://schemas.microsoft.com/office/drawing/2014/main" id="{F3590E98-FB91-32CB-63E0-1C83FEB5B6D4}"/>
               </a:ext>
             </a:extLst>
           </p:cNvPr>
@@ -7516,8 +4838,8 @@
         </p:blipFill>
         <p:spPr>
           <a:xfrm>
-            <a:off x="16178349" y="-1089"/>
-            <a:ext cx="2057400" cy="2111901"/>
+            <a:off x="10957559" y="1044884"/>
+            <a:ext cx="1005841" cy="1032486"/>
           </a:xfrm>
           <a:prstGeom prst="rect">
             <a:avLst/>
@@ -7527,7 +4849,7 @@
     </p:spTree>
     <p:extLst>
       <p:ext uri="{BB962C8B-B14F-4D97-AF65-F5344CB8AC3E}">
-        <p14:creationId xmlns:p14="http://schemas.microsoft.com/office/powerpoint/2010/main" val="1984181259"/>
+        <p14:creationId xmlns:p14="http://schemas.microsoft.com/office/powerpoint/2010/main" val="2418241254"/>
       </p:ext>
     </p:extLst>
   </p:cSld>
@@ -7540,6 +4862,20 @@
 <file path=ppt/slides/slide15.xml><?xml version="1.0" encoding="utf-8"?>
 <p:sld xmlns:a="http://schemas.openxmlformats.org/drawingml/2006/main" xmlns:r="http://schemas.openxmlformats.org/officeDocument/2006/relationships" xmlns:p="http://schemas.openxmlformats.org/presentationml/2006/main">
   <p:cSld>
+    <p:bg>
+      <p:bgPr>
+        <a:blipFill dpi="0" rotWithShape="1">
+          <a:blip r:embed="rId2">
+            <a:lum/>
+          </a:blip>
+          <a:srcRect/>
+          <a:stretch>
+            <a:fillRect/>
+          </a:stretch>
+        </a:blipFill>
+        <a:effectLst/>
+      </p:bgPr>
+    </p:bg>
     <p:spTree>
       <p:nvGrpSpPr>
         <p:cNvPr id="1" name=""/>
@@ -7554,76 +4890,35 @@
           <a:chExt cx="0" cy="0"/>
         </a:xfrm>
       </p:grpSpPr>
-      <p:sp>
-        <p:nvSpPr>
-          <p:cNvPr id="2" name="Freeform 2"/>
-          <p:cNvSpPr/>
-          <p:nvPr/>
-        </p:nvSpPr>
-        <p:spPr>
-          <a:xfrm flipH="1" flipV="1">
-            <a:off x="52251" y="0"/>
-            <a:ext cx="18288000" cy="10287000"/>
-          </a:xfrm>
-          <a:custGeom>
-            <a:avLst/>
-            <a:gdLst/>
-            <a:ahLst/>
-            <a:cxnLst/>
-            <a:rect l="l" t="t" r="r" b="b"/>
-            <a:pathLst>
-              <a:path w="18288000" h="10287000">
-                <a:moveTo>
-                  <a:pt x="18288000" y="10287000"/>
-                </a:moveTo>
-                <a:lnTo>
-                  <a:pt x="0" y="10287000"/>
-                </a:lnTo>
-                <a:lnTo>
-                  <a:pt x="0" y="0"/>
-                </a:lnTo>
-                <a:lnTo>
-                  <a:pt x="18288000" y="0"/>
-                </a:lnTo>
-                <a:lnTo>
-                  <a:pt x="18288000" y="10287000"/>
-                </a:lnTo>
-                <a:close/>
-              </a:path>
-            </a:pathLst>
-          </a:custGeom>
-          <a:blipFill>
-            <a:blip r:embed="rId2"/>
-            <a:stretch>
-              <a:fillRect t="-38888" b="-38888"/>
-            </a:stretch>
-          </a:blipFill>
-        </p:spPr>
-        <p:txBody>
-          <a:bodyPr/>
-          <a:lstStyle/>
-          <a:p>
-            <a:endParaRPr lang="en-ID"/>
-          </a:p>
-        </p:txBody>
-      </p:sp>
       <p:grpSp>
         <p:nvGrpSpPr>
-          <p:cNvPr id="3" name="Group 3"/>
+          <p:cNvPr id="4" name="Group 3">
+            <a:extLst>
+              <a:ext uri="{FF2B5EF4-FFF2-40B4-BE49-F238E27FC236}">
+                <a16:creationId xmlns:a16="http://schemas.microsoft.com/office/drawing/2014/main" id="{7EC40AFE-5D84-9D46-71A5-E959DE5DFB6D}"/>
+              </a:ext>
+            </a:extLst>
+          </p:cNvPr>
           <p:cNvGrpSpPr/>
           <p:nvPr/>
         </p:nvGrpSpPr>
         <p:grpSpPr>
           <a:xfrm>
-            <a:off x="1" y="-7563"/>
-            <a:ext cx="4492376" cy="10674983"/>
-            <a:chOff x="0" y="0"/>
-            <a:chExt cx="450623" cy="2811518"/>
+            <a:off x="1" y="-79893"/>
+            <a:ext cx="8103011" cy="6937893"/>
+            <a:chOff x="0" y="-19050"/>
+            <a:chExt cx="812800" cy="2830568"/>
           </a:xfrm>
         </p:grpSpPr>
         <p:sp>
           <p:nvSpPr>
-            <p:cNvPr id="4" name="Freeform 4"/>
+            <p:cNvPr id="5" name="Freeform 4">
+              <a:extLst>
+                <a:ext uri="{FF2B5EF4-FFF2-40B4-BE49-F238E27FC236}">
+                  <a16:creationId xmlns:a16="http://schemas.microsoft.com/office/drawing/2014/main" id="{E25FFD42-64E3-2676-FF34-F3B17DCFB06B}"/>
+                </a:ext>
+              </a:extLst>
+            </p:cNvPr>
             <p:cNvSpPr/>
             <p:nvPr/>
           </p:nvSpPr>
@@ -7695,7 +4990,13 @@
         </p:sp>
         <p:sp>
           <p:nvSpPr>
-            <p:cNvPr id="5" name="TextBox 5"/>
+            <p:cNvPr id="6" name="TextBox 5">
+              <a:extLst>
+                <a:ext uri="{FF2B5EF4-FFF2-40B4-BE49-F238E27FC236}">
+                  <a16:creationId xmlns:a16="http://schemas.microsoft.com/office/drawing/2014/main" id="{3BF6D63C-86D1-CDEF-9556-E7DB9E317444}"/>
+                </a:ext>
+              </a:extLst>
+            </p:cNvPr>
             <p:cNvSpPr txBox="1"/>
             <p:nvPr/>
           </p:nvSpPr>
@@ -7727,10 +5028,10 @@
       </p:grpSp>
       <p:sp>
         <p:nvSpPr>
-          <p:cNvPr id="8" name="TextBox 12">
-            <a:extLst>
-              <a:ext uri="{FF2B5EF4-FFF2-40B4-BE49-F238E27FC236}">
-                <a16:creationId xmlns:a16="http://schemas.microsoft.com/office/drawing/2014/main" id="{3F379D6F-7BB8-49BB-974D-F79DABF6DE31}"/>
+          <p:cNvPr id="7" name="TextBox 12">
+            <a:extLst>
+              <a:ext uri="{FF2B5EF4-FFF2-40B4-BE49-F238E27FC236}">
+                <a16:creationId xmlns:a16="http://schemas.microsoft.com/office/drawing/2014/main" id="{A147BFC1-36C5-0543-D129-726DE13451E2}"/>
               </a:ext>
             </a:extLst>
           </p:cNvPr>
@@ -7739,15 +5040,15 @@
         </p:nvSpPr>
         <p:spPr>
           <a:xfrm>
-            <a:off x="2514600" y="571500"/>
-            <a:ext cx="7345101" cy="615553"/>
+            <a:off x="684089" y="324011"/>
+            <a:ext cx="3124200" cy="615553"/>
           </a:xfrm>
           <a:prstGeom prst="rect">
             <a:avLst/>
           </a:prstGeom>
         </p:spPr>
         <p:txBody>
-          <a:bodyPr lIns="0" tIns="0" rIns="0" bIns="0" rtlCol="0" anchor="t">
+          <a:bodyPr wrap="square" lIns="0" tIns="0" rIns="0" bIns="0" rtlCol="0" anchor="t">
             <a:spAutoFit/>
           </a:bodyPr>
           <a:lstStyle/>
@@ -7762,7 +5063,8 @@
                 <a:solidFill>
                   <a:srgbClr val="040506"/>
                 </a:solidFill>
-                <a:latin typeface="Archivo Black"/>
+                <a:latin typeface="Aharoni" panose="02010803020104030203" pitchFamily="2" charset="-79"/>
+                <a:cs typeface="Aharoni" panose="02010803020104030203" pitchFamily="2" charset="-79"/>
               </a:rPr>
               <a:t>Sub-Title</a:t>
             </a:r>
@@ -7771,10 +5073,10 @@
       </p:sp>
       <p:pic>
         <p:nvPicPr>
-          <p:cNvPr id="10" name="Picture 9">
-            <a:extLst>
-              <a:ext uri="{FF2B5EF4-FFF2-40B4-BE49-F238E27FC236}">
-                <a16:creationId xmlns:a16="http://schemas.microsoft.com/office/drawing/2014/main" id="{F52980DB-8CCE-4584-932A-6726D6B4386F}"/>
+          <p:cNvPr id="8" name="Picture 7" descr="A black and white logo&#10;&#10;Description automatically generated">
+            <a:extLst>
+              <a:ext uri="{FF2B5EF4-FFF2-40B4-BE49-F238E27FC236}">
+                <a16:creationId xmlns:a16="http://schemas.microsoft.com/office/drawing/2014/main" id="{F3590E98-FB91-32CB-63E0-1C83FEB5B6D4}"/>
               </a:ext>
             </a:extLst>
           </p:cNvPr>
@@ -7807,8 +5109,8 @@
         </p:blipFill>
         <p:spPr>
           <a:xfrm>
-            <a:off x="16178349" y="-1089"/>
-            <a:ext cx="2057400" cy="2111901"/>
+            <a:off x="10957559" y="1044884"/>
+            <a:ext cx="1005841" cy="1032486"/>
           </a:xfrm>
           <a:prstGeom prst="rect">
             <a:avLst/>
@@ -7818,7 +5120,7 @@
     </p:spTree>
     <p:extLst>
       <p:ext uri="{BB962C8B-B14F-4D97-AF65-F5344CB8AC3E}">
-        <p14:creationId xmlns:p14="http://schemas.microsoft.com/office/powerpoint/2010/main" val="2724751473"/>
+        <p14:creationId xmlns:p14="http://schemas.microsoft.com/office/powerpoint/2010/main" val="2906534392"/>
       </p:ext>
     </p:extLst>
   </p:cSld>
@@ -7828,9 +5130,23 @@
 </p:sld>
 </file>
 
-<file path=ppt/slides/slide2.xml><?xml version="1.0" encoding="utf-8"?>
+<file path=ppt/slides/slide16.xml><?xml version="1.0" encoding="utf-8"?>
 <p:sld xmlns:a="http://schemas.openxmlformats.org/drawingml/2006/main" xmlns:r="http://schemas.openxmlformats.org/officeDocument/2006/relationships" xmlns:p="http://schemas.openxmlformats.org/presentationml/2006/main">
   <p:cSld>
+    <p:bg>
+      <p:bgPr>
+        <a:blipFill dpi="0" rotWithShape="1">
+          <a:blip r:embed="rId2">
+            <a:lum/>
+          </a:blip>
+          <a:srcRect/>
+          <a:stretch>
+            <a:fillRect/>
+          </a:stretch>
+        </a:blipFill>
+        <a:effectLst/>
+      </p:bgPr>
+    </p:bg>
     <p:spTree>
       <p:nvGrpSpPr>
         <p:cNvPr id="1" name=""/>
@@ -7845,76 +5161,79 @@
           <a:chExt cx="0" cy="0"/>
         </a:xfrm>
       </p:grpSpPr>
-      <p:sp>
-        <p:nvSpPr>
-          <p:cNvPr id="2" name="Freeform 2"/>
-          <p:cNvSpPr/>
-          <p:nvPr/>
-        </p:nvSpPr>
-        <p:spPr>
-          <a:xfrm flipH="1" flipV="1">
-            <a:off x="52251" y="0"/>
-            <a:ext cx="18288000" cy="10287000"/>
-          </a:xfrm>
-          <a:custGeom>
-            <a:avLst/>
-            <a:gdLst/>
-            <a:ahLst/>
-            <a:cxnLst/>
-            <a:rect l="l" t="t" r="r" b="b"/>
-            <a:pathLst>
-              <a:path w="18288000" h="10287000">
-                <a:moveTo>
-                  <a:pt x="18288000" y="10287000"/>
-                </a:moveTo>
-                <a:lnTo>
-                  <a:pt x="0" y="10287000"/>
-                </a:lnTo>
-                <a:lnTo>
-                  <a:pt x="0" y="0"/>
-                </a:lnTo>
-                <a:lnTo>
-                  <a:pt x="18288000" y="0"/>
-                </a:lnTo>
-                <a:lnTo>
-                  <a:pt x="18288000" y="10287000"/>
-                </a:lnTo>
-                <a:close/>
-              </a:path>
-            </a:pathLst>
-          </a:custGeom>
-          <a:blipFill>
-            <a:blip r:embed="rId2"/>
-            <a:stretch>
-              <a:fillRect t="-38888" b="-38888"/>
-            </a:stretch>
-          </a:blipFill>
-        </p:spPr>
-        <p:txBody>
-          <a:bodyPr/>
-          <a:lstStyle/>
-          <a:p>
-            <a:endParaRPr lang="en-ID"/>
-          </a:p>
-        </p:txBody>
-      </p:sp>
+    </p:spTree>
+    <p:extLst>
+      <p:ext uri="{BB962C8B-B14F-4D97-AF65-F5344CB8AC3E}">
+        <p14:creationId xmlns:p14="http://schemas.microsoft.com/office/powerpoint/2010/main" val="506264467"/>
+      </p:ext>
+    </p:extLst>
+  </p:cSld>
+  <p:clrMapOvr>
+    <a:masterClrMapping/>
+  </p:clrMapOvr>
+</p:sld>
+</file>
+
+<file path=ppt/slides/slide2.xml><?xml version="1.0" encoding="utf-8"?>
+<p:sld xmlns:a="http://schemas.openxmlformats.org/drawingml/2006/main" xmlns:r="http://schemas.openxmlformats.org/officeDocument/2006/relationships" xmlns:p="http://schemas.openxmlformats.org/presentationml/2006/main">
+  <p:cSld>
+    <p:bg>
+      <p:bgPr>
+        <a:blipFill dpi="0" rotWithShape="1">
+          <a:blip r:embed="rId2">
+            <a:lum/>
+          </a:blip>
+          <a:srcRect/>
+          <a:stretch>
+            <a:fillRect/>
+          </a:stretch>
+        </a:blipFill>
+        <a:effectLst/>
+      </p:bgPr>
+    </p:bg>
+    <p:spTree>
+      <p:nvGrpSpPr>
+        <p:cNvPr id="1" name=""/>
+        <p:cNvGrpSpPr/>
+        <p:nvPr/>
+      </p:nvGrpSpPr>
+      <p:grpSpPr>
+        <a:xfrm>
+          <a:off x="0" y="0"/>
+          <a:ext cx="0" cy="0"/>
+          <a:chOff x="0" y="0"/>
+          <a:chExt cx="0" cy="0"/>
+        </a:xfrm>
+      </p:grpSpPr>
       <p:grpSp>
         <p:nvGrpSpPr>
-          <p:cNvPr id="3" name="Group 3"/>
+          <p:cNvPr id="9" name="Group 3">
+            <a:extLst>
+              <a:ext uri="{FF2B5EF4-FFF2-40B4-BE49-F238E27FC236}">
+                <a16:creationId xmlns:a16="http://schemas.microsoft.com/office/drawing/2014/main" id="{6088026D-EF10-520A-019A-A07F62B78DF2}"/>
+              </a:ext>
+            </a:extLst>
+          </p:cNvPr>
           <p:cNvGrpSpPr/>
           <p:nvPr/>
         </p:nvGrpSpPr>
         <p:grpSpPr>
           <a:xfrm>
             <a:off x="1" y="-7563"/>
-            <a:ext cx="4492376" cy="10674983"/>
+            <a:ext cx="4492376" cy="6865563"/>
             <a:chOff x="0" y="0"/>
             <a:chExt cx="450623" cy="2811518"/>
           </a:xfrm>
         </p:grpSpPr>
         <p:sp>
           <p:nvSpPr>
-            <p:cNvPr id="4" name="Freeform 4"/>
+            <p:cNvPr id="10" name="Freeform 4">
+              <a:extLst>
+                <a:ext uri="{FF2B5EF4-FFF2-40B4-BE49-F238E27FC236}">
+                  <a16:creationId xmlns:a16="http://schemas.microsoft.com/office/drawing/2014/main" id="{E1DD1718-853B-FA5A-DE58-28CAA4BAFD77}"/>
+                </a:ext>
+              </a:extLst>
+            </p:cNvPr>
             <p:cNvSpPr/>
             <p:nvPr/>
           </p:nvSpPr>
@@ -7986,7 +5305,13 @@
         </p:sp>
         <p:sp>
           <p:nvSpPr>
-            <p:cNvPr id="5" name="TextBox 5"/>
+            <p:cNvPr id="11" name="TextBox 5">
+              <a:extLst>
+                <a:ext uri="{FF2B5EF4-FFF2-40B4-BE49-F238E27FC236}">
+                  <a16:creationId xmlns:a16="http://schemas.microsoft.com/office/drawing/2014/main" id="{0DBCA3C7-4829-4429-FE9D-A4257DECCF29}"/>
+                </a:ext>
+              </a:extLst>
+            </p:cNvPr>
             <p:cNvSpPr txBox="1"/>
             <p:nvPr/>
           </p:nvSpPr>
@@ -8018,10 +5343,10 @@
       </p:grpSp>
       <p:sp>
         <p:nvSpPr>
-          <p:cNvPr id="8" name="TextBox 12">
-            <a:extLst>
-              <a:ext uri="{FF2B5EF4-FFF2-40B4-BE49-F238E27FC236}">
-                <a16:creationId xmlns:a16="http://schemas.microsoft.com/office/drawing/2014/main" id="{3F379D6F-7BB8-49BB-974D-F79DABF6DE31}"/>
+          <p:cNvPr id="12" name="TextBox 12">
+            <a:extLst>
+              <a:ext uri="{FF2B5EF4-FFF2-40B4-BE49-F238E27FC236}">
+                <a16:creationId xmlns:a16="http://schemas.microsoft.com/office/drawing/2014/main" id="{1E7D234D-A9A2-6A0B-8082-58CF806B82D0}"/>
               </a:ext>
             </a:extLst>
           </p:cNvPr>
@@ -8030,8 +5355,8 @@
         </p:nvSpPr>
         <p:spPr>
           <a:xfrm>
-            <a:off x="4774001" y="4779009"/>
-            <a:ext cx="9399199" cy="728982"/>
+            <a:off x="4051506" y="3414972"/>
+            <a:ext cx="9399199" cy="715581"/>
           </a:xfrm>
           <a:prstGeom prst="rect">
             <a:avLst/>
@@ -8049,11 +5374,12 @@
               </a:lnSpc>
             </a:pPr>
             <a:r>
-              <a:rPr lang="en-US" sz="7500" spc="49" dirty="0">
+              <a:rPr lang="en-US" sz="6600" spc="49" dirty="0">
                 <a:solidFill>
                   <a:srgbClr val="040506"/>
                 </a:solidFill>
-                <a:latin typeface="Archivo Black"/>
+                <a:latin typeface="Aharoni" panose="02010803020104030203" pitchFamily="2" charset="-79"/>
+                <a:cs typeface="Aharoni" panose="02010803020104030203" pitchFamily="2" charset="-79"/>
               </a:rPr>
               <a:t>Model Accuracy</a:t>
             </a:r>
@@ -8062,10 +5388,10 @@
       </p:sp>
       <p:pic>
         <p:nvPicPr>
-          <p:cNvPr id="10" name="Picture 9">
-            <a:extLst>
-              <a:ext uri="{FF2B5EF4-FFF2-40B4-BE49-F238E27FC236}">
-                <a16:creationId xmlns:a16="http://schemas.microsoft.com/office/drawing/2014/main" id="{0F19C8B9-AE5E-4EBB-A343-7917CB8C5464}"/>
+          <p:cNvPr id="13" name="Picture 12">
+            <a:extLst>
+              <a:ext uri="{FF2B5EF4-FFF2-40B4-BE49-F238E27FC236}">
+                <a16:creationId xmlns:a16="http://schemas.microsoft.com/office/drawing/2014/main" id="{B825CFD3-811A-2F8D-D9B4-A35A89D4EE63}"/>
               </a:ext>
             </a:extLst>
           </p:cNvPr>
@@ -8098,8 +5424,8 @@
         </p:blipFill>
         <p:spPr>
           <a:xfrm>
-            <a:off x="16178349" y="-1089"/>
-            <a:ext cx="2057400" cy="2111901"/>
+            <a:off x="10927080" y="5536618"/>
+            <a:ext cx="1127760" cy="1157635"/>
           </a:xfrm>
           <a:prstGeom prst="rect">
             <a:avLst/>
@@ -8109,7 +5435,7 @@
     </p:spTree>
     <p:extLst>
       <p:ext uri="{BB962C8B-B14F-4D97-AF65-F5344CB8AC3E}">
-        <p14:creationId xmlns:p14="http://schemas.microsoft.com/office/powerpoint/2010/main" val="823823462"/>
+        <p14:creationId xmlns:p14="http://schemas.microsoft.com/office/powerpoint/2010/main" val="2557895700"/>
       </p:ext>
     </p:extLst>
   </p:cSld>
@@ -8122,6 +5448,20 @@
 <file path=ppt/slides/slide3.xml><?xml version="1.0" encoding="utf-8"?>
 <p:sld xmlns:a="http://schemas.openxmlformats.org/drawingml/2006/main" xmlns:r="http://schemas.openxmlformats.org/officeDocument/2006/relationships" xmlns:p="http://schemas.openxmlformats.org/presentationml/2006/main">
   <p:cSld>
+    <p:bg>
+      <p:bgPr>
+        <a:blipFill dpi="0" rotWithShape="1">
+          <a:blip r:embed="rId2">
+            <a:lum/>
+          </a:blip>
+          <a:srcRect/>
+          <a:stretch>
+            <a:fillRect/>
+          </a:stretch>
+        </a:blipFill>
+        <a:effectLst/>
+      </p:bgPr>
+    </p:bg>
     <p:spTree>
       <p:nvGrpSpPr>
         <p:cNvPr id="1" name=""/>
@@ -8136,76 +5476,35 @@
           <a:chExt cx="0" cy="0"/>
         </a:xfrm>
       </p:grpSpPr>
-      <p:sp>
-        <p:nvSpPr>
-          <p:cNvPr id="2" name="Freeform 2"/>
-          <p:cNvSpPr/>
-          <p:nvPr/>
-        </p:nvSpPr>
-        <p:spPr>
-          <a:xfrm flipH="1" flipV="1">
-            <a:off x="52251" y="0"/>
-            <a:ext cx="18288000" cy="10287000"/>
-          </a:xfrm>
-          <a:custGeom>
-            <a:avLst/>
-            <a:gdLst/>
-            <a:ahLst/>
-            <a:cxnLst/>
-            <a:rect l="l" t="t" r="r" b="b"/>
-            <a:pathLst>
-              <a:path w="18288000" h="10287000">
-                <a:moveTo>
-                  <a:pt x="18288000" y="10287000"/>
-                </a:moveTo>
-                <a:lnTo>
-                  <a:pt x="0" y="10287000"/>
-                </a:lnTo>
-                <a:lnTo>
-                  <a:pt x="0" y="0"/>
-                </a:lnTo>
-                <a:lnTo>
-                  <a:pt x="18288000" y="0"/>
-                </a:lnTo>
-                <a:lnTo>
-                  <a:pt x="18288000" y="10287000"/>
-                </a:lnTo>
-                <a:close/>
-              </a:path>
-            </a:pathLst>
-          </a:custGeom>
-          <a:blipFill>
-            <a:blip r:embed="rId2"/>
-            <a:stretch>
-              <a:fillRect t="-38888" b="-38888"/>
-            </a:stretch>
-          </a:blipFill>
-        </p:spPr>
-        <p:txBody>
-          <a:bodyPr/>
-          <a:lstStyle/>
-          <a:p>
-            <a:endParaRPr lang="en-ID"/>
-          </a:p>
-        </p:txBody>
-      </p:sp>
       <p:grpSp>
         <p:nvGrpSpPr>
-          <p:cNvPr id="3" name="Group 3"/>
+          <p:cNvPr id="4" name="Group 3">
+            <a:extLst>
+              <a:ext uri="{FF2B5EF4-FFF2-40B4-BE49-F238E27FC236}">
+                <a16:creationId xmlns:a16="http://schemas.microsoft.com/office/drawing/2014/main" id="{7EC40AFE-5D84-9D46-71A5-E959DE5DFB6D}"/>
+              </a:ext>
+            </a:extLst>
+          </p:cNvPr>
           <p:cNvGrpSpPr/>
           <p:nvPr/>
         </p:nvGrpSpPr>
         <p:grpSpPr>
           <a:xfrm>
-            <a:off x="1" y="-7563"/>
-            <a:ext cx="4492376" cy="10674983"/>
-            <a:chOff x="0" y="0"/>
-            <a:chExt cx="450623" cy="2811518"/>
+            <a:off x="1" y="-79893"/>
+            <a:ext cx="8103011" cy="6937893"/>
+            <a:chOff x="0" y="-19050"/>
+            <a:chExt cx="812800" cy="2830568"/>
           </a:xfrm>
         </p:grpSpPr>
         <p:sp>
           <p:nvSpPr>
-            <p:cNvPr id="4" name="Freeform 4"/>
+            <p:cNvPr id="5" name="Freeform 4">
+              <a:extLst>
+                <a:ext uri="{FF2B5EF4-FFF2-40B4-BE49-F238E27FC236}">
+                  <a16:creationId xmlns:a16="http://schemas.microsoft.com/office/drawing/2014/main" id="{E25FFD42-64E3-2676-FF34-F3B17DCFB06B}"/>
+                </a:ext>
+              </a:extLst>
+            </p:cNvPr>
             <p:cNvSpPr/>
             <p:nvPr/>
           </p:nvSpPr>
@@ -8277,7 +5576,13 @@
         </p:sp>
         <p:sp>
           <p:nvSpPr>
-            <p:cNvPr id="5" name="TextBox 5"/>
+            <p:cNvPr id="6" name="TextBox 5">
+              <a:extLst>
+                <a:ext uri="{FF2B5EF4-FFF2-40B4-BE49-F238E27FC236}">
+                  <a16:creationId xmlns:a16="http://schemas.microsoft.com/office/drawing/2014/main" id="{3BF6D63C-86D1-CDEF-9556-E7DB9E317444}"/>
+                </a:ext>
+              </a:extLst>
+            </p:cNvPr>
             <p:cNvSpPr txBox="1"/>
             <p:nvPr/>
           </p:nvSpPr>
@@ -8309,10 +5614,10 @@
       </p:grpSp>
       <p:sp>
         <p:nvSpPr>
-          <p:cNvPr id="8" name="TextBox 12">
-            <a:extLst>
-              <a:ext uri="{FF2B5EF4-FFF2-40B4-BE49-F238E27FC236}">
-                <a16:creationId xmlns:a16="http://schemas.microsoft.com/office/drawing/2014/main" id="{3F379D6F-7BB8-49BB-974D-F79DABF6DE31}"/>
+          <p:cNvPr id="7" name="TextBox 12">
+            <a:extLst>
+              <a:ext uri="{FF2B5EF4-FFF2-40B4-BE49-F238E27FC236}">
+                <a16:creationId xmlns:a16="http://schemas.microsoft.com/office/drawing/2014/main" id="{A147BFC1-36C5-0543-D129-726DE13451E2}"/>
               </a:ext>
             </a:extLst>
           </p:cNvPr>
@@ -8321,15 +5626,15 @@
         </p:nvSpPr>
         <p:spPr>
           <a:xfrm>
-            <a:off x="2514600" y="571500"/>
-            <a:ext cx="7345101" cy="615553"/>
+            <a:off x="684089" y="324011"/>
+            <a:ext cx="3124200" cy="615553"/>
           </a:xfrm>
           <a:prstGeom prst="rect">
             <a:avLst/>
           </a:prstGeom>
         </p:spPr>
         <p:txBody>
-          <a:bodyPr lIns="0" tIns="0" rIns="0" bIns="0" rtlCol="0" anchor="t">
+          <a:bodyPr wrap="square" lIns="0" tIns="0" rIns="0" bIns="0" rtlCol="0" anchor="t">
             <a:spAutoFit/>
           </a:bodyPr>
           <a:lstStyle/>
@@ -8344,7 +5649,8 @@
                 <a:solidFill>
                   <a:srgbClr val="040506"/>
                 </a:solidFill>
-                <a:latin typeface="Archivo Black"/>
+                <a:latin typeface="Aharoni" panose="02010803020104030203" pitchFamily="2" charset="-79"/>
+                <a:cs typeface="Aharoni" panose="02010803020104030203" pitchFamily="2" charset="-79"/>
               </a:rPr>
               <a:t>Sub-Title</a:t>
             </a:r>
@@ -8353,10 +5659,10 @@
       </p:sp>
       <p:pic>
         <p:nvPicPr>
-          <p:cNvPr id="10" name="Picture 9">
-            <a:extLst>
-              <a:ext uri="{FF2B5EF4-FFF2-40B4-BE49-F238E27FC236}">
-                <a16:creationId xmlns:a16="http://schemas.microsoft.com/office/drawing/2014/main" id="{D9AFB8B4-CBA9-4527-B90B-42E244639FEC}"/>
+          <p:cNvPr id="8" name="Picture 7" descr="A black and white logo&#10;&#10;Description automatically generated">
+            <a:extLst>
+              <a:ext uri="{FF2B5EF4-FFF2-40B4-BE49-F238E27FC236}">
+                <a16:creationId xmlns:a16="http://schemas.microsoft.com/office/drawing/2014/main" id="{F3590E98-FB91-32CB-63E0-1C83FEB5B6D4}"/>
               </a:ext>
             </a:extLst>
           </p:cNvPr>
@@ -8389,8 +5695,8 @@
         </p:blipFill>
         <p:spPr>
           <a:xfrm>
-            <a:off x="16178349" y="-1089"/>
-            <a:ext cx="2057400" cy="2111901"/>
+            <a:off x="10957559" y="1044884"/>
+            <a:ext cx="1005841" cy="1032486"/>
           </a:xfrm>
           <a:prstGeom prst="rect">
             <a:avLst/>
@@ -8398,6 +5704,11 @@
         </p:spPr>
       </p:pic>
     </p:spTree>
+    <p:extLst>
+      <p:ext uri="{BB962C8B-B14F-4D97-AF65-F5344CB8AC3E}">
+        <p14:creationId xmlns:p14="http://schemas.microsoft.com/office/powerpoint/2010/main" val="1862993716"/>
+      </p:ext>
+    </p:extLst>
   </p:cSld>
   <p:clrMapOvr>
     <a:masterClrMapping/>
@@ -8408,6 +5719,20 @@
 <file path=ppt/slides/slide4.xml><?xml version="1.0" encoding="utf-8"?>
 <p:sld xmlns:a="http://schemas.openxmlformats.org/drawingml/2006/main" xmlns:r="http://schemas.openxmlformats.org/officeDocument/2006/relationships" xmlns:p="http://schemas.openxmlformats.org/presentationml/2006/main">
   <p:cSld>
+    <p:bg>
+      <p:bgPr>
+        <a:blipFill dpi="0" rotWithShape="1">
+          <a:blip r:embed="rId2">
+            <a:lum/>
+          </a:blip>
+          <a:srcRect/>
+          <a:stretch>
+            <a:fillRect/>
+          </a:stretch>
+        </a:blipFill>
+        <a:effectLst/>
+      </p:bgPr>
+    </p:bg>
     <p:spTree>
       <p:nvGrpSpPr>
         <p:cNvPr id="1" name=""/>
@@ -8422,76 +5747,35 @@
           <a:chExt cx="0" cy="0"/>
         </a:xfrm>
       </p:grpSpPr>
-      <p:sp>
-        <p:nvSpPr>
-          <p:cNvPr id="2" name="Freeform 2"/>
-          <p:cNvSpPr/>
-          <p:nvPr/>
-        </p:nvSpPr>
-        <p:spPr>
-          <a:xfrm flipH="1" flipV="1">
-            <a:off x="52251" y="0"/>
-            <a:ext cx="18288000" cy="10287000"/>
-          </a:xfrm>
-          <a:custGeom>
-            <a:avLst/>
-            <a:gdLst/>
-            <a:ahLst/>
-            <a:cxnLst/>
-            <a:rect l="l" t="t" r="r" b="b"/>
-            <a:pathLst>
-              <a:path w="18288000" h="10287000">
-                <a:moveTo>
-                  <a:pt x="18288000" y="10287000"/>
-                </a:moveTo>
-                <a:lnTo>
-                  <a:pt x="0" y="10287000"/>
-                </a:lnTo>
-                <a:lnTo>
-                  <a:pt x="0" y="0"/>
-                </a:lnTo>
-                <a:lnTo>
-                  <a:pt x="18288000" y="0"/>
-                </a:lnTo>
-                <a:lnTo>
-                  <a:pt x="18288000" y="10287000"/>
-                </a:lnTo>
-                <a:close/>
-              </a:path>
-            </a:pathLst>
-          </a:custGeom>
-          <a:blipFill>
-            <a:blip r:embed="rId2"/>
-            <a:stretch>
-              <a:fillRect t="-38888" b="-38888"/>
-            </a:stretch>
-          </a:blipFill>
-        </p:spPr>
-        <p:txBody>
-          <a:bodyPr/>
-          <a:lstStyle/>
-          <a:p>
-            <a:endParaRPr lang="en-ID"/>
-          </a:p>
-        </p:txBody>
-      </p:sp>
       <p:grpSp>
         <p:nvGrpSpPr>
-          <p:cNvPr id="3" name="Group 3"/>
+          <p:cNvPr id="4" name="Group 3">
+            <a:extLst>
+              <a:ext uri="{FF2B5EF4-FFF2-40B4-BE49-F238E27FC236}">
+                <a16:creationId xmlns:a16="http://schemas.microsoft.com/office/drawing/2014/main" id="{7EC40AFE-5D84-9D46-71A5-E959DE5DFB6D}"/>
+              </a:ext>
+            </a:extLst>
+          </p:cNvPr>
           <p:cNvGrpSpPr/>
           <p:nvPr/>
         </p:nvGrpSpPr>
         <p:grpSpPr>
           <a:xfrm>
-            <a:off x="1" y="-7563"/>
-            <a:ext cx="4492376" cy="10674983"/>
-            <a:chOff x="0" y="0"/>
-            <a:chExt cx="450623" cy="2811518"/>
+            <a:off x="1" y="-79893"/>
+            <a:ext cx="8103011" cy="6937893"/>
+            <a:chOff x="0" y="-19050"/>
+            <a:chExt cx="812800" cy="2830568"/>
           </a:xfrm>
         </p:grpSpPr>
         <p:sp>
           <p:nvSpPr>
-            <p:cNvPr id="4" name="Freeform 4"/>
+            <p:cNvPr id="5" name="Freeform 4">
+              <a:extLst>
+                <a:ext uri="{FF2B5EF4-FFF2-40B4-BE49-F238E27FC236}">
+                  <a16:creationId xmlns:a16="http://schemas.microsoft.com/office/drawing/2014/main" id="{E25FFD42-64E3-2676-FF34-F3B17DCFB06B}"/>
+                </a:ext>
+              </a:extLst>
+            </p:cNvPr>
             <p:cNvSpPr/>
             <p:nvPr/>
           </p:nvSpPr>
@@ -8563,7 +5847,13 @@
         </p:sp>
         <p:sp>
           <p:nvSpPr>
-            <p:cNvPr id="5" name="TextBox 5"/>
+            <p:cNvPr id="6" name="TextBox 5">
+              <a:extLst>
+                <a:ext uri="{FF2B5EF4-FFF2-40B4-BE49-F238E27FC236}">
+                  <a16:creationId xmlns:a16="http://schemas.microsoft.com/office/drawing/2014/main" id="{3BF6D63C-86D1-CDEF-9556-E7DB9E317444}"/>
+                </a:ext>
+              </a:extLst>
+            </p:cNvPr>
             <p:cNvSpPr txBox="1"/>
             <p:nvPr/>
           </p:nvSpPr>
@@ -8595,10 +5885,10 @@
       </p:grpSp>
       <p:sp>
         <p:nvSpPr>
-          <p:cNvPr id="8" name="TextBox 12">
-            <a:extLst>
-              <a:ext uri="{FF2B5EF4-FFF2-40B4-BE49-F238E27FC236}">
-                <a16:creationId xmlns:a16="http://schemas.microsoft.com/office/drawing/2014/main" id="{3F379D6F-7BB8-49BB-974D-F79DABF6DE31}"/>
+          <p:cNvPr id="7" name="TextBox 12">
+            <a:extLst>
+              <a:ext uri="{FF2B5EF4-FFF2-40B4-BE49-F238E27FC236}">
+                <a16:creationId xmlns:a16="http://schemas.microsoft.com/office/drawing/2014/main" id="{A147BFC1-36C5-0543-D129-726DE13451E2}"/>
               </a:ext>
             </a:extLst>
           </p:cNvPr>
@@ -8607,15 +5897,15 @@
         </p:nvSpPr>
         <p:spPr>
           <a:xfrm>
-            <a:off x="2514600" y="571500"/>
-            <a:ext cx="7345101" cy="615553"/>
+            <a:off x="684089" y="324011"/>
+            <a:ext cx="3124200" cy="615553"/>
           </a:xfrm>
           <a:prstGeom prst="rect">
             <a:avLst/>
           </a:prstGeom>
         </p:spPr>
         <p:txBody>
-          <a:bodyPr lIns="0" tIns="0" rIns="0" bIns="0" rtlCol="0" anchor="t">
+          <a:bodyPr wrap="square" lIns="0" tIns="0" rIns="0" bIns="0" rtlCol="0" anchor="t">
             <a:spAutoFit/>
           </a:bodyPr>
           <a:lstStyle/>
@@ -8630,7 +5920,8 @@
                 <a:solidFill>
                   <a:srgbClr val="040506"/>
                 </a:solidFill>
-                <a:latin typeface="Archivo Black"/>
+                <a:latin typeface="Aharoni" panose="02010803020104030203" pitchFamily="2" charset="-79"/>
+                <a:cs typeface="Aharoni" panose="02010803020104030203" pitchFamily="2" charset="-79"/>
               </a:rPr>
               <a:t>Sub-Title</a:t>
             </a:r>
@@ -8639,10 +5930,10 @@
       </p:sp>
       <p:pic>
         <p:nvPicPr>
-          <p:cNvPr id="10" name="Picture 9">
-            <a:extLst>
-              <a:ext uri="{FF2B5EF4-FFF2-40B4-BE49-F238E27FC236}">
-                <a16:creationId xmlns:a16="http://schemas.microsoft.com/office/drawing/2014/main" id="{5749D11D-0C01-4CB1-9D03-6BB2D3BBC421}"/>
+          <p:cNvPr id="8" name="Picture 7" descr="A black and white logo&#10;&#10;Description automatically generated">
+            <a:extLst>
+              <a:ext uri="{FF2B5EF4-FFF2-40B4-BE49-F238E27FC236}">
+                <a16:creationId xmlns:a16="http://schemas.microsoft.com/office/drawing/2014/main" id="{F3590E98-FB91-32CB-63E0-1C83FEB5B6D4}"/>
               </a:ext>
             </a:extLst>
           </p:cNvPr>
@@ -8675,8 +5966,8 @@
         </p:blipFill>
         <p:spPr>
           <a:xfrm>
-            <a:off x="16178349" y="-1089"/>
-            <a:ext cx="2057400" cy="2111901"/>
+            <a:off x="10957559" y="1044884"/>
+            <a:ext cx="1005841" cy="1032486"/>
           </a:xfrm>
           <a:prstGeom prst="rect">
             <a:avLst/>
@@ -8686,7 +5977,7 @@
     </p:spTree>
     <p:extLst>
       <p:ext uri="{BB962C8B-B14F-4D97-AF65-F5344CB8AC3E}">
-        <p14:creationId xmlns:p14="http://schemas.microsoft.com/office/powerpoint/2010/main" val="1274593478"/>
+        <p14:creationId xmlns:p14="http://schemas.microsoft.com/office/powerpoint/2010/main" val="3921655789"/>
       </p:ext>
     </p:extLst>
   </p:cSld>
@@ -8699,6 +5990,20 @@
 <file path=ppt/slides/slide5.xml><?xml version="1.0" encoding="utf-8"?>
 <p:sld xmlns:a="http://schemas.openxmlformats.org/drawingml/2006/main" xmlns:r="http://schemas.openxmlformats.org/officeDocument/2006/relationships" xmlns:p="http://schemas.openxmlformats.org/presentationml/2006/main">
   <p:cSld>
+    <p:bg>
+      <p:bgPr>
+        <a:blipFill dpi="0" rotWithShape="1">
+          <a:blip r:embed="rId2">
+            <a:lum/>
+          </a:blip>
+          <a:srcRect/>
+          <a:stretch>
+            <a:fillRect/>
+          </a:stretch>
+        </a:blipFill>
+        <a:effectLst/>
+      </p:bgPr>
+    </p:bg>
     <p:spTree>
       <p:nvGrpSpPr>
         <p:cNvPr id="1" name=""/>
@@ -8713,76 +6018,35 @@
           <a:chExt cx="0" cy="0"/>
         </a:xfrm>
       </p:grpSpPr>
-      <p:sp>
-        <p:nvSpPr>
-          <p:cNvPr id="2" name="Freeform 2"/>
-          <p:cNvSpPr/>
-          <p:nvPr/>
-        </p:nvSpPr>
-        <p:spPr>
-          <a:xfrm flipH="1" flipV="1">
-            <a:off x="52251" y="0"/>
-            <a:ext cx="18288000" cy="10287000"/>
-          </a:xfrm>
-          <a:custGeom>
-            <a:avLst/>
-            <a:gdLst/>
-            <a:ahLst/>
-            <a:cxnLst/>
-            <a:rect l="l" t="t" r="r" b="b"/>
-            <a:pathLst>
-              <a:path w="18288000" h="10287000">
-                <a:moveTo>
-                  <a:pt x="18288000" y="10287000"/>
-                </a:moveTo>
-                <a:lnTo>
-                  <a:pt x="0" y="10287000"/>
-                </a:lnTo>
-                <a:lnTo>
-                  <a:pt x="0" y="0"/>
-                </a:lnTo>
-                <a:lnTo>
-                  <a:pt x="18288000" y="0"/>
-                </a:lnTo>
-                <a:lnTo>
-                  <a:pt x="18288000" y="10287000"/>
-                </a:lnTo>
-                <a:close/>
-              </a:path>
-            </a:pathLst>
-          </a:custGeom>
-          <a:blipFill>
-            <a:blip r:embed="rId2"/>
-            <a:stretch>
-              <a:fillRect t="-38888" b="-38888"/>
-            </a:stretch>
-          </a:blipFill>
-        </p:spPr>
-        <p:txBody>
-          <a:bodyPr/>
-          <a:lstStyle/>
-          <a:p>
-            <a:endParaRPr lang="en-ID"/>
-          </a:p>
-        </p:txBody>
-      </p:sp>
       <p:grpSp>
         <p:nvGrpSpPr>
-          <p:cNvPr id="3" name="Group 3"/>
+          <p:cNvPr id="4" name="Group 3">
+            <a:extLst>
+              <a:ext uri="{FF2B5EF4-FFF2-40B4-BE49-F238E27FC236}">
+                <a16:creationId xmlns:a16="http://schemas.microsoft.com/office/drawing/2014/main" id="{7EC40AFE-5D84-9D46-71A5-E959DE5DFB6D}"/>
+              </a:ext>
+            </a:extLst>
+          </p:cNvPr>
           <p:cNvGrpSpPr/>
           <p:nvPr/>
         </p:nvGrpSpPr>
         <p:grpSpPr>
           <a:xfrm>
-            <a:off x="1" y="-7563"/>
-            <a:ext cx="4492376" cy="10674983"/>
-            <a:chOff x="0" y="0"/>
-            <a:chExt cx="450623" cy="2811518"/>
+            <a:off x="1" y="-79893"/>
+            <a:ext cx="8103011" cy="6937893"/>
+            <a:chOff x="0" y="-19050"/>
+            <a:chExt cx="812800" cy="2830568"/>
           </a:xfrm>
         </p:grpSpPr>
         <p:sp>
           <p:nvSpPr>
-            <p:cNvPr id="4" name="Freeform 4"/>
+            <p:cNvPr id="5" name="Freeform 4">
+              <a:extLst>
+                <a:ext uri="{FF2B5EF4-FFF2-40B4-BE49-F238E27FC236}">
+                  <a16:creationId xmlns:a16="http://schemas.microsoft.com/office/drawing/2014/main" id="{E25FFD42-64E3-2676-FF34-F3B17DCFB06B}"/>
+                </a:ext>
+              </a:extLst>
+            </p:cNvPr>
             <p:cNvSpPr/>
             <p:nvPr/>
           </p:nvSpPr>
@@ -8854,7 +6118,13 @@
         </p:sp>
         <p:sp>
           <p:nvSpPr>
-            <p:cNvPr id="5" name="TextBox 5"/>
+            <p:cNvPr id="6" name="TextBox 5">
+              <a:extLst>
+                <a:ext uri="{FF2B5EF4-FFF2-40B4-BE49-F238E27FC236}">
+                  <a16:creationId xmlns:a16="http://schemas.microsoft.com/office/drawing/2014/main" id="{3BF6D63C-86D1-CDEF-9556-E7DB9E317444}"/>
+                </a:ext>
+              </a:extLst>
+            </p:cNvPr>
             <p:cNvSpPr txBox="1"/>
             <p:nvPr/>
           </p:nvSpPr>
@@ -8886,10 +6156,10 @@
       </p:grpSp>
       <p:sp>
         <p:nvSpPr>
-          <p:cNvPr id="8" name="TextBox 12">
-            <a:extLst>
-              <a:ext uri="{FF2B5EF4-FFF2-40B4-BE49-F238E27FC236}">
-                <a16:creationId xmlns:a16="http://schemas.microsoft.com/office/drawing/2014/main" id="{3F379D6F-7BB8-49BB-974D-F79DABF6DE31}"/>
+          <p:cNvPr id="7" name="TextBox 12">
+            <a:extLst>
+              <a:ext uri="{FF2B5EF4-FFF2-40B4-BE49-F238E27FC236}">
+                <a16:creationId xmlns:a16="http://schemas.microsoft.com/office/drawing/2014/main" id="{A147BFC1-36C5-0543-D129-726DE13451E2}"/>
               </a:ext>
             </a:extLst>
           </p:cNvPr>
@@ -8898,15 +6168,15 @@
         </p:nvSpPr>
         <p:spPr>
           <a:xfrm>
-            <a:off x="2514600" y="571500"/>
-            <a:ext cx="7345101" cy="615553"/>
+            <a:off x="684089" y="324011"/>
+            <a:ext cx="3124200" cy="615553"/>
           </a:xfrm>
           <a:prstGeom prst="rect">
             <a:avLst/>
           </a:prstGeom>
         </p:spPr>
         <p:txBody>
-          <a:bodyPr lIns="0" tIns="0" rIns="0" bIns="0" rtlCol="0" anchor="t">
+          <a:bodyPr wrap="square" lIns="0" tIns="0" rIns="0" bIns="0" rtlCol="0" anchor="t">
             <a:spAutoFit/>
           </a:bodyPr>
           <a:lstStyle/>
@@ -8921,7 +6191,8 @@
                 <a:solidFill>
                   <a:srgbClr val="040506"/>
                 </a:solidFill>
-                <a:latin typeface="Archivo Black"/>
+                <a:latin typeface="Aharoni" panose="02010803020104030203" pitchFamily="2" charset="-79"/>
+                <a:cs typeface="Aharoni" panose="02010803020104030203" pitchFamily="2" charset="-79"/>
               </a:rPr>
               <a:t>Sub-Title</a:t>
             </a:r>
@@ -8930,10 +6201,10 @@
       </p:sp>
       <p:pic>
         <p:nvPicPr>
-          <p:cNvPr id="10" name="Picture 9">
-            <a:extLst>
-              <a:ext uri="{FF2B5EF4-FFF2-40B4-BE49-F238E27FC236}">
-                <a16:creationId xmlns:a16="http://schemas.microsoft.com/office/drawing/2014/main" id="{0B7BAE94-494E-4D66-A8FA-C39B7D92117C}"/>
+          <p:cNvPr id="8" name="Picture 7" descr="A black and white logo&#10;&#10;Description automatically generated">
+            <a:extLst>
+              <a:ext uri="{FF2B5EF4-FFF2-40B4-BE49-F238E27FC236}">
+                <a16:creationId xmlns:a16="http://schemas.microsoft.com/office/drawing/2014/main" id="{F3590E98-FB91-32CB-63E0-1C83FEB5B6D4}"/>
               </a:ext>
             </a:extLst>
           </p:cNvPr>
@@ -8966,8 +6237,8 @@
         </p:blipFill>
         <p:spPr>
           <a:xfrm>
-            <a:off x="16178349" y="-1089"/>
-            <a:ext cx="2057400" cy="2111901"/>
+            <a:off x="10957559" y="1044884"/>
+            <a:ext cx="1005841" cy="1032486"/>
           </a:xfrm>
           <a:prstGeom prst="rect">
             <a:avLst/>
@@ -8977,7 +6248,7 @@
     </p:spTree>
     <p:extLst>
       <p:ext uri="{BB962C8B-B14F-4D97-AF65-F5344CB8AC3E}">
-        <p14:creationId xmlns:p14="http://schemas.microsoft.com/office/powerpoint/2010/main" val="4219491514"/>
+        <p14:creationId xmlns:p14="http://schemas.microsoft.com/office/powerpoint/2010/main" val="1897779703"/>
       </p:ext>
     </p:extLst>
   </p:cSld>
@@ -8990,6 +6261,20 @@
 <file path=ppt/slides/slide6.xml><?xml version="1.0" encoding="utf-8"?>
 <p:sld xmlns:a="http://schemas.openxmlformats.org/drawingml/2006/main" xmlns:r="http://schemas.openxmlformats.org/officeDocument/2006/relationships" xmlns:p="http://schemas.openxmlformats.org/presentationml/2006/main">
   <p:cSld>
+    <p:bg>
+      <p:bgPr>
+        <a:blipFill dpi="0" rotWithShape="1">
+          <a:blip r:embed="rId2">
+            <a:lum/>
+          </a:blip>
+          <a:srcRect/>
+          <a:stretch>
+            <a:fillRect/>
+          </a:stretch>
+        </a:blipFill>
+        <a:effectLst/>
+      </p:bgPr>
+    </p:bg>
     <p:spTree>
       <p:nvGrpSpPr>
         <p:cNvPr id="1" name=""/>
@@ -9004,76 +6289,35 @@
           <a:chExt cx="0" cy="0"/>
         </a:xfrm>
       </p:grpSpPr>
-      <p:sp>
-        <p:nvSpPr>
-          <p:cNvPr id="2" name="Freeform 2"/>
-          <p:cNvSpPr/>
-          <p:nvPr/>
-        </p:nvSpPr>
-        <p:spPr>
-          <a:xfrm flipH="1" flipV="1">
-            <a:off x="52251" y="0"/>
-            <a:ext cx="18288000" cy="10287000"/>
-          </a:xfrm>
-          <a:custGeom>
-            <a:avLst/>
-            <a:gdLst/>
-            <a:ahLst/>
-            <a:cxnLst/>
-            <a:rect l="l" t="t" r="r" b="b"/>
-            <a:pathLst>
-              <a:path w="18288000" h="10287000">
-                <a:moveTo>
-                  <a:pt x="18288000" y="10287000"/>
-                </a:moveTo>
-                <a:lnTo>
-                  <a:pt x="0" y="10287000"/>
-                </a:lnTo>
-                <a:lnTo>
-                  <a:pt x="0" y="0"/>
-                </a:lnTo>
-                <a:lnTo>
-                  <a:pt x="18288000" y="0"/>
-                </a:lnTo>
-                <a:lnTo>
-                  <a:pt x="18288000" y="10287000"/>
-                </a:lnTo>
-                <a:close/>
-              </a:path>
-            </a:pathLst>
-          </a:custGeom>
-          <a:blipFill>
-            <a:blip r:embed="rId2"/>
-            <a:stretch>
-              <a:fillRect t="-38888" b="-38888"/>
-            </a:stretch>
-          </a:blipFill>
-        </p:spPr>
-        <p:txBody>
-          <a:bodyPr/>
-          <a:lstStyle/>
-          <a:p>
-            <a:endParaRPr lang="en-ID"/>
-          </a:p>
-        </p:txBody>
-      </p:sp>
       <p:grpSp>
         <p:nvGrpSpPr>
-          <p:cNvPr id="3" name="Group 3"/>
+          <p:cNvPr id="4" name="Group 3">
+            <a:extLst>
+              <a:ext uri="{FF2B5EF4-FFF2-40B4-BE49-F238E27FC236}">
+                <a16:creationId xmlns:a16="http://schemas.microsoft.com/office/drawing/2014/main" id="{7EC40AFE-5D84-9D46-71A5-E959DE5DFB6D}"/>
+              </a:ext>
+            </a:extLst>
+          </p:cNvPr>
           <p:cNvGrpSpPr/>
           <p:nvPr/>
         </p:nvGrpSpPr>
         <p:grpSpPr>
           <a:xfrm>
-            <a:off x="1" y="-7563"/>
-            <a:ext cx="4492376" cy="10674983"/>
-            <a:chOff x="0" y="0"/>
-            <a:chExt cx="450623" cy="2811518"/>
+            <a:off x="1" y="-79893"/>
+            <a:ext cx="8103011" cy="6937893"/>
+            <a:chOff x="0" y="-19050"/>
+            <a:chExt cx="812800" cy="2830568"/>
           </a:xfrm>
         </p:grpSpPr>
         <p:sp>
           <p:nvSpPr>
-            <p:cNvPr id="4" name="Freeform 4"/>
+            <p:cNvPr id="5" name="Freeform 4">
+              <a:extLst>
+                <a:ext uri="{FF2B5EF4-FFF2-40B4-BE49-F238E27FC236}">
+                  <a16:creationId xmlns:a16="http://schemas.microsoft.com/office/drawing/2014/main" id="{E25FFD42-64E3-2676-FF34-F3B17DCFB06B}"/>
+                </a:ext>
+              </a:extLst>
+            </p:cNvPr>
             <p:cNvSpPr/>
             <p:nvPr/>
           </p:nvSpPr>
@@ -9145,7 +6389,13 @@
         </p:sp>
         <p:sp>
           <p:nvSpPr>
-            <p:cNvPr id="5" name="TextBox 5"/>
+            <p:cNvPr id="6" name="TextBox 5">
+              <a:extLst>
+                <a:ext uri="{FF2B5EF4-FFF2-40B4-BE49-F238E27FC236}">
+                  <a16:creationId xmlns:a16="http://schemas.microsoft.com/office/drawing/2014/main" id="{3BF6D63C-86D1-CDEF-9556-E7DB9E317444}"/>
+                </a:ext>
+              </a:extLst>
+            </p:cNvPr>
             <p:cNvSpPr txBox="1"/>
             <p:nvPr/>
           </p:nvSpPr>
@@ -9177,10 +6427,10 @@
       </p:grpSp>
       <p:sp>
         <p:nvSpPr>
-          <p:cNvPr id="8" name="TextBox 12">
-            <a:extLst>
-              <a:ext uri="{FF2B5EF4-FFF2-40B4-BE49-F238E27FC236}">
-                <a16:creationId xmlns:a16="http://schemas.microsoft.com/office/drawing/2014/main" id="{3F379D6F-7BB8-49BB-974D-F79DABF6DE31}"/>
+          <p:cNvPr id="7" name="TextBox 12">
+            <a:extLst>
+              <a:ext uri="{FF2B5EF4-FFF2-40B4-BE49-F238E27FC236}">
+                <a16:creationId xmlns:a16="http://schemas.microsoft.com/office/drawing/2014/main" id="{A147BFC1-36C5-0543-D129-726DE13451E2}"/>
               </a:ext>
             </a:extLst>
           </p:cNvPr>
@@ -9189,15 +6439,15 @@
         </p:nvSpPr>
         <p:spPr>
           <a:xfrm>
-            <a:off x="2514600" y="571500"/>
-            <a:ext cx="7345101" cy="615553"/>
+            <a:off x="684089" y="324011"/>
+            <a:ext cx="3124200" cy="615553"/>
           </a:xfrm>
           <a:prstGeom prst="rect">
             <a:avLst/>
           </a:prstGeom>
         </p:spPr>
         <p:txBody>
-          <a:bodyPr lIns="0" tIns="0" rIns="0" bIns="0" rtlCol="0" anchor="t">
+          <a:bodyPr wrap="square" lIns="0" tIns="0" rIns="0" bIns="0" rtlCol="0" anchor="t">
             <a:spAutoFit/>
           </a:bodyPr>
           <a:lstStyle/>
@@ -9212,7 +6462,8 @@
                 <a:solidFill>
                   <a:srgbClr val="040506"/>
                 </a:solidFill>
-                <a:latin typeface="Archivo Black"/>
+                <a:latin typeface="Aharoni" panose="02010803020104030203" pitchFamily="2" charset="-79"/>
+                <a:cs typeface="Aharoni" panose="02010803020104030203" pitchFamily="2" charset="-79"/>
               </a:rPr>
               <a:t>Sub-Title</a:t>
             </a:r>
@@ -9221,10 +6472,10 @@
       </p:sp>
       <p:pic>
         <p:nvPicPr>
-          <p:cNvPr id="10" name="Picture 9">
-            <a:extLst>
-              <a:ext uri="{FF2B5EF4-FFF2-40B4-BE49-F238E27FC236}">
-                <a16:creationId xmlns:a16="http://schemas.microsoft.com/office/drawing/2014/main" id="{58DD9CB2-69EE-4CFA-8811-0E3B12C9B64A}"/>
+          <p:cNvPr id="8" name="Picture 7" descr="A black and white logo&#10;&#10;Description automatically generated">
+            <a:extLst>
+              <a:ext uri="{FF2B5EF4-FFF2-40B4-BE49-F238E27FC236}">
+                <a16:creationId xmlns:a16="http://schemas.microsoft.com/office/drawing/2014/main" id="{F3590E98-FB91-32CB-63E0-1C83FEB5B6D4}"/>
               </a:ext>
             </a:extLst>
           </p:cNvPr>
@@ -9257,8 +6508,8 @@
         </p:blipFill>
         <p:spPr>
           <a:xfrm>
-            <a:off x="16178349" y="-1089"/>
-            <a:ext cx="2057400" cy="2111901"/>
+            <a:off x="10957559" y="1044884"/>
+            <a:ext cx="1005841" cy="1032486"/>
           </a:xfrm>
           <a:prstGeom prst="rect">
             <a:avLst/>
@@ -9268,7 +6519,7 @@
     </p:spTree>
     <p:extLst>
       <p:ext uri="{BB962C8B-B14F-4D97-AF65-F5344CB8AC3E}">
-        <p14:creationId xmlns:p14="http://schemas.microsoft.com/office/powerpoint/2010/main" val="4050345248"/>
+        <p14:creationId xmlns:p14="http://schemas.microsoft.com/office/powerpoint/2010/main" val="3923697899"/>
       </p:ext>
     </p:extLst>
   </p:cSld>
@@ -9281,6 +6532,20 @@
 <file path=ppt/slides/slide7.xml><?xml version="1.0" encoding="utf-8"?>
 <p:sld xmlns:a="http://schemas.openxmlformats.org/drawingml/2006/main" xmlns:r="http://schemas.openxmlformats.org/officeDocument/2006/relationships" xmlns:p="http://schemas.openxmlformats.org/presentationml/2006/main">
   <p:cSld>
+    <p:bg>
+      <p:bgPr>
+        <a:blipFill dpi="0" rotWithShape="1">
+          <a:blip r:embed="rId2">
+            <a:lum/>
+          </a:blip>
+          <a:srcRect/>
+          <a:stretch>
+            <a:fillRect/>
+          </a:stretch>
+        </a:blipFill>
+        <a:effectLst/>
+      </p:bgPr>
+    </p:bg>
     <p:spTree>
       <p:nvGrpSpPr>
         <p:cNvPr id="1" name=""/>
@@ -9295,76 +6560,35 @@
           <a:chExt cx="0" cy="0"/>
         </a:xfrm>
       </p:grpSpPr>
-      <p:sp>
-        <p:nvSpPr>
-          <p:cNvPr id="2" name="Freeform 2"/>
-          <p:cNvSpPr/>
-          <p:nvPr/>
-        </p:nvSpPr>
-        <p:spPr>
-          <a:xfrm flipH="1" flipV="1">
-            <a:off x="52251" y="0"/>
-            <a:ext cx="18288000" cy="10287000"/>
-          </a:xfrm>
-          <a:custGeom>
-            <a:avLst/>
-            <a:gdLst/>
-            <a:ahLst/>
-            <a:cxnLst/>
-            <a:rect l="l" t="t" r="r" b="b"/>
-            <a:pathLst>
-              <a:path w="18288000" h="10287000">
-                <a:moveTo>
-                  <a:pt x="18288000" y="10287000"/>
-                </a:moveTo>
-                <a:lnTo>
-                  <a:pt x="0" y="10287000"/>
-                </a:lnTo>
-                <a:lnTo>
-                  <a:pt x="0" y="0"/>
-                </a:lnTo>
-                <a:lnTo>
-                  <a:pt x="18288000" y="0"/>
-                </a:lnTo>
-                <a:lnTo>
-                  <a:pt x="18288000" y="10287000"/>
-                </a:lnTo>
-                <a:close/>
-              </a:path>
-            </a:pathLst>
-          </a:custGeom>
-          <a:blipFill>
-            <a:blip r:embed="rId2"/>
-            <a:stretch>
-              <a:fillRect t="-38888" b="-38888"/>
-            </a:stretch>
-          </a:blipFill>
-        </p:spPr>
-        <p:txBody>
-          <a:bodyPr/>
-          <a:lstStyle/>
-          <a:p>
-            <a:endParaRPr lang="en-ID"/>
-          </a:p>
-        </p:txBody>
-      </p:sp>
       <p:grpSp>
         <p:nvGrpSpPr>
-          <p:cNvPr id="3" name="Group 3"/>
+          <p:cNvPr id="4" name="Group 3">
+            <a:extLst>
+              <a:ext uri="{FF2B5EF4-FFF2-40B4-BE49-F238E27FC236}">
+                <a16:creationId xmlns:a16="http://schemas.microsoft.com/office/drawing/2014/main" id="{7EC40AFE-5D84-9D46-71A5-E959DE5DFB6D}"/>
+              </a:ext>
+            </a:extLst>
+          </p:cNvPr>
           <p:cNvGrpSpPr/>
           <p:nvPr/>
         </p:nvGrpSpPr>
         <p:grpSpPr>
           <a:xfrm>
-            <a:off x="1" y="-7563"/>
-            <a:ext cx="4492376" cy="10674983"/>
-            <a:chOff x="0" y="0"/>
-            <a:chExt cx="450623" cy="2811518"/>
+            <a:off x="1" y="-79893"/>
+            <a:ext cx="8103011" cy="6937893"/>
+            <a:chOff x="0" y="-19050"/>
+            <a:chExt cx="812800" cy="2830568"/>
           </a:xfrm>
         </p:grpSpPr>
         <p:sp>
           <p:nvSpPr>
-            <p:cNvPr id="4" name="Freeform 4"/>
+            <p:cNvPr id="5" name="Freeform 4">
+              <a:extLst>
+                <a:ext uri="{FF2B5EF4-FFF2-40B4-BE49-F238E27FC236}">
+                  <a16:creationId xmlns:a16="http://schemas.microsoft.com/office/drawing/2014/main" id="{E25FFD42-64E3-2676-FF34-F3B17DCFB06B}"/>
+                </a:ext>
+              </a:extLst>
+            </p:cNvPr>
             <p:cNvSpPr/>
             <p:nvPr/>
           </p:nvSpPr>
@@ -9436,7 +6660,13 @@
         </p:sp>
         <p:sp>
           <p:nvSpPr>
-            <p:cNvPr id="5" name="TextBox 5"/>
+            <p:cNvPr id="6" name="TextBox 5">
+              <a:extLst>
+                <a:ext uri="{FF2B5EF4-FFF2-40B4-BE49-F238E27FC236}">
+                  <a16:creationId xmlns:a16="http://schemas.microsoft.com/office/drawing/2014/main" id="{3BF6D63C-86D1-CDEF-9556-E7DB9E317444}"/>
+                </a:ext>
+              </a:extLst>
+            </p:cNvPr>
             <p:cNvSpPr txBox="1"/>
             <p:nvPr/>
           </p:nvSpPr>
@@ -9468,10 +6698,10 @@
       </p:grpSp>
       <p:sp>
         <p:nvSpPr>
-          <p:cNvPr id="8" name="TextBox 12">
-            <a:extLst>
-              <a:ext uri="{FF2B5EF4-FFF2-40B4-BE49-F238E27FC236}">
-                <a16:creationId xmlns:a16="http://schemas.microsoft.com/office/drawing/2014/main" id="{3F379D6F-7BB8-49BB-974D-F79DABF6DE31}"/>
+          <p:cNvPr id="7" name="TextBox 12">
+            <a:extLst>
+              <a:ext uri="{FF2B5EF4-FFF2-40B4-BE49-F238E27FC236}">
+                <a16:creationId xmlns:a16="http://schemas.microsoft.com/office/drawing/2014/main" id="{A147BFC1-36C5-0543-D129-726DE13451E2}"/>
               </a:ext>
             </a:extLst>
           </p:cNvPr>
@@ -9480,15 +6710,15 @@
         </p:nvSpPr>
         <p:spPr>
           <a:xfrm>
-            <a:off x="2514600" y="571500"/>
-            <a:ext cx="7345101" cy="615553"/>
+            <a:off x="684089" y="324011"/>
+            <a:ext cx="3124200" cy="615553"/>
           </a:xfrm>
           <a:prstGeom prst="rect">
             <a:avLst/>
           </a:prstGeom>
         </p:spPr>
         <p:txBody>
-          <a:bodyPr lIns="0" tIns="0" rIns="0" bIns="0" rtlCol="0" anchor="t">
+          <a:bodyPr wrap="square" lIns="0" tIns="0" rIns="0" bIns="0" rtlCol="0" anchor="t">
             <a:spAutoFit/>
           </a:bodyPr>
           <a:lstStyle/>
@@ -9503,7 +6733,8 @@
                 <a:solidFill>
                   <a:srgbClr val="040506"/>
                 </a:solidFill>
-                <a:latin typeface="Archivo Black"/>
+                <a:latin typeface="Aharoni" panose="02010803020104030203" pitchFamily="2" charset="-79"/>
+                <a:cs typeface="Aharoni" panose="02010803020104030203" pitchFamily="2" charset="-79"/>
               </a:rPr>
               <a:t>Sub-Title</a:t>
             </a:r>
@@ -9512,10 +6743,10 @@
       </p:sp>
       <p:pic>
         <p:nvPicPr>
-          <p:cNvPr id="10" name="Picture 9">
-            <a:extLst>
-              <a:ext uri="{FF2B5EF4-FFF2-40B4-BE49-F238E27FC236}">
-                <a16:creationId xmlns:a16="http://schemas.microsoft.com/office/drawing/2014/main" id="{5ACE1D3E-5B57-4530-9810-3A2DD85D8949}"/>
+          <p:cNvPr id="8" name="Picture 7" descr="A black and white logo&#10;&#10;Description automatically generated">
+            <a:extLst>
+              <a:ext uri="{FF2B5EF4-FFF2-40B4-BE49-F238E27FC236}">
+                <a16:creationId xmlns:a16="http://schemas.microsoft.com/office/drawing/2014/main" id="{F3590E98-FB91-32CB-63E0-1C83FEB5B6D4}"/>
               </a:ext>
             </a:extLst>
           </p:cNvPr>
@@ -9548,8 +6779,8 @@
         </p:blipFill>
         <p:spPr>
           <a:xfrm>
-            <a:off x="16178349" y="-1089"/>
-            <a:ext cx="2057400" cy="2111901"/>
+            <a:off x="10957559" y="1044884"/>
+            <a:ext cx="1005841" cy="1032486"/>
           </a:xfrm>
           <a:prstGeom prst="rect">
             <a:avLst/>
@@ -9559,7 +6790,7 @@
     </p:spTree>
     <p:extLst>
       <p:ext uri="{BB962C8B-B14F-4D97-AF65-F5344CB8AC3E}">
-        <p14:creationId xmlns:p14="http://schemas.microsoft.com/office/powerpoint/2010/main" val="2145497915"/>
+        <p14:creationId xmlns:p14="http://schemas.microsoft.com/office/powerpoint/2010/main" val="2547343021"/>
       </p:ext>
     </p:extLst>
   </p:cSld>
@@ -9572,6 +6803,20 @@
 <file path=ppt/slides/slide8.xml><?xml version="1.0" encoding="utf-8"?>
 <p:sld xmlns:a="http://schemas.openxmlformats.org/drawingml/2006/main" xmlns:r="http://schemas.openxmlformats.org/officeDocument/2006/relationships" xmlns:p="http://schemas.openxmlformats.org/presentationml/2006/main">
   <p:cSld>
+    <p:bg>
+      <p:bgPr>
+        <a:blipFill dpi="0" rotWithShape="1">
+          <a:blip r:embed="rId2">
+            <a:lum/>
+          </a:blip>
+          <a:srcRect/>
+          <a:stretch>
+            <a:fillRect/>
+          </a:stretch>
+        </a:blipFill>
+        <a:effectLst/>
+      </p:bgPr>
+    </p:bg>
     <p:spTree>
       <p:nvGrpSpPr>
         <p:cNvPr id="1" name=""/>
@@ -9586,76 +6831,35 @@
           <a:chExt cx="0" cy="0"/>
         </a:xfrm>
       </p:grpSpPr>
-      <p:sp>
-        <p:nvSpPr>
-          <p:cNvPr id="2" name="Freeform 2"/>
-          <p:cNvSpPr/>
-          <p:nvPr/>
-        </p:nvSpPr>
-        <p:spPr>
-          <a:xfrm flipH="1" flipV="1">
-            <a:off x="52251" y="0"/>
-            <a:ext cx="18288000" cy="10287000"/>
-          </a:xfrm>
-          <a:custGeom>
-            <a:avLst/>
-            <a:gdLst/>
-            <a:ahLst/>
-            <a:cxnLst/>
-            <a:rect l="l" t="t" r="r" b="b"/>
-            <a:pathLst>
-              <a:path w="18288000" h="10287000">
-                <a:moveTo>
-                  <a:pt x="18288000" y="10287000"/>
-                </a:moveTo>
-                <a:lnTo>
-                  <a:pt x="0" y="10287000"/>
-                </a:lnTo>
-                <a:lnTo>
-                  <a:pt x="0" y="0"/>
-                </a:lnTo>
-                <a:lnTo>
-                  <a:pt x="18288000" y="0"/>
-                </a:lnTo>
-                <a:lnTo>
-                  <a:pt x="18288000" y="10287000"/>
-                </a:lnTo>
-                <a:close/>
-              </a:path>
-            </a:pathLst>
-          </a:custGeom>
-          <a:blipFill>
-            <a:blip r:embed="rId2"/>
-            <a:stretch>
-              <a:fillRect t="-38888" b="-38888"/>
-            </a:stretch>
-          </a:blipFill>
-        </p:spPr>
-        <p:txBody>
-          <a:bodyPr/>
-          <a:lstStyle/>
-          <a:p>
-            <a:endParaRPr lang="en-ID"/>
-          </a:p>
-        </p:txBody>
-      </p:sp>
       <p:grpSp>
         <p:nvGrpSpPr>
-          <p:cNvPr id="3" name="Group 3"/>
+          <p:cNvPr id="4" name="Group 3">
+            <a:extLst>
+              <a:ext uri="{FF2B5EF4-FFF2-40B4-BE49-F238E27FC236}">
+                <a16:creationId xmlns:a16="http://schemas.microsoft.com/office/drawing/2014/main" id="{7EC40AFE-5D84-9D46-71A5-E959DE5DFB6D}"/>
+              </a:ext>
+            </a:extLst>
+          </p:cNvPr>
           <p:cNvGrpSpPr/>
           <p:nvPr/>
         </p:nvGrpSpPr>
         <p:grpSpPr>
           <a:xfrm>
-            <a:off x="1" y="-7563"/>
-            <a:ext cx="4492376" cy="10674983"/>
-            <a:chOff x="0" y="0"/>
-            <a:chExt cx="450623" cy="2811518"/>
+            <a:off x="1" y="-79893"/>
+            <a:ext cx="8103011" cy="6937893"/>
+            <a:chOff x="0" y="-19050"/>
+            <a:chExt cx="812800" cy="2830568"/>
           </a:xfrm>
         </p:grpSpPr>
         <p:sp>
           <p:nvSpPr>
-            <p:cNvPr id="4" name="Freeform 4"/>
+            <p:cNvPr id="5" name="Freeform 4">
+              <a:extLst>
+                <a:ext uri="{FF2B5EF4-FFF2-40B4-BE49-F238E27FC236}">
+                  <a16:creationId xmlns:a16="http://schemas.microsoft.com/office/drawing/2014/main" id="{E25FFD42-64E3-2676-FF34-F3B17DCFB06B}"/>
+                </a:ext>
+              </a:extLst>
+            </p:cNvPr>
             <p:cNvSpPr/>
             <p:nvPr/>
           </p:nvSpPr>
@@ -9727,7 +6931,13 @@
         </p:sp>
         <p:sp>
           <p:nvSpPr>
-            <p:cNvPr id="5" name="TextBox 5"/>
+            <p:cNvPr id="6" name="TextBox 5">
+              <a:extLst>
+                <a:ext uri="{FF2B5EF4-FFF2-40B4-BE49-F238E27FC236}">
+                  <a16:creationId xmlns:a16="http://schemas.microsoft.com/office/drawing/2014/main" id="{3BF6D63C-86D1-CDEF-9556-E7DB9E317444}"/>
+                </a:ext>
+              </a:extLst>
+            </p:cNvPr>
             <p:cNvSpPr txBox="1"/>
             <p:nvPr/>
           </p:nvSpPr>
@@ -9759,10 +6969,10 @@
       </p:grpSp>
       <p:sp>
         <p:nvSpPr>
-          <p:cNvPr id="8" name="TextBox 12">
-            <a:extLst>
-              <a:ext uri="{FF2B5EF4-FFF2-40B4-BE49-F238E27FC236}">
-                <a16:creationId xmlns:a16="http://schemas.microsoft.com/office/drawing/2014/main" id="{3F379D6F-7BB8-49BB-974D-F79DABF6DE31}"/>
+          <p:cNvPr id="7" name="TextBox 12">
+            <a:extLst>
+              <a:ext uri="{FF2B5EF4-FFF2-40B4-BE49-F238E27FC236}">
+                <a16:creationId xmlns:a16="http://schemas.microsoft.com/office/drawing/2014/main" id="{A147BFC1-36C5-0543-D129-726DE13451E2}"/>
               </a:ext>
             </a:extLst>
           </p:cNvPr>
@@ -9771,15 +6981,15 @@
         </p:nvSpPr>
         <p:spPr>
           <a:xfrm>
-            <a:off x="2514600" y="571500"/>
-            <a:ext cx="7345101" cy="615553"/>
+            <a:off x="684089" y="324011"/>
+            <a:ext cx="3124200" cy="615553"/>
           </a:xfrm>
           <a:prstGeom prst="rect">
             <a:avLst/>
           </a:prstGeom>
         </p:spPr>
         <p:txBody>
-          <a:bodyPr lIns="0" tIns="0" rIns="0" bIns="0" rtlCol="0" anchor="t">
+          <a:bodyPr wrap="square" lIns="0" tIns="0" rIns="0" bIns="0" rtlCol="0" anchor="t">
             <a:spAutoFit/>
           </a:bodyPr>
           <a:lstStyle/>
@@ -9794,7 +7004,8 @@
                 <a:solidFill>
                   <a:srgbClr val="040506"/>
                 </a:solidFill>
-                <a:latin typeface="Archivo Black"/>
+                <a:latin typeface="Aharoni" panose="02010803020104030203" pitchFamily="2" charset="-79"/>
+                <a:cs typeface="Aharoni" panose="02010803020104030203" pitchFamily="2" charset="-79"/>
               </a:rPr>
               <a:t>Sub-Title</a:t>
             </a:r>
@@ -9803,10 +7014,10 @@
       </p:sp>
       <p:pic>
         <p:nvPicPr>
-          <p:cNvPr id="10" name="Picture 9">
-            <a:extLst>
-              <a:ext uri="{FF2B5EF4-FFF2-40B4-BE49-F238E27FC236}">
-                <a16:creationId xmlns:a16="http://schemas.microsoft.com/office/drawing/2014/main" id="{8EC774DF-2C83-4431-912F-3F0EB3B6CBD2}"/>
+          <p:cNvPr id="8" name="Picture 7" descr="A black and white logo&#10;&#10;Description automatically generated">
+            <a:extLst>
+              <a:ext uri="{FF2B5EF4-FFF2-40B4-BE49-F238E27FC236}">
+                <a16:creationId xmlns:a16="http://schemas.microsoft.com/office/drawing/2014/main" id="{F3590E98-FB91-32CB-63E0-1C83FEB5B6D4}"/>
               </a:ext>
             </a:extLst>
           </p:cNvPr>
@@ -9839,8 +7050,8 @@
         </p:blipFill>
         <p:spPr>
           <a:xfrm>
-            <a:off x="16178349" y="-1089"/>
-            <a:ext cx="2057400" cy="2111901"/>
+            <a:off x="10957559" y="1044884"/>
+            <a:ext cx="1005841" cy="1032486"/>
           </a:xfrm>
           <a:prstGeom prst="rect">
             <a:avLst/>
@@ -9850,7 +7061,7 @@
     </p:spTree>
     <p:extLst>
       <p:ext uri="{BB962C8B-B14F-4D97-AF65-F5344CB8AC3E}">
-        <p14:creationId xmlns:p14="http://schemas.microsoft.com/office/powerpoint/2010/main" val="3091135184"/>
+        <p14:creationId xmlns:p14="http://schemas.microsoft.com/office/powerpoint/2010/main" val="1625752512"/>
       </p:ext>
     </p:extLst>
   </p:cSld>
@@ -9863,6 +7074,20 @@
 <file path=ppt/slides/slide9.xml><?xml version="1.0" encoding="utf-8"?>
 <p:sld xmlns:a="http://schemas.openxmlformats.org/drawingml/2006/main" xmlns:r="http://schemas.openxmlformats.org/officeDocument/2006/relationships" xmlns:p="http://schemas.openxmlformats.org/presentationml/2006/main">
   <p:cSld>
+    <p:bg>
+      <p:bgPr>
+        <a:blipFill dpi="0" rotWithShape="1">
+          <a:blip r:embed="rId2">
+            <a:lum/>
+          </a:blip>
+          <a:srcRect/>
+          <a:stretch>
+            <a:fillRect/>
+          </a:stretch>
+        </a:blipFill>
+        <a:effectLst/>
+      </p:bgPr>
+    </p:bg>
     <p:spTree>
       <p:nvGrpSpPr>
         <p:cNvPr id="1" name=""/>
@@ -9877,76 +7102,35 @@
           <a:chExt cx="0" cy="0"/>
         </a:xfrm>
       </p:grpSpPr>
-      <p:sp>
-        <p:nvSpPr>
-          <p:cNvPr id="2" name="Freeform 2"/>
-          <p:cNvSpPr/>
-          <p:nvPr/>
-        </p:nvSpPr>
-        <p:spPr>
-          <a:xfrm flipH="1" flipV="1">
-            <a:off x="52251" y="0"/>
-            <a:ext cx="18288000" cy="10287000"/>
-          </a:xfrm>
-          <a:custGeom>
-            <a:avLst/>
-            <a:gdLst/>
-            <a:ahLst/>
-            <a:cxnLst/>
-            <a:rect l="l" t="t" r="r" b="b"/>
-            <a:pathLst>
-              <a:path w="18288000" h="10287000">
-                <a:moveTo>
-                  <a:pt x="18288000" y="10287000"/>
-                </a:moveTo>
-                <a:lnTo>
-                  <a:pt x="0" y="10287000"/>
-                </a:lnTo>
-                <a:lnTo>
-                  <a:pt x="0" y="0"/>
-                </a:lnTo>
-                <a:lnTo>
-                  <a:pt x="18288000" y="0"/>
-                </a:lnTo>
-                <a:lnTo>
-                  <a:pt x="18288000" y="10287000"/>
-                </a:lnTo>
-                <a:close/>
-              </a:path>
-            </a:pathLst>
-          </a:custGeom>
-          <a:blipFill>
-            <a:blip r:embed="rId2"/>
-            <a:stretch>
-              <a:fillRect t="-38888" b="-38888"/>
-            </a:stretch>
-          </a:blipFill>
-        </p:spPr>
-        <p:txBody>
-          <a:bodyPr/>
-          <a:lstStyle/>
-          <a:p>
-            <a:endParaRPr lang="en-ID"/>
-          </a:p>
-        </p:txBody>
-      </p:sp>
       <p:grpSp>
         <p:nvGrpSpPr>
-          <p:cNvPr id="3" name="Group 3"/>
+          <p:cNvPr id="9" name="Group 3">
+            <a:extLst>
+              <a:ext uri="{FF2B5EF4-FFF2-40B4-BE49-F238E27FC236}">
+                <a16:creationId xmlns:a16="http://schemas.microsoft.com/office/drawing/2014/main" id="{6088026D-EF10-520A-019A-A07F62B78DF2}"/>
+              </a:ext>
+            </a:extLst>
+          </p:cNvPr>
           <p:cNvGrpSpPr/>
           <p:nvPr/>
         </p:nvGrpSpPr>
         <p:grpSpPr>
           <a:xfrm>
             <a:off x="1" y="-7563"/>
-            <a:ext cx="4492376" cy="10674983"/>
+            <a:ext cx="4492376" cy="6865563"/>
             <a:chOff x="0" y="0"/>
             <a:chExt cx="450623" cy="2811518"/>
           </a:xfrm>
         </p:grpSpPr>
         <p:sp>
           <p:nvSpPr>
-            <p:cNvPr id="4" name="Freeform 4"/>
+            <p:cNvPr id="10" name="Freeform 4">
+              <a:extLst>
+                <a:ext uri="{FF2B5EF4-FFF2-40B4-BE49-F238E27FC236}">
+                  <a16:creationId xmlns:a16="http://schemas.microsoft.com/office/drawing/2014/main" id="{E1DD1718-853B-FA5A-DE58-28CAA4BAFD77}"/>
+                </a:ext>
+              </a:extLst>
+            </p:cNvPr>
             <p:cNvSpPr/>
             <p:nvPr/>
           </p:nvSpPr>
@@ -10018,7 +7202,13 @@
         </p:sp>
         <p:sp>
           <p:nvSpPr>
-            <p:cNvPr id="5" name="TextBox 5"/>
+            <p:cNvPr id="11" name="TextBox 5">
+              <a:extLst>
+                <a:ext uri="{FF2B5EF4-FFF2-40B4-BE49-F238E27FC236}">
+                  <a16:creationId xmlns:a16="http://schemas.microsoft.com/office/drawing/2014/main" id="{0DBCA3C7-4829-4429-FE9D-A4257DECCF29}"/>
+                </a:ext>
+              </a:extLst>
+            </p:cNvPr>
             <p:cNvSpPr txBox="1"/>
             <p:nvPr/>
           </p:nvSpPr>
@@ -10050,10 +7240,10 @@
       </p:grpSp>
       <p:sp>
         <p:nvSpPr>
-          <p:cNvPr id="8" name="TextBox 12">
-            <a:extLst>
-              <a:ext uri="{FF2B5EF4-FFF2-40B4-BE49-F238E27FC236}">
-                <a16:creationId xmlns:a16="http://schemas.microsoft.com/office/drawing/2014/main" id="{3F379D6F-7BB8-49BB-974D-F79DABF6DE31}"/>
+          <p:cNvPr id="12" name="TextBox 12">
+            <a:extLst>
+              <a:ext uri="{FF2B5EF4-FFF2-40B4-BE49-F238E27FC236}">
+                <a16:creationId xmlns:a16="http://schemas.microsoft.com/office/drawing/2014/main" id="{1E7D234D-A9A2-6A0B-8082-58CF806B82D0}"/>
               </a:ext>
             </a:extLst>
           </p:cNvPr>
@@ -10062,8 +7252,8 @@
         </p:nvSpPr>
         <p:spPr>
           <a:xfrm>
-            <a:off x="4774001" y="4779009"/>
-            <a:ext cx="8844499" cy="728982"/>
+            <a:off x="4051506" y="3414972"/>
+            <a:ext cx="9399199" cy="715581"/>
           </a:xfrm>
           <a:prstGeom prst="rect">
             <a:avLst/>
@@ -10081,11 +7271,12 @@
               </a:lnSpc>
             </a:pPr>
             <a:r>
-              <a:rPr lang="en-US" sz="7500" spc="49" dirty="0">
+              <a:rPr lang="en-US" sz="6600" spc="49" dirty="0">
                 <a:solidFill>
                   <a:srgbClr val="040506"/>
                 </a:solidFill>
-                <a:latin typeface="Archivo Black"/>
+                <a:latin typeface="Aharoni" panose="02010803020104030203" pitchFamily="2" charset="-79"/>
+                <a:cs typeface="Aharoni" panose="02010803020104030203" pitchFamily="2" charset="-79"/>
               </a:rPr>
               <a:t>Model Validation</a:t>
             </a:r>
@@ -10094,10 +7285,10 @@
       </p:sp>
       <p:pic>
         <p:nvPicPr>
-          <p:cNvPr id="10" name="Picture 9">
-            <a:extLst>
-              <a:ext uri="{FF2B5EF4-FFF2-40B4-BE49-F238E27FC236}">
-                <a16:creationId xmlns:a16="http://schemas.microsoft.com/office/drawing/2014/main" id="{73518660-E2EF-4586-912E-16A58A493C28}"/>
+          <p:cNvPr id="13" name="Picture 12">
+            <a:extLst>
+              <a:ext uri="{FF2B5EF4-FFF2-40B4-BE49-F238E27FC236}">
+                <a16:creationId xmlns:a16="http://schemas.microsoft.com/office/drawing/2014/main" id="{B825CFD3-811A-2F8D-D9B4-A35A89D4EE63}"/>
               </a:ext>
             </a:extLst>
           </p:cNvPr>
@@ -10130,8 +7321,8 @@
         </p:blipFill>
         <p:spPr>
           <a:xfrm>
-            <a:off x="16178349" y="-1089"/>
-            <a:ext cx="2057400" cy="2111901"/>
+            <a:off x="10927080" y="5536618"/>
+            <a:ext cx="1127760" cy="1157635"/>
           </a:xfrm>
           <a:prstGeom prst="rect">
             <a:avLst/>
@@ -10141,7 +7332,7 @@
     </p:spTree>
     <p:extLst>
       <p:ext uri="{BB962C8B-B14F-4D97-AF65-F5344CB8AC3E}">
-        <p14:creationId xmlns:p14="http://schemas.microsoft.com/office/powerpoint/2010/main" val="282409202"/>
+        <p14:creationId xmlns:p14="http://schemas.microsoft.com/office/powerpoint/2010/main" val="1329219902"/>
       </p:ext>
     </p:extLst>
   </p:cSld>
@@ -10162,296 +7353,13 @@
         <a:sysClr val="window" lastClr="FFFFFF"/>
       </a:lt1>
       <a:dk2>
-        <a:srgbClr val="1F497D"/>
-      </a:dk2>
-      <a:lt2>
-        <a:srgbClr val="EEECE1"/>
-      </a:lt2>
-      <a:accent1>
-        <a:srgbClr val="4F81BD"/>
-      </a:accent1>
-      <a:accent2>
-        <a:srgbClr val="C0504D"/>
-      </a:accent2>
-      <a:accent3>
-        <a:srgbClr val="9BBB59"/>
-      </a:accent3>
-      <a:accent4>
-        <a:srgbClr val="8064A2"/>
-      </a:accent4>
-      <a:accent5>
-        <a:srgbClr val="4BACC6"/>
-      </a:accent5>
-      <a:accent6>
-        <a:srgbClr val="F79646"/>
-      </a:accent6>
-      <a:hlink>
-        <a:srgbClr val="0000FF"/>
-      </a:hlink>
-      <a:folHlink>
-        <a:srgbClr val="800080"/>
-      </a:folHlink>
-    </a:clrScheme>
-    <a:fontScheme name="Office">
-      <a:majorFont>
-        <a:latin typeface="Calibri"/>
-        <a:ea typeface=""/>
-        <a:cs typeface=""/>
-        <a:font script="Jpan" typeface="ＭＳ Ｐゴシック"/>
-        <a:font script="Hang" typeface="맑은 고딕"/>
-        <a:font script="Hans" typeface="宋体"/>
-        <a:font script="Hant" typeface="新細明體"/>
-        <a:font script="Arab" typeface="Times New Roman"/>
-        <a:font script="Hebr" typeface="Times New Roman"/>
-        <a:font script="Thai" typeface="Angsana New"/>
-        <a:font script="Ethi" typeface="Nyala"/>
-        <a:font script="Beng" typeface="Vrinda"/>
-        <a:font script="Gujr" typeface="Shruti"/>
-        <a:font script="Khmr" typeface="MoolBoran"/>
-        <a:font script="Knda" typeface="Tunga"/>
-        <a:font script="Guru" typeface="Raavi"/>
-        <a:font script="Cans" typeface="Euphemia"/>
-        <a:font script="Cher" typeface="Plantagenet Cherokee"/>
-        <a:font script="Yiii" typeface="Microsoft Yi Baiti"/>
-        <a:font script="Tibt" typeface="Microsoft Himalaya"/>
-        <a:font script="Thaa" typeface="MV Boli"/>
-        <a:font script="Deva" typeface="Mangal"/>
-        <a:font script="Telu" typeface="Gautami"/>
-        <a:font script="Taml" typeface="Latha"/>
-        <a:font script="Syrc" typeface="Estrangelo Edessa"/>
-        <a:font script="Orya" typeface="Kalinga"/>
-        <a:font script="Mlym" typeface="Kartika"/>
-        <a:font script="Laoo" typeface="DokChampa"/>
-        <a:font script="Sinh" typeface="Iskoola Pota"/>
-        <a:font script="Mong" typeface="Mongolian Baiti"/>
-        <a:font script="Viet" typeface="Times New Roman"/>
-        <a:font script="Uigh" typeface="Microsoft Uighur"/>
-      </a:majorFont>
-      <a:minorFont>
-        <a:latin typeface="Calibri"/>
-        <a:ea typeface=""/>
-        <a:cs typeface=""/>
-        <a:font script="Jpan" typeface="ＭＳ Ｐゴシック"/>
-        <a:font script="Hang" typeface="맑은 고딕"/>
-        <a:font script="Hans" typeface="宋体"/>
-        <a:font script="Hant" typeface="新細明體"/>
-        <a:font script="Arab" typeface="Arial"/>
-        <a:font script="Hebr" typeface="Arial"/>
-        <a:font script="Thai" typeface="Cordia New"/>
-        <a:font script="Ethi" typeface="Nyala"/>
-        <a:font script="Beng" typeface="Vrinda"/>
-        <a:font script="Gujr" typeface="Shruti"/>
-        <a:font script="Khmr" typeface="DaunPenh"/>
-        <a:font script="Knda" typeface="Tunga"/>
-        <a:font script="Guru" typeface="Raavi"/>
-        <a:font script="Cans" typeface="Euphemia"/>
-        <a:font script="Cher" typeface="Plantagenet Cherokee"/>
-        <a:font script="Yiii" typeface="Microsoft Yi Baiti"/>
-        <a:font script="Tibt" typeface="Microsoft Himalaya"/>
-        <a:font script="Thaa" typeface="MV Boli"/>
-        <a:font script="Deva" typeface="Mangal"/>
-        <a:font script="Telu" typeface="Gautami"/>
-        <a:font script="Taml" typeface="Latha"/>
-        <a:font script="Syrc" typeface="Estrangelo Edessa"/>
-        <a:font script="Orya" typeface="Kalinga"/>
-        <a:font script="Mlym" typeface="Kartika"/>
-        <a:font script="Laoo" typeface="DokChampa"/>
-        <a:font script="Sinh" typeface="Iskoola Pota"/>
-        <a:font script="Mong" typeface="Mongolian Baiti"/>
-        <a:font script="Viet" typeface="Arial"/>
-        <a:font script="Uigh" typeface="Microsoft Uighur"/>
-      </a:minorFont>
-    </a:fontScheme>
-    <a:fmtScheme name="Office">
-      <a:fillStyleLst>
-        <a:solidFill>
-          <a:schemeClr val="phClr"/>
-        </a:solidFill>
-        <a:gradFill rotWithShape="1">
-          <a:gsLst>
-            <a:gs pos="0">
-              <a:schemeClr val="phClr">
-                <a:tint val="50000"/>
-                <a:satMod val="300000"/>
-              </a:schemeClr>
-            </a:gs>
-            <a:gs pos="35000">
-              <a:schemeClr val="phClr">
-                <a:tint val="37000"/>
-                <a:satMod val="300000"/>
-              </a:schemeClr>
-            </a:gs>
-            <a:gs pos="100000">
-              <a:schemeClr val="phClr">
-                <a:tint val="15000"/>
-                <a:satMod val="350000"/>
-              </a:schemeClr>
-            </a:gs>
-          </a:gsLst>
-          <a:lin ang="16200000" scaled="1"/>
-        </a:gradFill>
-        <a:gradFill rotWithShape="1">
-          <a:gsLst>
-            <a:gs pos="0">
-              <a:schemeClr val="phClr">
-                <a:shade val="51000"/>
-                <a:satMod val="130000"/>
-              </a:schemeClr>
-            </a:gs>
-            <a:gs pos="80000">
-              <a:schemeClr val="phClr">
-                <a:shade val="93000"/>
-                <a:satMod val="130000"/>
-              </a:schemeClr>
-            </a:gs>
-            <a:gs pos="100000">
-              <a:schemeClr val="phClr">
-                <a:shade val="94000"/>
-                <a:satMod val="135000"/>
-              </a:schemeClr>
-            </a:gs>
-          </a:gsLst>
-          <a:lin ang="16200000" scaled="0"/>
-        </a:gradFill>
-      </a:fillStyleLst>
-      <a:lnStyleLst>
-        <a:ln w="9525" cap="flat" cmpd="sng" algn="ctr">
-          <a:solidFill>
-            <a:schemeClr val="phClr">
-              <a:shade val="95000"/>
-              <a:satMod val="105000"/>
-            </a:schemeClr>
-          </a:solidFill>
-          <a:prstDash val="solid"/>
-        </a:ln>
-        <a:ln w="25400" cap="flat" cmpd="sng" algn="ctr">
-          <a:solidFill>
-            <a:schemeClr val="phClr"/>
-          </a:solidFill>
-          <a:prstDash val="solid"/>
-        </a:ln>
-        <a:ln w="38100" cap="flat" cmpd="sng" algn="ctr">
-          <a:solidFill>
-            <a:schemeClr val="phClr"/>
-          </a:solidFill>
-          <a:prstDash val="solid"/>
-        </a:ln>
-      </a:lnStyleLst>
-      <a:effectStyleLst>
-        <a:effectStyle>
-          <a:effectLst>
-            <a:outerShdw blurRad="40000" dist="20000" dir="5400000" rotWithShape="0">
-              <a:srgbClr val="000000">
-                <a:alpha val="38000"/>
-              </a:srgbClr>
-            </a:outerShdw>
-          </a:effectLst>
-        </a:effectStyle>
-        <a:effectStyle>
-          <a:effectLst>
-            <a:outerShdw blurRad="40000" dist="23000" dir="5400000" rotWithShape="0">
-              <a:srgbClr val="000000">
-                <a:alpha val="35000"/>
-              </a:srgbClr>
-            </a:outerShdw>
-          </a:effectLst>
-        </a:effectStyle>
-        <a:effectStyle>
-          <a:effectLst>
-            <a:outerShdw blurRad="40000" dist="23000" dir="5400000" rotWithShape="0">
-              <a:srgbClr val="000000">
-                <a:alpha val="35000"/>
-              </a:srgbClr>
-            </a:outerShdw>
-          </a:effectLst>
-          <a:scene3d>
-            <a:camera prst="orthographicFront">
-              <a:rot lat="0" lon="0" rev="0"/>
-            </a:camera>
-            <a:lightRig rig="threePt" dir="t">
-              <a:rot lat="0" lon="0" rev="1200000"/>
-            </a:lightRig>
-          </a:scene3d>
-          <a:sp3d>
-            <a:bevelT w="63500" h="25400"/>
-          </a:sp3d>
-        </a:effectStyle>
-      </a:effectStyleLst>
-      <a:bgFillStyleLst>
-        <a:solidFill>
-          <a:schemeClr val="phClr"/>
-        </a:solidFill>
-        <a:gradFill rotWithShape="1">
-          <a:gsLst>
-            <a:gs pos="0">
-              <a:schemeClr val="phClr">
-                <a:tint val="40000"/>
-                <a:satMod val="350000"/>
-              </a:schemeClr>
-            </a:gs>
-            <a:gs pos="40000">
-              <a:schemeClr val="phClr">
-                <a:tint val="45000"/>
-                <a:shade val="99000"/>
-                <a:satMod val="350000"/>
-              </a:schemeClr>
-            </a:gs>
-            <a:gs pos="100000">
-              <a:schemeClr val="phClr">
-                <a:shade val="20000"/>
-                <a:satMod val="255000"/>
-              </a:schemeClr>
-            </a:gs>
-          </a:gsLst>
-          <a:path path="circle">
-            <a:fillToRect l="50000" t="-80000" r="50000" b="180000"/>
-          </a:path>
-        </a:gradFill>
-        <a:gradFill rotWithShape="1">
-          <a:gsLst>
-            <a:gs pos="0">
-              <a:schemeClr val="phClr">
-                <a:tint val="80000"/>
-                <a:satMod val="300000"/>
-              </a:schemeClr>
-            </a:gs>
-            <a:gs pos="100000">
-              <a:schemeClr val="phClr">
-                <a:shade val="30000"/>
-                <a:satMod val="200000"/>
-              </a:schemeClr>
-            </a:gs>
-          </a:gsLst>
-          <a:path path="circle">
-            <a:fillToRect l="50000" t="50000" r="50000" b="50000"/>
-          </a:path>
-        </a:gradFill>
-      </a:bgFillStyleLst>
-    </a:fmtScheme>
-  </a:themeElements>
-  <a:objectDefaults/>
-  <a:extraClrSchemeLst/>
-</a:theme>
-</file>
-
-<file path=ppt/theme/theme2.xml><?xml version="1.0" encoding="utf-8"?>
-<a:theme xmlns:a="http://schemas.openxmlformats.org/drawingml/2006/main" name="1_Office Theme">
-  <a:themeElements>
-    <a:clrScheme name="Office">
-      <a:dk1>
-        <a:sysClr val="windowText" lastClr="000000"/>
-      </a:dk1>
-      <a:lt1>
-        <a:sysClr val="window" lastClr="FFFFFF"/>
-      </a:lt1>
-      <a:dk2>
         <a:srgbClr val="44546A"/>
       </a:dk2>
       <a:lt2>
         <a:srgbClr val="E7E6E6"/>
       </a:lt2>
       <a:accent1>
-        <a:srgbClr val="5B9BD5"/>
+        <a:srgbClr val="4472C4"/>
       </a:accent1>
       <a:accent2>
         <a:srgbClr val="ED7D31"/>
@@ -10463,7 +7371,7 @@
         <a:srgbClr val="FFC000"/>
       </a:accent4>
       <a:accent5>
-        <a:srgbClr val="4472C4"/>
+        <a:srgbClr val="5B9BD5"/>
       </a:accent5>
       <a:accent6>
         <a:srgbClr val="70AD47"/>
@@ -10510,6 +7418,23 @@
         <a:font script="Viet" typeface="Times New Roman"/>
         <a:font script="Uigh" typeface="Microsoft Uighur"/>
         <a:font script="Geor" typeface="Sylfaen"/>
+        <a:font script="Armn" typeface="Arial"/>
+        <a:font script="Bugi" typeface="Leelawadee UI"/>
+        <a:font script="Bopo" typeface="Microsoft JhengHei"/>
+        <a:font script="Java" typeface="Javanese Text"/>
+        <a:font script="Lisu" typeface="Segoe UI"/>
+        <a:font script="Mymr" typeface="Myanmar Text"/>
+        <a:font script="Nkoo" typeface="Ebrima"/>
+        <a:font script="Olck" typeface="Nirmala UI"/>
+        <a:font script="Osma" typeface="Ebrima"/>
+        <a:font script="Phag" typeface="Phagspa"/>
+        <a:font script="Syrn" typeface="Estrangelo Edessa"/>
+        <a:font script="Syrj" typeface="Estrangelo Edessa"/>
+        <a:font script="Syre" typeface="Estrangelo Edessa"/>
+        <a:font script="Sora" typeface="Nirmala UI"/>
+        <a:font script="Tale" typeface="Microsoft Tai Le"/>
+        <a:font script="Talu" typeface="Microsoft New Tai Lue"/>
+        <a:font script="Tfng" typeface="Ebrima"/>
       </a:majorFont>
       <a:minorFont>
         <a:latin typeface="Calibri" panose="020F0502020204030204"/>
@@ -10545,6 +7470,23 @@
         <a:font script="Viet" typeface="Arial"/>
         <a:font script="Uigh" typeface="Microsoft Uighur"/>
         <a:font script="Geor" typeface="Sylfaen"/>
+        <a:font script="Armn" typeface="Arial"/>
+        <a:font script="Bugi" typeface="Leelawadee UI"/>
+        <a:font script="Bopo" typeface="Microsoft JhengHei"/>
+        <a:font script="Java" typeface="Javanese Text"/>
+        <a:font script="Lisu" typeface="Segoe UI"/>
+        <a:font script="Mymr" typeface="Myanmar Text"/>
+        <a:font script="Nkoo" typeface="Ebrima"/>
+        <a:font script="Olck" typeface="Nirmala UI"/>
+        <a:font script="Osma" typeface="Ebrima"/>
+        <a:font script="Phag" typeface="Phagspa"/>
+        <a:font script="Syrn" typeface="Estrangelo Edessa"/>
+        <a:font script="Syrj" typeface="Estrangelo Edessa"/>
+        <a:font script="Syre" typeface="Estrangelo Edessa"/>
+        <a:font script="Sora" typeface="Nirmala UI"/>
+        <a:font script="Tale" typeface="Microsoft Tai Le"/>
+        <a:font script="Talu" typeface="Microsoft New Tai Lue"/>
+        <a:font script="Tfng" typeface="Ebrima"/>
       </a:minorFont>
     </a:fontScheme>
     <a:fmtScheme name="Office">
